--- a/intro_to_web_scraping/intro_web_scraping_python.pptx
+++ b/intro_to_web_scraping/intro_web_scraping_python.pptx
@@ -4,14 +4,24 @@
   <p:sldMasterIdLst>
     <p:sldMasterId id="2147483648" r:id="rId1"/>
   </p:sldMasterIdLst>
+  <p:notesMasterIdLst>
+    <p:notesMasterId r:id="rId16"/>
+  </p:notesMasterIdLst>
   <p:sldIdLst>
     <p:sldId id="256" r:id="rId2"/>
-    <p:sldId id="257" r:id="rId3"/>
-    <p:sldId id="258" r:id="rId4"/>
-    <p:sldId id="259" r:id="rId5"/>
-    <p:sldId id="260" r:id="rId6"/>
-    <p:sldId id="261" r:id="rId7"/>
-    <p:sldId id="262" r:id="rId8"/>
+    <p:sldId id="272" r:id="rId3"/>
+    <p:sldId id="263" r:id="rId4"/>
+    <p:sldId id="257" r:id="rId5"/>
+    <p:sldId id="271" r:id="rId6"/>
+    <p:sldId id="268" r:id="rId7"/>
+    <p:sldId id="258" r:id="rId8"/>
+    <p:sldId id="259" r:id="rId9"/>
+    <p:sldId id="264" r:id="rId10"/>
+    <p:sldId id="266" r:id="rId11"/>
+    <p:sldId id="267" r:id="rId12"/>
+    <p:sldId id="269" r:id="rId13"/>
+    <p:sldId id="262" r:id="rId14"/>
+    <p:sldId id="273" r:id="rId15"/>
   </p:sldIdLst>
   <p:sldSz cx="12192000" cy="6858000"/>
   <p:notesSz cx="6858000" cy="9144000"/>
@@ -110,7 +120,639 @@
       </a:defRPr>
     </a:lvl9pPr>
   </p:defaultTextStyle>
+  <p:extLst>
+    <p:ext uri="{EFAFB233-063F-42B5-8137-9DF3F51BA10A}">
+      <p15:sldGuideLst xmlns:p15="http://schemas.microsoft.com/office/powerpoint/2012/main"/>
+    </p:ext>
+  </p:extLst>
 </p:presentation>
+</file>
+
+<file path=ppt/notesMasters/notesMaster1.xml><?xml version="1.0" encoding="utf-8"?>
+<p:notesMaster xmlns:a="http://schemas.openxmlformats.org/drawingml/2006/main" xmlns:r="http://schemas.openxmlformats.org/officeDocument/2006/relationships" xmlns:p="http://schemas.openxmlformats.org/presentationml/2006/main">
+  <p:cSld>
+    <p:bg>
+      <p:bgRef idx="1001">
+        <a:schemeClr val="bg1"/>
+      </p:bgRef>
+    </p:bg>
+    <p:spTree>
+      <p:nvGrpSpPr>
+        <p:cNvPr id="1" name=""/>
+        <p:cNvGrpSpPr/>
+        <p:nvPr/>
+      </p:nvGrpSpPr>
+      <p:grpSpPr>
+        <a:xfrm>
+          <a:off x="0" y="0"/>
+          <a:ext cx="0" cy="0"/>
+          <a:chOff x="0" y="0"/>
+          <a:chExt cx="0" cy="0"/>
+        </a:xfrm>
+      </p:grpSpPr>
+      <p:sp>
+        <p:nvSpPr>
+          <p:cNvPr id="2" name="Header Placeholder 1"/>
+          <p:cNvSpPr>
+            <a:spLocks noGrp="1"/>
+          </p:cNvSpPr>
+          <p:nvPr>
+            <p:ph type="hdr" sz="quarter"/>
+          </p:nvPr>
+        </p:nvSpPr>
+        <p:spPr>
+          <a:xfrm>
+            <a:off x="0" y="0"/>
+            <a:ext cx="2971800" cy="458788"/>
+          </a:xfrm>
+          <a:prstGeom prst="rect">
+            <a:avLst/>
+          </a:prstGeom>
+        </p:spPr>
+        <p:txBody>
+          <a:bodyPr vert="horz" lIns="91440" tIns="45720" rIns="91440" bIns="45720" rtlCol="0"/>
+          <a:lstStyle>
+            <a:lvl1pPr algn="l">
+              <a:defRPr sz="1200"/>
+            </a:lvl1pPr>
+          </a:lstStyle>
+          <a:p>
+            <a:endParaRPr lang="en-US"/>
+          </a:p>
+        </p:txBody>
+      </p:sp>
+      <p:sp>
+        <p:nvSpPr>
+          <p:cNvPr id="3" name="Date Placeholder 2"/>
+          <p:cNvSpPr>
+            <a:spLocks noGrp="1"/>
+          </p:cNvSpPr>
+          <p:nvPr>
+            <p:ph type="dt" idx="1"/>
+          </p:nvPr>
+        </p:nvSpPr>
+        <p:spPr>
+          <a:xfrm>
+            <a:off x="3884613" y="0"/>
+            <a:ext cx="2971800" cy="458788"/>
+          </a:xfrm>
+          <a:prstGeom prst="rect">
+            <a:avLst/>
+          </a:prstGeom>
+        </p:spPr>
+        <p:txBody>
+          <a:bodyPr vert="horz" lIns="91440" tIns="45720" rIns="91440" bIns="45720" rtlCol="0"/>
+          <a:lstStyle>
+            <a:lvl1pPr algn="r">
+              <a:defRPr sz="1200"/>
+            </a:lvl1pPr>
+          </a:lstStyle>
+          <a:p>
+            <a:fld id="{D83A83B0-16FF-B647-8914-51647987D3C4}" type="datetimeFigureOut">
+              <a:rPr lang="en-US" smtClean="0"/>
+              <a:t>3/8/24</a:t>
+            </a:fld>
+            <a:endParaRPr lang="en-US"/>
+          </a:p>
+        </p:txBody>
+      </p:sp>
+      <p:sp>
+        <p:nvSpPr>
+          <p:cNvPr id="4" name="Slide Image Placeholder 3"/>
+          <p:cNvSpPr>
+            <a:spLocks noGrp="1" noRot="1" noChangeAspect="1"/>
+          </p:cNvSpPr>
+          <p:nvPr>
+            <p:ph type="sldImg" idx="2"/>
+          </p:nvPr>
+        </p:nvSpPr>
+        <p:spPr>
+          <a:xfrm>
+            <a:off x="685800" y="1143000"/>
+            <a:ext cx="5486400" cy="3086100"/>
+          </a:xfrm>
+          <a:prstGeom prst="rect">
+            <a:avLst/>
+          </a:prstGeom>
+          <a:noFill/>
+          <a:ln w="12700">
+            <a:solidFill>
+              <a:prstClr val="black"/>
+            </a:solidFill>
+          </a:ln>
+        </p:spPr>
+        <p:txBody>
+          <a:bodyPr vert="horz" lIns="91440" tIns="45720" rIns="91440" bIns="45720" rtlCol="0" anchor="ctr"/>
+          <a:lstStyle/>
+          <a:p>
+            <a:endParaRPr lang="en-US"/>
+          </a:p>
+        </p:txBody>
+      </p:sp>
+      <p:sp>
+        <p:nvSpPr>
+          <p:cNvPr id="5" name="Notes Placeholder 4"/>
+          <p:cNvSpPr>
+            <a:spLocks noGrp="1"/>
+          </p:cNvSpPr>
+          <p:nvPr>
+            <p:ph type="body" sz="quarter" idx="3"/>
+          </p:nvPr>
+        </p:nvSpPr>
+        <p:spPr>
+          <a:xfrm>
+            <a:off x="685800" y="4400550"/>
+            <a:ext cx="5486400" cy="3600450"/>
+          </a:xfrm>
+          <a:prstGeom prst="rect">
+            <a:avLst/>
+          </a:prstGeom>
+        </p:spPr>
+        <p:txBody>
+          <a:bodyPr vert="horz" lIns="91440" tIns="45720" rIns="91440" bIns="45720" rtlCol="0"/>
+          <a:lstStyle/>
+          <a:p>
+            <a:pPr lvl="0"/>
+            <a:r>
+              <a:rPr lang="en-US"/>
+              <a:t>Click to edit Master text styles</a:t>
+            </a:r>
+          </a:p>
+          <a:p>
+            <a:pPr lvl="1"/>
+            <a:r>
+              <a:rPr lang="en-US"/>
+              <a:t>Second level</a:t>
+            </a:r>
+          </a:p>
+          <a:p>
+            <a:pPr lvl="2"/>
+            <a:r>
+              <a:rPr lang="en-US"/>
+              <a:t>Third level</a:t>
+            </a:r>
+          </a:p>
+          <a:p>
+            <a:pPr lvl="3"/>
+            <a:r>
+              <a:rPr lang="en-US"/>
+              <a:t>Fourth level</a:t>
+            </a:r>
+          </a:p>
+          <a:p>
+            <a:pPr lvl="4"/>
+            <a:r>
+              <a:rPr lang="en-US"/>
+              <a:t>Fifth level</a:t>
+            </a:r>
+          </a:p>
+        </p:txBody>
+      </p:sp>
+      <p:sp>
+        <p:nvSpPr>
+          <p:cNvPr id="6" name="Footer Placeholder 5"/>
+          <p:cNvSpPr>
+            <a:spLocks noGrp="1"/>
+          </p:cNvSpPr>
+          <p:nvPr>
+            <p:ph type="ftr" sz="quarter" idx="4"/>
+          </p:nvPr>
+        </p:nvSpPr>
+        <p:spPr>
+          <a:xfrm>
+            <a:off x="0" y="8685213"/>
+            <a:ext cx="2971800" cy="458787"/>
+          </a:xfrm>
+          <a:prstGeom prst="rect">
+            <a:avLst/>
+          </a:prstGeom>
+        </p:spPr>
+        <p:txBody>
+          <a:bodyPr vert="horz" lIns="91440" tIns="45720" rIns="91440" bIns="45720" rtlCol="0" anchor="b"/>
+          <a:lstStyle>
+            <a:lvl1pPr algn="l">
+              <a:defRPr sz="1200"/>
+            </a:lvl1pPr>
+          </a:lstStyle>
+          <a:p>
+            <a:endParaRPr lang="en-US"/>
+          </a:p>
+        </p:txBody>
+      </p:sp>
+      <p:sp>
+        <p:nvSpPr>
+          <p:cNvPr id="7" name="Slide Number Placeholder 6"/>
+          <p:cNvSpPr>
+            <a:spLocks noGrp="1"/>
+          </p:cNvSpPr>
+          <p:nvPr>
+            <p:ph type="sldNum" sz="quarter" idx="5"/>
+          </p:nvPr>
+        </p:nvSpPr>
+        <p:spPr>
+          <a:xfrm>
+            <a:off x="3884613" y="8685213"/>
+            <a:ext cx="2971800" cy="458787"/>
+          </a:xfrm>
+          <a:prstGeom prst="rect">
+            <a:avLst/>
+          </a:prstGeom>
+        </p:spPr>
+        <p:txBody>
+          <a:bodyPr vert="horz" lIns="91440" tIns="45720" rIns="91440" bIns="45720" rtlCol="0" anchor="b"/>
+          <a:lstStyle>
+            <a:lvl1pPr algn="r">
+              <a:defRPr sz="1200"/>
+            </a:lvl1pPr>
+          </a:lstStyle>
+          <a:p>
+            <a:fld id="{246A10EF-9DE4-BD4D-AB9A-1363CBD8E207}" type="slidenum">
+              <a:rPr lang="en-US" smtClean="0"/>
+              <a:t>‹#›</a:t>
+            </a:fld>
+            <a:endParaRPr lang="en-US"/>
+          </a:p>
+        </p:txBody>
+      </p:sp>
+    </p:spTree>
+    <p:extLst>
+      <p:ext uri="{BB962C8B-B14F-4D97-AF65-F5344CB8AC3E}">
+        <p14:creationId xmlns:p14="http://schemas.microsoft.com/office/powerpoint/2010/main" val="4261688134"/>
+      </p:ext>
+    </p:extLst>
+  </p:cSld>
+  <p:clrMap bg1="lt1" tx1="dk1" bg2="lt2" tx2="dk2" accent1="accent1" accent2="accent2" accent3="accent3" accent4="accent4" accent5="accent5" accent6="accent6" hlink="hlink" folHlink="folHlink"/>
+  <p:notesStyle>
+    <a:lvl1pPr marL="0" algn="l" defTabSz="914400" rtl="0" eaLnBrk="1" latinLnBrk="0" hangingPunct="1">
+      <a:defRPr sz="1200" kern="1200">
+        <a:solidFill>
+          <a:schemeClr val="tx1"/>
+        </a:solidFill>
+        <a:latin typeface="+mn-lt"/>
+        <a:ea typeface="+mn-ea"/>
+        <a:cs typeface="+mn-cs"/>
+      </a:defRPr>
+    </a:lvl1pPr>
+    <a:lvl2pPr marL="457200" algn="l" defTabSz="914400" rtl="0" eaLnBrk="1" latinLnBrk="0" hangingPunct="1">
+      <a:defRPr sz="1200" kern="1200">
+        <a:solidFill>
+          <a:schemeClr val="tx1"/>
+        </a:solidFill>
+        <a:latin typeface="+mn-lt"/>
+        <a:ea typeface="+mn-ea"/>
+        <a:cs typeface="+mn-cs"/>
+      </a:defRPr>
+    </a:lvl2pPr>
+    <a:lvl3pPr marL="914400" algn="l" defTabSz="914400" rtl="0" eaLnBrk="1" latinLnBrk="0" hangingPunct="1">
+      <a:defRPr sz="1200" kern="1200">
+        <a:solidFill>
+          <a:schemeClr val="tx1"/>
+        </a:solidFill>
+        <a:latin typeface="+mn-lt"/>
+        <a:ea typeface="+mn-ea"/>
+        <a:cs typeface="+mn-cs"/>
+      </a:defRPr>
+    </a:lvl3pPr>
+    <a:lvl4pPr marL="1371600" algn="l" defTabSz="914400" rtl="0" eaLnBrk="1" latinLnBrk="0" hangingPunct="1">
+      <a:defRPr sz="1200" kern="1200">
+        <a:solidFill>
+          <a:schemeClr val="tx1"/>
+        </a:solidFill>
+        <a:latin typeface="+mn-lt"/>
+        <a:ea typeface="+mn-ea"/>
+        <a:cs typeface="+mn-cs"/>
+      </a:defRPr>
+    </a:lvl4pPr>
+    <a:lvl5pPr marL="1828800" algn="l" defTabSz="914400" rtl="0" eaLnBrk="1" latinLnBrk="0" hangingPunct="1">
+      <a:defRPr sz="1200" kern="1200">
+        <a:solidFill>
+          <a:schemeClr val="tx1"/>
+        </a:solidFill>
+        <a:latin typeface="+mn-lt"/>
+        <a:ea typeface="+mn-ea"/>
+        <a:cs typeface="+mn-cs"/>
+      </a:defRPr>
+    </a:lvl5pPr>
+    <a:lvl6pPr marL="2286000" algn="l" defTabSz="914400" rtl="0" eaLnBrk="1" latinLnBrk="0" hangingPunct="1">
+      <a:defRPr sz="1200" kern="1200">
+        <a:solidFill>
+          <a:schemeClr val="tx1"/>
+        </a:solidFill>
+        <a:latin typeface="+mn-lt"/>
+        <a:ea typeface="+mn-ea"/>
+        <a:cs typeface="+mn-cs"/>
+      </a:defRPr>
+    </a:lvl6pPr>
+    <a:lvl7pPr marL="2743200" algn="l" defTabSz="914400" rtl="0" eaLnBrk="1" latinLnBrk="0" hangingPunct="1">
+      <a:defRPr sz="1200" kern="1200">
+        <a:solidFill>
+          <a:schemeClr val="tx1"/>
+        </a:solidFill>
+        <a:latin typeface="+mn-lt"/>
+        <a:ea typeface="+mn-ea"/>
+        <a:cs typeface="+mn-cs"/>
+      </a:defRPr>
+    </a:lvl7pPr>
+    <a:lvl8pPr marL="3200400" algn="l" defTabSz="914400" rtl="0" eaLnBrk="1" latinLnBrk="0" hangingPunct="1">
+      <a:defRPr sz="1200" kern="1200">
+        <a:solidFill>
+          <a:schemeClr val="tx1"/>
+        </a:solidFill>
+        <a:latin typeface="+mn-lt"/>
+        <a:ea typeface="+mn-ea"/>
+        <a:cs typeface="+mn-cs"/>
+      </a:defRPr>
+    </a:lvl8pPr>
+    <a:lvl9pPr marL="3657600" algn="l" defTabSz="914400" rtl="0" eaLnBrk="1" latinLnBrk="0" hangingPunct="1">
+      <a:defRPr sz="1200" kern="1200">
+        <a:solidFill>
+          <a:schemeClr val="tx1"/>
+        </a:solidFill>
+        <a:latin typeface="+mn-lt"/>
+        <a:ea typeface="+mn-ea"/>
+        <a:cs typeface="+mn-cs"/>
+      </a:defRPr>
+    </a:lvl9pPr>
+  </p:notesStyle>
+</p:notesMaster>
+</file>
+
+<file path=ppt/notesSlides/notesSlide1.xml><?xml version="1.0" encoding="utf-8"?>
+<p:notes xmlns:a="http://schemas.openxmlformats.org/drawingml/2006/main" xmlns:r="http://schemas.openxmlformats.org/officeDocument/2006/relationships" xmlns:p="http://schemas.openxmlformats.org/presentationml/2006/main">
+  <p:cSld>
+    <p:spTree>
+      <p:nvGrpSpPr>
+        <p:cNvPr id="1" name=""/>
+        <p:cNvGrpSpPr/>
+        <p:nvPr/>
+      </p:nvGrpSpPr>
+      <p:grpSpPr>
+        <a:xfrm>
+          <a:off x="0" y="0"/>
+          <a:ext cx="0" cy="0"/>
+          <a:chOff x="0" y="0"/>
+          <a:chExt cx="0" cy="0"/>
+        </a:xfrm>
+      </p:grpSpPr>
+      <p:sp>
+        <p:nvSpPr>
+          <p:cNvPr id="2" name="Slide Image Placeholder 1"/>
+          <p:cNvSpPr>
+            <a:spLocks noGrp="1" noRot="1" noChangeAspect="1"/>
+          </p:cNvSpPr>
+          <p:nvPr>
+            <p:ph type="sldImg"/>
+          </p:nvPr>
+        </p:nvSpPr>
+        <p:spPr/>
+      </p:sp>
+      <p:sp>
+        <p:nvSpPr>
+          <p:cNvPr id="3" name="Notes Placeholder 2"/>
+          <p:cNvSpPr>
+            <a:spLocks noGrp="1"/>
+          </p:cNvSpPr>
+          <p:nvPr>
+            <p:ph type="body" idx="1"/>
+          </p:nvPr>
+        </p:nvSpPr>
+        <p:spPr/>
+        <p:txBody>
+          <a:bodyPr/>
+          <a:lstStyle/>
+          <a:p>
+            <a:pPr marL="0" marR="0" lvl="0" indent="0" algn="l" defTabSz="914400" rtl="0" eaLnBrk="1" fontAlgn="auto" latinLnBrk="0" hangingPunct="1">
+              <a:lnSpc>
+                <a:spcPct val="100000"/>
+              </a:lnSpc>
+              <a:spcBef>
+                <a:spcPts val="0"/>
+              </a:spcBef>
+              <a:spcAft>
+                <a:spcPts val="0"/>
+              </a:spcAft>
+              <a:buClrTx/>
+              <a:buSzTx/>
+              <a:buFontTx/>
+              <a:buNone/>
+              <a:tabLst/>
+              <a:defRPr/>
+            </a:pPr>
+            <a:r>
+              <a:rPr lang="en-US" dirty="0">
+                <a:hlinkClick r:id="rId3"/>
+              </a:rPr>
+              <a:t>https://www2.stat.duke.edu/courses/Fall19/sta199.001/slides/lec-slides/06a-web-scrape.html#28</a:t>
+            </a:r>
+            <a:endParaRPr lang="en-US" dirty="0"/>
+          </a:p>
+          <a:p>
+            <a:endParaRPr lang="en-US" dirty="0"/>
+          </a:p>
+        </p:txBody>
+      </p:sp>
+      <p:sp>
+        <p:nvSpPr>
+          <p:cNvPr id="4" name="Slide Number Placeholder 3"/>
+          <p:cNvSpPr>
+            <a:spLocks noGrp="1"/>
+          </p:cNvSpPr>
+          <p:nvPr>
+            <p:ph type="sldNum" sz="quarter" idx="5"/>
+          </p:nvPr>
+        </p:nvSpPr>
+        <p:spPr/>
+        <p:txBody>
+          <a:bodyPr/>
+          <a:lstStyle/>
+          <a:p>
+            <a:fld id="{246A10EF-9DE4-BD4D-AB9A-1363CBD8E207}" type="slidenum">
+              <a:rPr lang="en-US" smtClean="0"/>
+              <a:t>1</a:t>
+            </a:fld>
+            <a:endParaRPr lang="en-US"/>
+          </a:p>
+        </p:txBody>
+      </p:sp>
+    </p:spTree>
+    <p:extLst>
+      <p:ext uri="{BB962C8B-B14F-4D97-AF65-F5344CB8AC3E}">
+        <p14:creationId xmlns:p14="http://schemas.microsoft.com/office/powerpoint/2010/main" val="2381669859"/>
+      </p:ext>
+    </p:extLst>
+  </p:cSld>
+  <p:clrMapOvr>
+    <a:masterClrMapping/>
+  </p:clrMapOvr>
+</p:notes>
+</file>
+
+<file path=ppt/notesSlides/notesSlide2.xml><?xml version="1.0" encoding="utf-8"?>
+<p:notes xmlns:a="http://schemas.openxmlformats.org/drawingml/2006/main" xmlns:r="http://schemas.openxmlformats.org/officeDocument/2006/relationships" xmlns:p="http://schemas.openxmlformats.org/presentationml/2006/main">
+  <p:cSld>
+    <p:spTree>
+      <p:nvGrpSpPr>
+        <p:cNvPr id="1" name=""/>
+        <p:cNvGrpSpPr/>
+        <p:nvPr/>
+      </p:nvGrpSpPr>
+      <p:grpSpPr>
+        <a:xfrm>
+          <a:off x="0" y="0"/>
+          <a:ext cx="0" cy="0"/>
+          <a:chOff x="0" y="0"/>
+          <a:chExt cx="0" cy="0"/>
+        </a:xfrm>
+      </p:grpSpPr>
+      <p:sp>
+        <p:nvSpPr>
+          <p:cNvPr id="2" name="Slide Image Placeholder 1"/>
+          <p:cNvSpPr>
+            <a:spLocks noGrp="1" noRot="1" noChangeAspect="1"/>
+          </p:cNvSpPr>
+          <p:nvPr>
+            <p:ph type="sldImg"/>
+          </p:nvPr>
+        </p:nvSpPr>
+        <p:spPr/>
+      </p:sp>
+      <p:sp>
+        <p:nvSpPr>
+          <p:cNvPr id="3" name="Notes Placeholder 2"/>
+          <p:cNvSpPr>
+            <a:spLocks noGrp="1"/>
+          </p:cNvSpPr>
+          <p:nvPr>
+            <p:ph type="body" idx="1"/>
+          </p:nvPr>
+        </p:nvSpPr>
+        <p:spPr/>
+        <p:txBody>
+          <a:bodyPr/>
+          <a:lstStyle/>
+          <a:p>
+            <a:endParaRPr lang="en-US" dirty="0"/>
+          </a:p>
+        </p:txBody>
+      </p:sp>
+      <p:sp>
+        <p:nvSpPr>
+          <p:cNvPr id="4" name="Slide Number Placeholder 3"/>
+          <p:cNvSpPr>
+            <a:spLocks noGrp="1"/>
+          </p:cNvSpPr>
+          <p:nvPr>
+            <p:ph type="sldNum" sz="quarter" idx="5"/>
+          </p:nvPr>
+        </p:nvSpPr>
+        <p:spPr/>
+        <p:txBody>
+          <a:bodyPr/>
+          <a:lstStyle/>
+          <a:p>
+            <a:fld id="{246A10EF-9DE4-BD4D-AB9A-1363CBD8E207}" type="slidenum">
+              <a:rPr lang="en-US" smtClean="0"/>
+              <a:t>6</a:t>
+            </a:fld>
+            <a:endParaRPr lang="en-US"/>
+          </a:p>
+        </p:txBody>
+      </p:sp>
+    </p:spTree>
+    <p:extLst>
+      <p:ext uri="{BB962C8B-B14F-4D97-AF65-F5344CB8AC3E}">
+        <p14:creationId xmlns:p14="http://schemas.microsoft.com/office/powerpoint/2010/main" val="1957765419"/>
+      </p:ext>
+    </p:extLst>
+  </p:cSld>
+  <p:clrMapOvr>
+    <a:masterClrMapping/>
+  </p:clrMapOvr>
+</p:notes>
+</file>
+
+<file path=ppt/notesSlides/notesSlide3.xml><?xml version="1.0" encoding="utf-8"?>
+<p:notes xmlns:a="http://schemas.openxmlformats.org/drawingml/2006/main" xmlns:r="http://schemas.openxmlformats.org/officeDocument/2006/relationships" xmlns:p="http://schemas.openxmlformats.org/presentationml/2006/main">
+  <p:cSld>
+    <p:spTree>
+      <p:nvGrpSpPr>
+        <p:cNvPr id="1" name=""/>
+        <p:cNvGrpSpPr/>
+        <p:nvPr/>
+      </p:nvGrpSpPr>
+      <p:grpSpPr>
+        <a:xfrm>
+          <a:off x="0" y="0"/>
+          <a:ext cx="0" cy="0"/>
+          <a:chOff x="0" y="0"/>
+          <a:chExt cx="0" cy="0"/>
+        </a:xfrm>
+      </p:grpSpPr>
+      <p:sp>
+        <p:nvSpPr>
+          <p:cNvPr id="2" name="Slide Image Placeholder 1"/>
+          <p:cNvSpPr>
+            <a:spLocks noGrp="1" noRot="1" noChangeAspect="1"/>
+          </p:cNvSpPr>
+          <p:nvPr>
+            <p:ph type="sldImg"/>
+          </p:nvPr>
+        </p:nvSpPr>
+        <p:spPr/>
+      </p:sp>
+      <p:sp>
+        <p:nvSpPr>
+          <p:cNvPr id="3" name="Notes Placeholder 2"/>
+          <p:cNvSpPr>
+            <a:spLocks noGrp="1"/>
+          </p:cNvSpPr>
+          <p:nvPr>
+            <p:ph type="body" idx="1"/>
+          </p:nvPr>
+        </p:nvSpPr>
+        <p:spPr/>
+        <p:txBody>
+          <a:bodyPr/>
+          <a:lstStyle/>
+          <a:p>
+            <a:endParaRPr lang="en-US" dirty="0"/>
+          </a:p>
+        </p:txBody>
+      </p:sp>
+      <p:sp>
+        <p:nvSpPr>
+          <p:cNvPr id="4" name="Slide Number Placeholder 3"/>
+          <p:cNvSpPr>
+            <a:spLocks noGrp="1"/>
+          </p:cNvSpPr>
+          <p:nvPr>
+            <p:ph type="sldNum" sz="quarter" idx="5"/>
+          </p:nvPr>
+        </p:nvSpPr>
+        <p:spPr/>
+        <p:txBody>
+          <a:bodyPr/>
+          <a:lstStyle/>
+          <a:p>
+            <a:fld id="{246A10EF-9DE4-BD4D-AB9A-1363CBD8E207}" type="slidenum">
+              <a:rPr lang="en-US" smtClean="0"/>
+              <a:t>9</a:t>
+            </a:fld>
+            <a:endParaRPr lang="en-US"/>
+          </a:p>
+        </p:txBody>
+      </p:sp>
+    </p:spTree>
+    <p:extLst>
+      <p:ext uri="{BB962C8B-B14F-4D97-AF65-F5344CB8AC3E}">
+        <p14:creationId xmlns:p14="http://schemas.microsoft.com/office/powerpoint/2010/main" val="1202061390"/>
+      </p:ext>
+    </p:extLst>
+  </p:cSld>
+  <p:clrMapOvr>
+    <a:masterClrMapping/>
+  </p:clrMapOvr>
+</p:notes>
 </file>
 
 <file path=ppt/slideLayouts/slideLayout1.xml><?xml version="1.0" encoding="utf-8"?>
@@ -260,7 +902,7 @@
           <a:p>
             <a:fld id="{A0EE6797-87B2-F24F-AFC3-193A4A70C1C6}" type="datetimeFigureOut">
               <a:rPr lang="en-US" smtClean="0"/>
-              <a:t>3/3/24</a:t>
+              <a:t>3/7/24</a:t>
             </a:fld>
             <a:endParaRPr lang="en-US"/>
           </a:p>
@@ -458,7 +1100,7 @@
           <a:p>
             <a:fld id="{A0EE6797-87B2-F24F-AFC3-193A4A70C1C6}" type="datetimeFigureOut">
               <a:rPr lang="en-US" smtClean="0"/>
-              <a:t>3/3/24</a:t>
+              <a:t>3/7/24</a:t>
             </a:fld>
             <a:endParaRPr lang="en-US"/>
           </a:p>
@@ -666,7 +1308,7 @@
           <a:p>
             <a:fld id="{A0EE6797-87B2-F24F-AFC3-193A4A70C1C6}" type="datetimeFigureOut">
               <a:rPr lang="en-US" smtClean="0"/>
-              <a:t>3/3/24</a:t>
+              <a:t>3/7/24</a:t>
             </a:fld>
             <a:endParaRPr lang="en-US"/>
           </a:p>
@@ -864,7 +1506,7 @@
           <a:p>
             <a:fld id="{A0EE6797-87B2-F24F-AFC3-193A4A70C1C6}" type="datetimeFigureOut">
               <a:rPr lang="en-US" smtClean="0"/>
-              <a:t>3/3/24</a:t>
+              <a:t>3/7/24</a:t>
             </a:fld>
             <a:endParaRPr lang="en-US"/>
           </a:p>
@@ -1139,7 +1781,7 @@
           <a:p>
             <a:fld id="{A0EE6797-87B2-F24F-AFC3-193A4A70C1C6}" type="datetimeFigureOut">
               <a:rPr lang="en-US" smtClean="0"/>
-              <a:t>3/3/24</a:t>
+              <a:t>3/7/24</a:t>
             </a:fld>
             <a:endParaRPr lang="en-US"/>
           </a:p>
@@ -1404,7 +2046,7 @@
           <a:p>
             <a:fld id="{A0EE6797-87B2-F24F-AFC3-193A4A70C1C6}" type="datetimeFigureOut">
               <a:rPr lang="en-US" smtClean="0"/>
-              <a:t>3/3/24</a:t>
+              <a:t>3/7/24</a:t>
             </a:fld>
             <a:endParaRPr lang="en-US"/>
           </a:p>
@@ -1816,7 +2458,7 @@
           <a:p>
             <a:fld id="{A0EE6797-87B2-F24F-AFC3-193A4A70C1C6}" type="datetimeFigureOut">
               <a:rPr lang="en-US" smtClean="0"/>
-              <a:t>3/3/24</a:t>
+              <a:t>3/7/24</a:t>
             </a:fld>
             <a:endParaRPr lang="en-US"/>
           </a:p>
@@ -1957,7 +2599,7 @@
           <a:p>
             <a:fld id="{A0EE6797-87B2-F24F-AFC3-193A4A70C1C6}" type="datetimeFigureOut">
               <a:rPr lang="en-US" smtClean="0"/>
-              <a:t>3/3/24</a:t>
+              <a:t>3/7/24</a:t>
             </a:fld>
             <a:endParaRPr lang="en-US"/>
           </a:p>
@@ -2070,7 +2712,7 @@
           <a:p>
             <a:fld id="{A0EE6797-87B2-F24F-AFC3-193A4A70C1C6}" type="datetimeFigureOut">
               <a:rPr lang="en-US" smtClean="0"/>
-              <a:t>3/3/24</a:t>
+              <a:t>3/7/24</a:t>
             </a:fld>
             <a:endParaRPr lang="en-US"/>
           </a:p>
@@ -2381,7 +3023,7 @@
           <a:p>
             <a:fld id="{A0EE6797-87B2-F24F-AFC3-193A4A70C1C6}" type="datetimeFigureOut">
               <a:rPr lang="en-US" smtClean="0"/>
-              <a:t>3/3/24</a:t>
+              <a:t>3/7/24</a:t>
             </a:fld>
             <a:endParaRPr lang="en-US"/>
           </a:p>
@@ -2669,7 +3311,7 @@
           <a:p>
             <a:fld id="{A0EE6797-87B2-F24F-AFC3-193A4A70C1C6}" type="datetimeFigureOut">
               <a:rPr lang="en-US" smtClean="0"/>
-              <a:t>3/3/24</a:t>
+              <a:t>3/7/24</a:t>
             </a:fld>
             <a:endParaRPr lang="en-US"/>
           </a:p>
@@ -2910,7 +3552,7 @@
           <a:p>
             <a:fld id="{A0EE6797-87B2-F24F-AFC3-193A4A70C1C6}" type="datetimeFigureOut">
               <a:rPr lang="en-US" smtClean="0"/>
-              <a:t>3/3/24</a:t>
+              <a:t>3/7/24</a:t>
             </a:fld>
             <a:endParaRPr lang="en-US"/>
           </a:p>
@@ -3349,7 +3991,11 @@
           <a:lstStyle/>
           <a:p>
             <a:r>
-              <a:rPr lang="en-US" dirty="0"/>
+              <a:rPr lang="en-US" dirty="0">
+                <a:latin typeface="Open Sans" panose="020B0606030504020204" pitchFamily="34" charset="0"/>
+                <a:ea typeface="Open Sans" panose="020B0606030504020204" pitchFamily="34" charset="0"/>
+                <a:cs typeface="Open Sans" panose="020B0606030504020204" pitchFamily="34" charset="0"/>
+              </a:rPr>
               <a:t>Introduction to Web scraping in Python</a:t>
             </a:r>
           </a:p>
@@ -3374,29 +4020,28 @@
         <p:spPr/>
         <p:txBody>
           <a:bodyPr>
-            <a:normAutofit lnSpcReduction="10000"/>
+            <a:normAutofit/>
           </a:bodyPr>
           <a:lstStyle/>
           <a:p>
             <a:r>
-              <a:rPr lang="en-US" dirty="0"/>
+              <a:rPr lang="en-US" dirty="0">
+                <a:latin typeface="Open Sans" panose="020B0606030504020204" pitchFamily="34" charset="0"/>
+                <a:ea typeface="Open Sans" panose="020B0606030504020204" pitchFamily="34" charset="0"/>
+                <a:cs typeface="Open Sans" panose="020B0606030504020204" pitchFamily="34" charset="0"/>
+              </a:rPr>
               <a:t>Ishita Gopal </a:t>
             </a:r>
           </a:p>
           <a:p>
             <a:r>
-              <a:rPr lang="en-US" dirty="0"/>
+              <a:rPr lang="en-US" dirty="0">
+                <a:latin typeface="Open Sans" panose="020B0606030504020204" pitchFamily="34" charset="0"/>
+                <a:ea typeface="Open Sans" panose="020B0606030504020204" pitchFamily="34" charset="0"/>
+                <a:cs typeface="Open Sans" panose="020B0606030504020204" pitchFamily="34" charset="0"/>
+              </a:rPr>
               <a:t>8th March </a:t>
             </a:r>
-          </a:p>
-          <a:p>
-            <a:r>
-              <a:rPr lang="en-US" dirty="0">
-                <a:hlinkClick r:id="rId2"/>
-              </a:rPr>
-              <a:t>https://www2.stat.duke.edu/courses/Fall19/sta199.001/slides/lec-slides/06a-web-scrape.html#28</a:t>
-            </a:r>
-            <a:endParaRPr lang="en-US" dirty="0"/>
           </a:p>
           <a:p>
             <a:endParaRPr lang="en-US" dirty="0"/>
@@ -3407,6 +4052,1701 @@
     <p:extLst>
       <p:ext uri="{BB962C8B-B14F-4D97-AF65-F5344CB8AC3E}">
         <p14:creationId xmlns:p14="http://schemas.microsoft.com/office/powerpoint/2010/main" val="2802039423"/>
+      </p:ext>
+    </p:extLst>
+  </p:cSld>
+  <p:clrMapOvr>
+    <a:masterClrMapping/>
+  </p:clrMapOvr>
+</p:sld>
+</file>
+
+<file path=ppt/slides/slide10.xml><?xml version="1.0" encoding="utf-8"?>
+<p:sld xmlns:a="http://schemas.openxmlformats.org/drawingml/2006/main" xmlns:r="http://schemas.openxmlformats.org/officeDocument/2006/relationships" xmlns:p="http://schemas.openxmlformats.org/presentationml/2006/main">
+  <p:cSld>
+    <p:spTree>
+      <p:nvGrpSpPr>
+        <p:cNvPr id="1" name=""/>
+        <p:cNvGrpSpPr/>
+        <p:nvPr/>
+      </p:nvGrpSpPr>
+      <p:grpSpPr>
+        <a:xfrm>
+          <a:off x="0" y="0"/>
+          <a:ext cx="0" cy="0"/>
+          <a:chOff x="0" y="0"/>
+          <a:chExt cx="0" cy="0"/>
+        </a:xfrm>
+      </p:grpSpPr>
+      <p:sp>
+        <p:nvSpPr>
+          <p:cNvPr id="2" name="Title 1">
+            <a:extLst>
+              <a:ext uri="{FF2B5EF4-FFF2-40B4-BE49-F238E27FC236}">
+                <a16:creationId xmlns:a16="http://schemas.microsoft.com/office/drawing/2014/main" id="{94949B30-E94B-43F4-50B2-205D1447337D}"/>
+              </a:ext>
+            </a:extLst>
+          </p:cNvPr>
+          <p:cNvSpPr>
+            <a:spLocks noGrp="1"/>
+          </p:cNvSpPr>
+          <p:nvPr>
+            <p:ph type="title"/>
+          </p:nvPr>
+        </p:nvSpPr>
+        <p:spPr/>
+        <p:txBody>
+          <a:bodyPr>
+            <a:normAutofit/>
+          </a:bodyPr>
+          <a:lstStyle/>
+          <a:p>
+            <a:r>
+              <a:rPr lang="en-US" sz="4000" dirty="0">
+                <a:latin typeface="Open Sans" panose="020B0606030504020204" pitchFamily="34" charset="0"/>
+                <a:ea typeface="Open Sans" panose="020B0606030504020204" pitchFamily="34" charset="0"/>
+                <a:cs typeface="Open Sans" panose="020B0606030504020204" pitchFamily="34" charset="0"/>
+              </a:rPr>
+              <a:t>HTML: Attributes</a:t>
+            </a:r>
+          </a:p>
+        </p:txBody>
+      </p:sp>
+      <p:sp>
+        <p:nvSpPr>
+          <p:cNvPr id="3" name="Content Placeholder 2">
+            <a:extLst>
+              <a:ext uri="{FF2B5EF4-FFF2-40B4-BE49-F238E27FC236}">
+                <a16:creationId xmlns:a16="http://schemas.microsoft.com/office/drawing/2014/main" id="{309EC347-EB17-43AC-C460-5C85B567EE70}"/>
+              </a:ext>
+            </a:extLst>
+          </p:cNvPr>
+          <p:cNvSpPr>
+            <a:spLocks noGrp="1"/>
+          </p:cNvSpPr>
+          <p:nvPr>
+            <p:ph idx="1"/>
+          </p:nvPr>
+        </p:nvSpPr>
+        <p:spPr/>
+        <p:txBody>
+          <a:bodyPr>
+            <a:normAutofit/>
+          </a:bodyPr>
+          <a:lstStyle/>
+          <a:p>
+            <a:pPr marL="285750" indent="-285750">
+              <a:buFont typeface="Arial" panose="020B0604020202020204" pitchFamily="34" charset="0"/>
+              <a:buChar char="•"/>
+            </a:pPr>
+            <a:endParaRPr lang="en-US" b="0" i="0" dirty="0">
+              <a:effectLst/>
+              <a:latin typeface="Söhne"/>
+            </a:endParaRPr>
+          </a:p>
+          <a:p>
+            <a:pPr marL="285750" indent="-285750">
+              <a:buFont typeface="Arial" panose="020B0604020202020204" pitchFamily="34" charset="0"/>
+              <a:buChar char="•"/>
+            </a:pPr>
+            <a:endParaRPr lang="en-US" dirty="0">
+              <a:latin typeface="Söhne"/>
+            </a:endParaRPr>
+          </a:p>
+          <a:p>
+            <a:pPr marL="285750" indent="-285750">
+              <a:buFont typeface="Arial" panose="020B0604020202020204" pitchFamily="34" charset="0"/>
+              <a:buChar char="•"/>
+            </a:pPr>
+            <a:r>
+              <a:rPr lang="en-US" b="0" i="0" dirty="0">
+                <a:effectLst/>
+                <a:latin typeface="Open Sans" panose="020B0606030504020204" pitchFamily="34" charset="0"/>
+                <a:ea typeface="Open Sans" panose="020B0606030504020204" pitchFamily="34" charset="0"/>
+                <a:cs typeface="Open Sans" panose="020B0606030504020204" pitchFamily="34" charset="0"/>
+              </a:rPr>
+              <a:t>Provide additional information about HTML elements</a:t>
+            </a:r>
+          </a:p>
+          <a:p>
+            <a:pPr marL="0" indent="0">
+              <a:buNone/>
+            </a:pPr>
+            <a:endParaRPr lang="en-US" b="0" i="0" dirty="0">
+              <a:effectLst/>
+              <a:latin typeface="Open Sans" panose="020B0606030504020204" pitchFamily="34" charset="0"/>
+              <a:ea typeface="Open Sans" panose="020B0606030504020204" pitchFamily="34" charset="0"/>
+              <a:cs typeface="Open Sans" panose="020B0606030504020204" pitchFamily="34" charset="0"/>
+            </a:endParaRPr>
+          </a:p>
+          <a:p>
+            <a:pPr marL="285750" indent="-285750">
+              <a:buFont typeface="Arial" panose="020B0604020202020204" pitchFamily="34" charset="0"/>
+              <a:buChar char="•"/>
+            </a:pPr>
+            <a:r>
+              <a:rPr lang="en-US" dirty="0">
+                <a:latin typeface="Open Sans" panose="020B0606030504020204" pitchFamily="34" charset="0"/>
+                <a:ea typeface="Open Sans" panose="020B0606030504020204" pitchFamily="34" charset="0"/>
+                <a:cs typeface="Open Sans" panose="020B0606030504020204" pitchFamily="34" charset="0"/>
+              </a:rPr>
+              <a:t>A</a:t>
+            </a:r>
+            <a:r>
+              <a:rPr lang="en-US" b="0" i="0" dirty="0">
+                <a:effectLst/>
+                <a:latin typeface="Open Sans" panose="020B0606030504020204" pitchFamily="34" charset="0"/>
+                <a:ea typeface="Open Sans" panose="020B0606030504020204" pitchFamily="34" charset="0"/>
+                <a:cs typeface="Open Sans" panose="020B0606030504020204" pitchFamily="34" charset="0"/>
+              </a:rPr>
+              <a:t>re added to the opening tag of the element</a:t>
+            </a:r>
+          </a:p>
+          <a:p>
+            <a:pPr marL="285750" indent="-285750">
+              <a:buFont typeface="Arial" panose="020B0604020202020204" pitchFamily="34" charset="0"/>
+              <a:buChar char="•"/>
+            </a:pPr>
+            <a:endParaRPr lang="en-US" b="0" i="0" dirty="0">
+              <a:effectLst/>
+              <a:latin typeface="Open Sans" panose="020B0606030504020204" pitchFamily="34" charset="0"/>
+              <a:ea typeface="Open Sans" panose="020B0606030504020204" pitchFamily="34" charset="0"/>
+              <a:cs typeface="Open Sans" panose="020B0606030504020204" pitchFamily="34" charset="0"/>
+            </a:endParaRPr>
+          </a:p>
+          <a:p>
+            <a:pPr marL="285750" indent="-285750">
+              <a:buFont typeface="Arial" panose="020B0604020202020204" pitchFamily="34" charset="0"/>
+              <a:buChar char="•"/>
+            </a:pPr>
+            <a:r>
+              <a:rPr lang="en-US" b="0" i="0" dirty="0">
+                <a:effectLst/>
+                <a:latin typeface="Open Sans" panose="020B0606030504020204" pitchFamily="34" charset="0"/>
+                <a:ea typeface="Open Sans" panose="020B0606030504020204" pitchFamily="34" charset="0"/>
+                <a:cs typeface="Open Sans" panose="020B0606030504020204" pitchFamily="34" charset="0"/>
+              </a:rPr>
+              <a:t>Consist of a name and a value, separated by an equals sign (=) and enclosed in double or single quotes.</a:t>
+            </a:r>
+            <a:endParaRPr lang="en-US" dirty="0">
+              <a:latin typeface="Open Sans" panose="020B0606030504020204" pitchFamily="34" charset="0"/>
+              <a:ea typeface="Open Sans" panose="020B0606030504020204" pitchFamily="34" charset="0"/>
+              <a:cs typeface="Open Sans" panose="020B0606030504020204" pitchFamily="34" charset="0"/>
+            </a:endParaRPr>
+          </a:p>
+          <a:p>
+            <a:pPr marL="0" indent="0">
+              <a:buNone/>
+            </a:pPr>
+            <a:endParaRPr lang="en-US" dirty="0">
+              <a:latin typeface="Open Sans" panose="020B0606030504020204" pitchFamily="34" charset="0"/>
+              <a:ea typeface="Open Sans" panose="020B0606030504020204" pitchFamily="34" charset="0"/>
+              <a:cs typeface="Open Sans" panose="020B0606030504020204" pitchFamily="34" charset="0"/>
+            </a:endParaRPr>
+          </a:p>
+          <a:p>
+            <a:endParaRPr lang="en-US" dirty="0"/>
+          </a:p>
+        </p:txBody>
+      </p:sp>
+      <p:pic>
+        <p:nvPicPr>
+          <p:cNvPr id="4" name="Content Placeholder 3">
+            <a:extLst>
+              <a:ext uri="{FF2B5EF4-FFF2-40B4-BE49-F238E27FC236}">
+                <a16:creationId xmlns:a16="http://schemas.microsoft.com/office/drawing/2014/main" id="{A760C3E8-E191-A7E9-FF3D-C2A4765211FC}"/>
+              </a:ext>
+            </a:extLst>
+          </p:cNvPr>
+          <p:cNvPicPr>
+            <a:picLocks noChangeAspect="1"/>
+          </p:cNvPicPr>
+          <p:nvPr/>
+        </p:nvPicPr>
+        <p:blipFill>
+          <a:blip r:embed="rId2"/>
+          <a:stretch>
+            <a:fillRect/>
+          </a:stretch>
+        </p:blipFill>
+        <p:spPr>
+          <a:xfrm>
+            <a:off x="838200" y="1986423"/>
+            <a:ext cx="9804400" cy="578183"/>
+          </a:xfrm>
+          <a:prstGeom prst="rect">
+            <a:avLst/>
+          </a:prstGeom>
+        </p:spPr>
+      </p:pic>
+    </p:spTree>
+    <p:extLst>
+      <p:ext uri="{BB962C8B-B14F-4D97-AF65-F5344CB8AC3E}">
+        <p14:creationId xmlns:p14="http://schemas.microsoft.com/office/powerpoint/2010/main" val="72854878"/>
+      </p:ext>
+    </p:extLst>
+  </p:cSld>
+  <p:clrMapOvr>
+    <a:masterClrMapping/>
+  </p:clrMapOvr>
+  <p:timing>
+    <p:tnLst>
+      <p:par>
+        <p:cTn id="1" dur="indefinite" restart="never" nodeType="tmRoot">
+          <p:childTnLst>
+            <p:seq concurrent="1" nextAc="seek">
+              <p:cTn id="2" dur="indefinite" nodeType="mainSeq">
+                <p:childTnLst>
+                  <p:par>
+                    <p:cTn id="3" fill="hold">
+                      <p:stCondLst>
+                        <p:cond delay="indefinite"/>
+                      </p:stCondLst>
+                      <p:childTnLst>
+                        <p:par>
+                          <p:cTn id="4" fill="hold">
+                            <p:stCondLst>
+                              <p:cond delay="0"/>
+                            </p:stCondLst>
+                            <p:childTnLst>
+                              <p:par>
+                                <p:cTn id="5" presetID="1" presetClass="entr" presetSubtype="0" fill="hold" nodeType="clickEffect">
+                                  <p:stCondLst>
+                                    <p:cond delay="0"/>
+                                  </p:stCondLst>
+                                  <p:childTnLst>
+                                    <p:set>
+                                      <p:cBhvr>
+                                        <p:cTn id="6" dur="1" fill="hold">
+                                          <p:stCondLst>
+                                            <p:cond delay="0"/>
+                                          </p:stCondLst>
+                                        </p:cTn>
+                                        <p:tgtEl>
+                                          <p:spTgt spid="3">
+                                            <p:txEl>
+                                              <p:pRg st="2" end="2"/>
+                                            </p:txEl>
+                                          </p:spTgt>
+                                        </p:tgtEl>
+                                        <p:attrNameLst>
+                                          <p:attrName>style.visibility</p:attrName>
+                                        </p:attrNameLst>
+                                      </p:cBhvr>
+                                      <p:to>
+                                        <p:strVal val="visible"/>
+                                      </p:to>
+                                    </p:set>
+                                  </p:childTnLst>
+                                </p:cTn>
+                              </p:par>
+                            </p:childTnLst>
+                          </p:cTn>
+                        </p:par>
+                      </p:childTnLst>
+                    </p:cTn>
+                  </p:par>
+                  <p:par>
+                    <p:cTn id="7" fill="hold">
+                      <p:stCondLst>
+                        <p:cond delay="indefinite"/>
+                      </p:stCondLst>
+                      <p:childTnLst>
+                        <p:par>
+                          <p:cTn id="8" fill="hold">
+                            <p:stCondLst>
+                              <p:cond delay="0"/>
+                            </p:stCondLst>
+                            <p:childTnLst>
+                              <p:par>
+                                <p:cTn id="9" presetID="1" presetClass="entr" presetSubtype="0" fill="hold" nodeType="clickEffect">
+                                  <p:stCondLst>
+                                    <p:cond delay="0"/>
+                                  </p:stCondLst>
+                                  <p:childTnLst>
+                                    <p:set>
+                                      <p:cBhvr>
+                                        <p:cTn id="10" dur="1" fill="hold">
+                                          <p:stCondLst>
+                                            <p:cond delay="0"/>
+                                          </p:stCondLst>
+                                        </p:cTn>
+                                        <p:tgtEl>
+                                          <p:spTgt spid="3">
+                                            <p:txEl>
+                                              <p:pRg st="4" end="4"/>
+                                            </p:txEl>
+                                          </p:spTgt>
+                                        </p:tgtEl>
+                                        <p:attrNameLst>
+                                          <p:attrName>style.visibility</p:attrName>
+                                        </p:attrNameLst>
+                                      </p:cBhvr>
+                                      <p:to>
+                                        <p:strVal val="visible"/>
+                                      </p:to>
+                                    </p:set>
+                                  </p:childTnLst>
+                                </p:cTn>
+                              </p:par>
+                            </p:childTnLst>
+                          </p:cTn>
+                        </p:par>
+                      </p:childTnLst>
+                    </p:cTn>
+                  </p:par>
+                  <p:par>
+                    <p:cTn id="11" fill="hold">
+                      <p:stCondLst>
+                        <p:cond delay="indefinite"/>
+                      </p:stCondLst>
+                      <p:childTnLst>
+                        <p:par>
+                          <p:cTn id="12" fill="hold">
+                            <p:stCondLst>
+                              <p:cond delay="0"/>
+                            </p:stCondLst>
+                            <p:childTnLst>
+                              <p:par>
+                                <p:cTn id="13" presetID="1" presetClass="entr" presetSubtype="0" fill="hold" nodeType="clickEffect">
+                                  <p:stCondLst>
+                                    <p:cond delay="0"/>
+                                  </p:stCondLst>
+                                  <p:childTnLst>
+                                    <p:set>
+                                      <p:cBhvr>
+                                        <p:cTn id="14" dur="1" fill="hold">
+                                          <p:stCondLst>
+                                            <p:cond delay="0"/>
+                                          </p:stCondLst>
+                                        </p:cTn>
+                                        <p:tgtEl>
+                                          <p:spTgt spid="3">
+                                            <p:txEl>
+                                              <p:pRg st="6" end="6"/>
+                                            </p:txEl>
+                                          </p:spTgt>
+                                        </p:tgtEl>
+                                        <p:attrNameLst>
+                                          <p:attrName>style.visibility</p:attrName>
+                                        </p:attrNameLst>
+                                      </p:cBhvr>
+                                      <p:to>
+                                        <p:strVal val="visible"/>
+                                      </p:to>
+                                    </p:set>
+                                  </p:childTnLst>
+                                </p:cTn>
+                              </p:par>
+                            </p:childTnLst>
+                          </p:cTn>
+                        </p:par>
+                      </p:childTnLst>
+                    </p:cTn>
+                  </p:par>
+                </p:childTnLst>
+              </p:cTn>
+              <p:prevCondLst>
+                <p:cond evt="onPrev" delay="0">
+                  <p:tgtEl>
+                    <p:sldTgt/>
+                  </p:tgtEl>
+                </p:cond>
+              </p:prevCondLst>
+              <p:nextCondLst>
+                <p:cond evt="onNext" delay="0">
+                  <p:tgtEl>
+                    <p:sldTgt/>
+                  </p:tgtEl>
+                </p:cond>
+              </p:nextCondLst>
+            </p:seq>
+          </p:childTnLst>
+        </p:cTn>
+      </p:par>
+    </p:tnLst>
+  </p:timing>
+</p:sld>
+</file>
+
+<file path=ppt/slides/slide11.xml><?xml version="1.0" encoding="utf-8"?>
+<p:sld xmlns:a="http://schemas.openxmlformats.org/drawingml/2006/main" xmlns:r="http://schemas.openxmlformats.org/officeDocument/2006/relationships" xmlns:p="http://schemas.openxmlformats.org/presentationml/2006/main">
+  <p:cSld>
+    <p:spTree>
+      <p:nvGrpSpPr>
+        <p:cNvPr id="1" name=""/>
+        <p:cNvGrpSpPr/>
+        <p:nvPr/>
+      </p:nvGrpSpPr>
+      <p:grpSpPr>
+        <a:xfrm>
+          <a:off x="0" y="0"/>
+          <a:ext cx="0" cy="0"/>
+          <a:chOff x="0" y="0"/>
+          <a:chExt cx="0" cy="0"/>
+        </a:xfrm>
+      </p:grpSpPr>
+      <p:sp>
+        <p:nvSpPr>
+          <p:cNvPr id="2" name="Title 1">
+            <a:extLst>
+              <a:ext uri="{FF2B5EF4-FFF2-40B4-BE49-F238E27FC236}">
+                <a16:creationId xmlns:a16="http://schemas.microsoft.com/office/drawing/2014/main" id="{738C816A-73D2-B034-5BEF-2EC83FCF492B}"/>
+              </a:ext>
+            </a:extLst>
+          </p:cNvPr>
+          <p:cNvSpPr>
+            <a:spLocks noGrp="1"/>
+          </p:cNvSpPr>
+          <p:nvPr>
+            <p:ph type="title"/>
+          </p:nvPr>
+        </p:nvSpPr>
+        <p:spPr/>
+        <p:txBody>
+          <a:bodyPr>
+            <a:normAutofit/>
+          </a:bodyPr>
+          <a:lstStyle/>
+          <a:p>
+            <a:r>
+              <a:rPr lang="en-US" sz="4000" dirty="0">
+                <a:latin typeface="Open Sans" panose="020B0606030504020204" pitchFamily="34" charset="0"/>
+                <a:ea typeface="Open Sans" panose="020B0606030504020204" pitchFamily="34" charset="0"/>
+                <a:cs typeface="Open Sans" panose="020B0606030504020204" pitchFamily="34" charset="0"/>
+              </a:rPr>
+              <a:t>Example</a:t>
+            </a:r>
+          </a:p>
+        </p:txBody>
+      </p:sp>
+      <p:pic>
+        <p:nvPicPr>
+          <p:cNvPr id="4" name="Content Placeholder 3">
+            <a:extLst>
+              <a:ext uri="{FF2B5EF4-FFF2-40B4-BE49-F238E27FC236}">
+                <a16:creationId xmlns:a16="http://schemas.microsoft.com/office/drawing/2014/main" id="{67BA2594-A731-3816-C7B5-F043DC808477}"/>
+              </a:ext>
+            </a:extLst>
+          </p:cNvPr>
+          <p:cNvPicPr>
+            <a:picLocks noGrp="1" noChangeAspect="1"/>
+          </p:cNvPicPr>
+          <p:nvPr>
+            <p:ph idx="1"/>
+          </p:nvPr>
+        </p:nvPicPr>
+        <p:blipFill>
+          <a:blip r:embed="rId2"/>
+          <a:stretch>
+            <a:fillRect/>
+          </a:stretch>
+        </p:blipFill>
+        <p:spPr>
+          <a:xfrm>
+            <a:off x="673100" y="1560724"/>
+            <a:ext cx="10388600" cy="545898"/>
+          </a:xfrm>
+          <a:prstGeom prst="rect">
+            <a:avLst/>
+          </a:prstGeom>
+        </p:spPr>
+      </p:pic>
+      <p:sp>
+        <p:nvSpPr>
+          <p:cNvPr id="6" name="TextBox 5">
+            <a:extLst>
+              <a:ext uri="{FF2B5EF4-FFF2-40B4-BE49-F238E27FC236}">
+                <a16:creationId xmlns:a16="http://schemas.microsoft.com/office/drawing/2014/main" id="{16467588-AD3C-3A18-5E2E-00F1B4BC4931}"/>
+              </a:ext>
+            </a:extLst>
+          </p:cNvPr>
+          <p:cNvSpPr txBox="1"/>
+          <p:nvPr/>
+        </p:nvSpPr>
+        <p:spPr>
+          <a:xfrm>
+            <a:off x="673100" y="2281257"/>
+            <a:ext cx="11074400" cy="2862322"/>
+          </a:xfrm>
+          <a:prstGeom prst="rect">
+            <a:avLst/>
+          </a:prstGeom>
+          <a:noFill/>
+        </p:spPr>
+        <p:txBody>
+          <a:bodyPr wrap="square">
+            <a:spAutoFit/>
+          </a:bodyPr>
+          <a:lstStyle/>
+          <a:p>
+            <a:pPr algn="l"/>
+            <a:r>
+              <a:rPr lang="en-US" sz="2000" b="0" i="0" dirty="0">
+                <a:effectLst/>
+                <a:latin typeface="Open Sans" panose="020B0606030504020204" pitchFamily="34" charset="0"/>
+                <a:ea typeface="Open Sans" panose="020B0606030504020204" pitchFamily="34" charset="0"/>
+                <a:cs typeface="Open Sans" panose="020B0606030504020204" pitchFamily="34" charset="0"/>
+              </a:rPr>
+              <a:t>&lt;a&gt; is the anchor element (used for creating hyperlinks).</a:t>
+            </a:r>
+          </a:p>
+          <a:p>
+            <a:pPr algn="l">
+              <a:buFont typeface="Arial" panose="020B0604020202020204" pitchFamily="34" charset="0"/>
+              <a:buChar char="•"/>
+            </a:pPr>
+            <a:endParaRPr lang="en-US" sz="2000" b="0" i="0" dirty="0">
+              <a:effectLst/>
+              <a:latin typeface="Open Sans" panose="020B0606030504020204" pitchFamily="34" charset="0"/>
+              <a:ea typeface="Open Sans" panose="020B0606030504020204" pitchFamily="34" charset="0"/>
+              <a:cs typeface="Open Sans" panose="020B0606030504020204" pitchFamily="34" charset="0"/>
+            </a:endParaRPr>
+          </a:p>
+          <a:p>
+            <a:pPr algn="l"/>
+            <a:r>
+              <a:rPr lang="en-US" sz="2000" b="0" i="0" dirty="0" err="1">
+                <a:effectLst/>
+                <a:latin typeface="Open Sans" panose="020B0606030504020204" pitchFamily="34" charset="0"/>
+                <a:ea typeface="Open Sans" panose="020B0606030504020204" pitchFamily="34" charset="0"/>
+                <a:cs typeface="Open Sans" panose="020B0606030504020204" pitchFamily="34" charset="0"/>
+              </a:rPr>
+              <a:t>href</a:t>
+            </a:r>
+            <a:r>
+              <a:rPr lang="en-US" sz="2000" dirty="0">
+                <a:latin typeface="Open Sans" panose="020B0606030504020204" pitchFamily="34" charset="0"/>
+                <a:ea typeface="Open Sans" panose="020B0606030504020204" pitchFamily="34" charset="0"/>
+                <a:cs typeface="Open Sans" panose="020B0606030504020204" pitchFamily="34" charset="0"/>
+              </a:rPr>
+              <a:t> and</a:t>
+            </a:r>
+            <a:r>
+              <a:rPr lang="en-US" sz="2000" b="0" i="0" dirty="0">
+                <a:effectLst/>
+                <a:latin typeface="Open Sans" panose="020B0606030504020204" pitchFamily="34" charset="0"/>
+                <a:ea typeface="Open Sans" panose="020B0606030504020204" pitchFamily="34" charset="0"/>
+                <a:cs typeface="Open Sans" panose="020B0606030504020204" pitchFamily="34" charset="0"/>
+              </a:rPr>
+              <a:t> target</a:t>
+            </a:r>
+            <a:r>
+              <a:rPr lang="en-US" sz="2000" dirty="0">
+                <a:latin typeface="Open Sans" panose="020B0606030504020204" pitchFamily="34" charset="0"/>
+                <a:ea typeface="Open Sans" panose="020B0606030504020204" pitchFamily="34" charset="0"/>
+                <a:cs typeface="Open Sans" panose="020B0606030504020204" pitchFamily="34" charset="0"/>
+              </a:rPr>
+              <a:t> </a:t>
+            </a:r>
+            <a:r>
+              <a:rPr lang="en-US" sz="2000" b="0" i="0" dirty="0">
+                <a:effectLst/>
+                <a:latin typeface="Open Sans" panose="020B0606030504020204" pitchFamily="34" charset="0"/>
+                <a:ea typeface="Open Sans" panose="020B0606030504020204" pitchFamily="34" charset="0"/>
+                <a:cs typeface="Open Sans" panose="020B0606030504020204" pitchFamily="34" charset="0"/>
+              </a:rPr>
+              <a:t>are attributes of the &lt;a&gt; element.</a:t>
+            </a:r>
+          </a:p>
+          <a:p>
+            <a:pPr algn="l">
+              <a:buFont typeface="Arial" panose="020B0604020202020204" pitchFamily="34" charset="0"/>
+              <a:buChar char="•"/>
+            </a:pPr>
+            <a:endParaRPr lang="en-US" sz="2000" dirty="0">
+              <a:latin typeface="Open Sans" panose="020B0606030504020204" pitchFamily="34" charset="0"/>
+              <a:ea typeface="Open Sans" panose="020B0606030504020204" pitchFamily="34" charset="0"/>
+              <a:cs typeface="Open Sans" panose="020B0606030504020204" pitchFamily="34" charset="0"/>
+            </a:endParaRPr>
+          </a:p>
+          <a:p>
+            <a:pPr algn="l"/>
+            <a:r>
+              <a:rPr lang="en-US" sz="2000" b="0" i="0" dirty="0">
+                <a:effectLst/>
+                <a:latin typeface="Open Sans" panose="020B0606030504020204" pitchFamily="34" charset="0"/>
+                <a:ea typeface="Open Sans" panose="020B0606030504020204" pitchFamily="34" charset="0"/>
+                <a:cs typeface="Open Sans" panose="020B0606030504020204" pitchFamily="34" charset="0"/>
+              </a:rPr>
+              <a:t>"https://</a:t>
+            </a:r>
+            <a:r>
+              <a:rPr lang="en-US" sz="2000" b="0" i="0" dirty="0" err="1">
+                <a:effectLst/>
+                <a:latin typeface="Open Sans" panose="020B0606030504020204" pitchFamily="34" charset="0"/>
+                <a:ea typeface="Open Sans" panose="020B0606030504020204" pitchFamily="34" charset="0"/>
+                <a:cs typeface="Open Sans" panose="020B0606030504020204" pitchFamily="34" charset="0"/>
+              </a:rPr>
+              <a:t>www.example.com</a:t>
+            </a:r>
+            <a:r>
+              <a:rPr lang="en-US" sz="2000" b="0" i="0" dirty="0">
+                <a:effectLst/>
+                <a:latin typeface="Open Sans" panose="020B0606030504020204" pitchFamily="34" charset="0"/>
+                <a:ea typeface="Open Sans" panose="020B0606030504020204" pitchFamily="34" charset="0"/>
+                <a:cs typeface="Open Sans" panose="020B0606030504020204" pitchFamily="34" charset="0"/>
+              </a:rPr>
+              <a:t>" is the value assigned to the </a:t>
+            </a:r>
+            <a:r>
+              <a:rPr lang="en-US" sz="2000" b="0" i="0" dirty="0" err="1">
+                <a:effectLst/>
+                <a:latin typeface="Open Sans" panose="020B0606030504020204" pitchFamily="34" charset="0"/>
+                <a:ea typeface="Open Sans" panose="020B0606030504020204" pitchFamily="34" charset="0"/>
+                <a:cs typeface="Open Sans" panose="020B0606030504020204" pitchFamily="34" charset="0"/>
+              </a:rPr>
+              <a:t>href</a:t>
+            </a:r>
+            <a:r>
+              <a:rPr lang="en-US" sz="2000" b="0" i="0" dirty="0">
+                <a:effectLst/>
+                <a:latin typeface="Open Sans" panose="020B0606030504020204" pitchFamily="34" charset="0"/>
+                <a:ea typeface="Open Sans" panose="020B0606030504020204" pitchFamily="34" charset="0"/>
+                <a:cs typeface="Open Sans" panose="020B0606030504020204" pitchFamily="34" charset="0"/>
+              </a:rPr>
+              <a:t> attribute. It specifies the URL the link points to.</a:t>
+            </a:r>
+          </a:p>
+          <a:p>
+            <a:pPr algn="l">
+              <a:buFont typeface="Arial" panose="020B0604020202020204" pitchFamily="34" charset="0"/>
+              <a:buChar char="•"/>
+            </a:pPr>
+            <a:endParaRPr lang="en-US" sz="2000" b="0" i="0" dirty="0">
+              <a:effectLst/>
+              <a:latin typeface="Open Sans" panose="020B0606030504020204" pitchFamily="34" charset="0"/>
+              <a:ea typeface="Open Sans" panose="020B0606030504020204" pitchFamily="34" charset="0"/>
+              <a:cs typeface="Open Sans" panose="020B0606030504020204" pitchFamily="34" charset="0"/>
+            </a:endParaRPr>
+          </a:p>
+          <a:p>
+            <a:pPr algn="l"/>
+            <a:r>
+              <a:rPr lang="en-US" sz="2000" dirty="0">
+                <a:latin typeface="Open Sans" panose="020B0606030504020204" pitchFamily="34" charset="0"/>
+                <a:ea typeface="Open Sans" panose="020B0606030504020204" pitchFamily="34" charset="0"/>
+                <a:cs typeface="Open Sans" panose="020B0606030504020204" pitchFamily="34" charset="0"/>
+              </a:rPr>
+              <a:t>"_blank"</a:t>
+            </a:r>
+            <a:r>
+              <a:rPr lang="en-US" sz="2000" b="0" i="0" dirty="0">
+                <a:effectLst/>
+                <a:latin typeface="Open Sans" panose="020B0606030504020204" pitchFamily="34" charset="0"/>
+                <a:ea typeface="Open Sans" panose="020B0606030504020204" pitchFamily="34" charset="0"/>
+                <a:cs typeface="Open Sans" panose="020B0606030504020204" pitchFamily="34" charset="0"/>
+              </a:rPr>
+              <a:t> is the value assigned to the </a:t>
+            </a:r>
+            <a:r>
+              <a:rPr lang="en-US" sz="2000" dirty="0">
+                <a:latin typeface="Open Sans" panose="020B0606030504020204" pitchFamily="34" charset="0"/>
+                <a:ea typeface="Open Sans" panose="020B0606030504020204" pitchFamily="34" charset="0"/>
+                <a:cs typeface="Open Sans" panose="020B0606030504020204" pitchFamily="34" charset="0"/>
+              </a:rPr>
+              <a:t>target</a:t>
+            </a:r>
+            <a:r>
+              <a:rPr lang="en-US" sz="2000" b="0" i="0" dirty="0">
+                <a:effectLst/>
+                <a:latin typeface="Open Sans" panose="020B0606030504020204" pitchFamily="34" charset="0"/>
+                <a:ea typeface="Open Sans" panose="020B0606030504020204" pitchFamily="34" charset="0"/>
+                <a:cs typeface="Open Sans" panose="020B0606030504020204" pitchFamily="34" charset="0"/>
+              </a:rPr>
+              <a:t> attribute. It specifies that the link should open in a new browser tab or window.</a:t>
+            </a:r>
+          </a:p>
+        </p:txBody>
+      </p:sp>
+    </p:spTree>
+    <p:extLst>
+      <p:ext uri="{BB962C8B-B14F-4D97-AF65-F5344CB8AC3E}">
+        <p14:creationId xmlns:p14="http://schemas.microsoft.com/office/powerpoint/2010/main" val="3558882268"/>
+      </p:ext>
+    </p:extLst>
+  </p:cSld>
+  <p:clrMapOvr>
+    <a:masterClrMapping/>
+  </p:clrMapOvr>
+  <p:timing>
+    <p:tnLst>
+      <p:par>
+        <p:cTn id="1" dur="indefinite" restart="never" nodeType="tmRoot">
+          <p:childTnLst>
+            <p:seq concurrent="1" nextAc="seek">
+              <p:cTn id="2" dur="indefinite" nodeType="mainSeq">
+                <p:childTnLst>
+                  <p:par>
+                    <p:cTn id="3" fill="hold">
+                      <p:stCondLst>
+                        <p:cond delay="indefinite"/>
+                      </p:stCondLst>
+                      <p:childTnLst>
+                        <p:par>
+                          <p:cTn id="4" fill="hold">
+                            <p:stCondLst>
+                              <p:cond delay="0"/>
+                            </p:stCondLst>
+                            <p:childTnLst>
+                              <p:par>
+                                <p:cTn id="5" presetID="1" presetClass="entr" presetSubtype="0" fill="hold" nodeType="clickEffect">
+                                  <p:stCondLst>
+                                    <p:cond delay="0"/>
+                                  </p:stCondLst>
+                                  <p:childTnLst>
+                                    <p:set>
+                                      <p:cBhvr>
+                                        <p:cTn id="6" dur="1" fill="hold">
+                                          <p:stCondLst>
+                                            <p:cond delay="0"/>
+                                          </p:stCondLst>
+                                        </p:cTn>
+                                        <p:tgtEl>
+                                          <p:spTgt spid="6">
+                                            <p:txEl>
+                                              <p:pRg st="0" end="0"/>
+                                            </p:txEl>
+                                          </p:spTgt>
+                                        </p:tgtEl>
+                                        <p:attrNameLst>
+                                          <p:attrName>style.visibility</p:attrName>
+                                        </p:attrNameLst>
+                                      </p:cBhvr>
+                                      <p:to>
+                                        <p:strVal val="visible"/>
+                                      </p:to>
+                                    </p:set>
+                                  </p:childTnLst>
+                                  <p:subTnLst>
+                                    <p:animClr clrSpc="rgb" dir="cw">
+                                      <p:cBhvr override="childStyle">
+                                        <p:cTn dur="1" fill="hold" display="0" masterRel="nextClick" afterEffect="1"/>
+                                        <p:tgtEl>
+                                          <p:spTgt spid="6">
+                                            <p:txEl>
+                                              <p:pRg st="0" end="0"/>
+                                            </p:txEl>
+                                          </p:spTgt>
+                                        </p:tgtEl>
+                                        <p:attrNameLst>
+                                          <p:attrName>ppt_c</p:attrName>
+                                        </p:attrNameLst>
+                                      </p:cBhvr>
+                                      <p:to>
+                                        <a:srgbClr val="D6D6D6"/>
+                                      </p:to>
+                                    </p:animClr>
+                                  </p:subTnLst>
+                                </p:cTn>
+                              </p:par>
+                            </p:childTnLst>
+                          </p:cTn>
+                        </p:par>
+                      </p:childTnLst>
+                    </p:cTn>
+                  </p:par>
+                  <p:par>
+                    <p:cTn id="7" fill="hold">
+                      <p:stCondLst>
+                        <p:cond delay="indefinite"/>
+                      </p:stCondLst>
+                      <p:childTnLst>
+                        <p:par>
+                          <p:cTn id="8" fill="hold">
+                            <p:stCondLst>
+                              <p:cond delay="0"/>
+                            </p:stCondLst>
+                            <p:childTnLst>
+                              <p:par>
+                                <p:cTn id="9" presetID="1" presetClass="entr" presetSubtype="0" fill="hold" nodeType="clickEffect">
+                                  <p:stCondLst>
+                                    <p:cond delay="0"/>
+                                  </p:stCondLst>
+                                  <p:childTnLst>
+                                    <p:set>
+                                      <p:cBhvr>
+                                        <p:cTn id="10" dur="1" fill="hold">
+                                          <p:stCondLst>
+                                            <p:cond delay="0"/>
+                                          </p:stCondLst>
+                                        </p:cTn>
+                                        <p:tgtEl>
+                                          <p:spTgt spid="6">
+                                            <p:txEl>
+                                              <p:pRg st="2" end="2"/>
+                                            </p:txEl>
+                                          </p:spTgt>
+                                        </p:tgtEl>
+                                        <p:attrNameLst>
+                                          <p:attrName>style.visibility</p:attrName>
+                                        </p:attrNameLst>
+                                      </p:cBhvr>
+                                      <p:to>
+                                        <p:strVal val="visible"/>
+                                      </p:to>
+                                    </p:set>
+                                  </p:childTnLst>
+                                  <p:subTnLst>
+                                    <p:animClr clrSpc="rgb" dir="cw">
+                                      <p:cBhvr override="childStyle">
+                                        <p:cTn dur="1" fill="hold" display="0" masterRel="nextClick" afterEffect="1"/>
+                                        <p:tgtEl>
+                                          <p:spTgt spid="6">
+                                            <p:txEl>
+                                              <p:pRg st="2" end="2"/>
+                                            </p:txEl>
+                                          </p:spTgt>
+                                        </p:tgtEl>
+                                        <p:attrNameLst>
+                                          <p:attrName>ppt_c</p:attrName>
+                                        </p:attrNameLst>
+                                      </p:cBhvr>
+                                      <p:to>
+                                        <a:srgbClr val="D6D6D6"/>
+                                      </p:to>
+                                    </p:animClr>
+                                  </p:subTnLst>
+                                </p:cTn>
+                              </p:par>
+                            </p:childTnLst>
+                          </p:cTn>
+                        </p:par>
+                      </p:childTnLst>
+                    </p:cTn>
+                  </p:par>
+                  <p:par>
+                    <p:cTn id="11" fill="hold">
+                      <p:stCondLst>
+                        <p:cond delay="indefinite"/>
+                      </p:stCondLst>
+                      <p:childTnLst>
+                        <p:par>
+                          <p:cTn id="12" fill="hold">
+                            <p:stCondLst>
+                              <p:cond delay="0"/>
+                            </p:stCondLst>
+                            <p:childTnLst>
+                              <p:par>
+                                <p:cTn id="13" presetID="1" presetClass="entr" presetSubtype="0" fill="hold" nodeType="clickEffect">
+                                  <p:stCondLst>
+                                    <p:cond delay="0"/>
+                                  </p:stCondLst>
+                                  <p:childTnLst>
+                                    <p:set>
+                                      <p:cBhvr>
+                                        <p:cTn id="14" dur="1" fill="hold">
+                                          <p:stCondLst>
+                                            <p:cond delay="0"/>
+                                          </p:stCondLst>
+                                        </p:cTn>
+                                        <p:tgtEl>
+                                          <p:spTgt spid="6">
+                                            <p:txEl>
+                                              <p:pRg st="4" end="4"/>
+                                            </p:txEl>
+                                          </p:spTgt>
+                                        </p:tgtEl>
+                                        <p:attrNameLst>
+                                          <p:attrName>style.visibility</p:attrName>
+                                        </p:attrNameLst>
+                                      </p:cBhvr>
+                                      <p:to>
+                                        <p:strVal val="visible"/>
+                                      </p:to>
+                                    </p:set>
+                                  </p:childTnLst>
+                                  <p:subTnLst>
+                                    <p:animClr clrSpc="rgb" dir="cw">
+                                      <p:cBhvr override="childStyle">
+                                        <p:cTn dur="1" fill="hold" display="0" masterRel="nextClick" afterEffect="1"/>
+                                        <p:tgtEl>
+                                          <p:spTgt spid="6">
+                                            <p:txEl>
+                                              <p:pRg st="4" end="4"/>
+                                            </p:txEl>
+                                          </p:spTgt>
+                                        </p:tgtEl>
+                                        <p:attrNameLst>
+                                          <p:attrName>ppt_c</p:attrName>
+                                        </p:attrNameLst>
+                                      </p:cBhvr>
+                                      <p:to>
+                                        <a:srgbClr val="D6D6D6"/>
+                                      </p:to>
+                                    </p:animClr>
+                                  </p:subTnLst>
+                                </p:cTn>
+                              </p:par>
+                            </p:childTnLst>
+                          </p:cTn>
+                        </p:par>
+                      </p:childTnLst>
+                    </p:cTn>
+                  </p:par>
+                  <p:par>
+                    <p:cTn id="15" fill="hold">
+                      <p:stCondLst>
+                        <p:cond delay="indefinite"/>
+                      </p:stCondLst>
+                      <p:childTnLst>
+                        <p:par>
+                          <p:cTn id="16" fill="hold">
+                            <p:stCondLst>
+                              <p:cond delay="0"/>
+                            </p:stCondLst>
+                            <p:childTnLst>
+                              <p:par>
+                                <p:cTn id="17" presetID="1" presetClass="entr" presetSubtype="0" fill="hold" nodeType="clickEffect">
+                                  <p:stCondLst>
+                                    <p:cond delay="0"/>
+                                  </p:stCondLst>
+                                  <p:childTnLst>
+                                    <p:set>
+                                      <p:cBhvr>
+                                        <p:cTn id="18" dur="1" fill="hold">
+                                          <p:stCondLst>
+                                            <p:cond delay="0"/>
+                                          </p:stCondLst>
+                                        </p:cTn>
+                                        <p:tgtEl>
+                                          <p:spTgt spid="6">
+                                            <p:txEl>
+                                              <p:pRg st="6" end="6"/>
+                                            </p:txEl>
+                                          </p:spTgt>
+                                        </p:tgtEl>
+                                        <p:attrNameLst>
+                                          <p:attrName>style.visibility</p:attrName>
+                                        </p:attrNameLst>
+                                      </p:cBhvr>
+                                      <p:to>
+                                        <p:strVal val="visible"/>
+                                      </p:to>
+                                    </p:set>
+                                  </p:childTnLst>
+                                </p:cTn>
+                              </p:par>
+                            </p:childTnLst>
+                          </p:cTn>
+                        </p:par>
+                      </p:childTnLst>
+                    </p:cTn>
+                  </p:par>
+                </p:childTnLst>
+              </p:cTn>
+              <p:prevCondLst>
+                <p:cond evt="onPrev" delay="0">
+                  <p:tgtEl>
+                    <p:sldTgt/>
+                  </p:tgtEl>
+                </p:cond>
+              </p:prevCondLst>
+              <p:nextCondLst>
+                <p:cond evt="onNext" delay="0">
+                  <p:tgtEl>
+                    <p:sldTgt/>
+                  </p:tgtEl>
+                </p:cond>
+              </p:nextCondLst>
+            </p:seq>
+          </p:childTnLst>
+        </p:cTn>
+      </p:par>
+    </p:tnLst>
+  </p:timing>
+</p:sld>
+</file>
+
+<file path=ppt/slides/slide12.xml><?xml version="1.0" encoding="utf-8"?>
+<p:sld xmlns:a="http://schemas.openxmlformats.org/drawingml/2006/main" xmlns:r="http://schemas.openxmlformats.org/officeDocument/2006/relationships" xmlns:p="http://schemas.openxmlformats.org/presentationml/2006/main">
+  <p:cSld>
+    <p:spTree>
+      <p:nvGrpSpPr>
+        <p:cNvPr id="1" name=""/>
+        <p:cNvGrpSpPr/>
+        <p:nvPr/>
+      </p:nvGrpSpPr>
+      <p:grpSpPr>
+        <a:xfrm>
+          <a:off x="0" y="0"/>
+          <a:ext cx="0" cy="0"/>
+          <a:chOff x="0" y="0"/>
+          <a:chExt cx="0" cy="0"/>
+        </a:xfrm>
+      </p:grpSpPr>
+      <p:sp>
+        <p:nvSpPr>
+          <p:cNvPr id="2" name="Title 1">
+            <a:extLst>
+              <a:ext uri="{FF2B5EF4-FFF2-40B4-BE49-F238E27FC236}">
+                <a16:creationId xmlns:a16="http://schemas.microsoft.com/office/drawing/2014/main" id="{C8218F90-B85C-48CC-5583-C4C98F7999D3}"/>
+              </a:ext>
+            </a:extLst>
+          </p:cNvPr>
+          <p:cNvSpPr>
+            <a:spLocks noGrp="1"/>
+          </p:cNvSpPr>
+          <p:nvPr>
+            <p:ph type="title"/>
+          </p:nvPr>
+        </p:nvSpPr>
+        <p:spPr>
+          <a:xfrm>
+            <a:off x="610079" y="365125"/>
+            <a:ext cx="10515600" cy="1325563"/>
+          </a:xfrm>
+        </p:spPr>
+        <p:txBody>
+          <a:bodyPr>
+            <a:normAutofit/>
+          </a:bodyPr>
+          <a:lstStyle/>
+          <a:p>
+            <a:r>
+              <a:rPr lang="en-US" sz="4000" b="0" i="0" dirty="0">
+                <a:effectLst/>
+                <a:latin typeface="Open Sans" panose="020B0606030504020204" pitchFamily="34" charset="0"/>
+                <a:ea typeface="Open Sans" panose="020B0606030504020204" pitchFamily="34" charset="0"/>
+                <a:cs typeface="Open Sans" panose="020B0606030504020204" pitchFamily="34" charset="0"/>
+              </a:rPr>
+              <a:t>Document Object Model </a:t>
+            </a:r>
+            <a:br>
+              <a:rPr lang="en-US" sz="4000" b="0" i="0" dirty="0">
+                <a:effectLst/>
+                <a:latin typeface="Open Sans" panose="020B0606030504020204" pitchFamily="34" charset="0"/>
+                <a:ea typeface="Open Sans" panose="020B0606030504020204" pitchFamily="34" charset="0"/>
+                <a:cs typeface="Open Sans" panose="020B0606030504020204" pitchFamily="34" charset="0"/>
+              </a:rPr>
+            </a:br>
+            <a:r>
+              <a:rPr lang="en-US" sz="4000" b="0" i="0" dirty="0">
+                <a:effectLst/>
+                <a:latin typeface="Open Sans" panose="020B0606030504020204" pitchFamily="34" charset="0"/>
+                <a:ea typeface="Open Sans" panose="020B0606030504020204" pitchFamily="34" charset="0"/>
+                <a:cs typeface="Open Sans" panose="020B0606030504020204" pitchFamily="34" charset="0"/>
+              </a:rPr>
+              <a:t>(DOM)</a:t>
+            </a:r>
+            <a:endParaRPr lang="en-US" sz="4000" dirty="0">
+              <a:latin typeface="Open Sans" panose="020B0606030504020204" pitchFamily="34" charset="0"/>
+              <a:ea typeface="Open Sans" panose="020B0606030504020204" pitchFamily="34" charset="0"/>
+              <a:cs typeface="Open Sans" panose="020B0606030504020204" pitchFamily="34" charset="0"/>
+            </a:endParaRPr>
+          </a:p>
+        </p:txBody>
+      </p:sp>
+      <p:sp>
+        <p:nvSpPr>
+          <p:cNvPr id="4" name="Content Placeholder 3">
+            <a:extLst>
+              <a:ext uri="{FF2B5EF4-FFF2-40B4-BE49-F238E27FC236}">
+                <a16:creationId xmlns:a16="http://schemas.microsoft.com/office/drawing/2014/main" id="{6E0F1DF4-0AE5-1A08-9CFD-4EEA64B862B7}"/>
+              </a:ext>
+            </a:extLst>
+          </p:cNvPr>
+          <p:cNvSpPr txBox="1">
+            <a:spLocks noGrp="1"/>
+          </p:cNvSpPr>
+          <p:nvPr>
+            <p:ph idx="1"/>
+          </p:nvPr>
+        </p:nvSpPr>
+        <p:spPr>
+          <a:xfrm>
+            <a:off x="610079" y="2211388"/>
+            <a:ext cx="4584700" cy="3949799"/>
+          </a:xfrm>
+          <a:prstGeom prst="rect">
+            <a:avLst/>
+          </a:prstGeom>
+          <a:noFill/>
+        </p:spPr>
+        <p:txBody>
+          <a:bodyPr wrap="square">
+            <a:spAutoFit/>
+          </a:bodyPr>
+          <a:lstStyle/>
+          <a:p>
+            <a:r>
+              <a:rPr lang="en-US" sz="2000" dirty="0">
+                <a:latin typeface="Open Sans" panose="020B0606030504020204" pitchFamily="34" charset="0"/>
+                <a:ea typeface="Open Sans" panose="020B0606030504020204" pitchFamily="34" charset="0"/>
+                <a:cs typeface="Open Sans" panose="020B0606030504020204" pitchFamily="34" charset="0"/>
+              </a:rPr>
+              <a:t>P</a:t>
+            </a:r>
+            <a:r>
+              <a:rPr lang="en-US" sz="2000" b="0" i="0" dirty="0">
+                <a:effectLst/>
+                <a:latin typeface="Open Sans" panose="020B0606030504020204" pitchFamily="34" charset="0"/>
+                <a:ea typeface="Open Sans" panose="020B0606030504020204" pitchFamily="34" charset="0"/>
+                <a:cs typeface="Open Sans" panose="020B0606030504020204" pitchFamily="34" charset="0"/>
+              </a:rPr>
+              <a:t>rogramming interface that represents the structured document as a tree of objects.</a:t>
+            </a:r>
+            <a:br>
+              <a:rPr lang="en-US" sz="2000" b="0" i="0" dirty="0">
+                <a:effectLst/>
+                <a:latin typeface="Open Sans" panose="020B0606030504020204" pitchFamily="34" charset="0"/>
+                <a:ea typeface="Open Sans" panose="020B0606030504020204" pitchFamily="34" charset="0"/>
+                <a:cs typeface="Open Sans" panose="020B0606030504020204" pitchFamily="34" charset="0"/>
+              </a:rPr>
+            </a:br>
+            <a:endParaRPr lang="en-US" sz="2000" b="0" i="0" dirty="0">
+              <a:effectLst/>
+              <a:latin typeface="Open Sans" panose="020B0606030504020204" pitchFamily="34" charset="0"/>
+              <a:ea typeface="Open Sans" panose="020B0606030504020204" pitchFamily="34" charset="0"/>
+              <a:cs typeface="Open Sans" panose="020B0606030504020204" pitchFamily="34" charset="0"/>
+            </a:endParaRPr>
+          </a:p>
+          <a:p>
+            <a:r>
+              <a:rPr lang="en-US" sz="2000" b="0" i="0" dirty="0">
+                <a:effectLst/>
+                <a:latin typeface="Open Sans" panose="020B0606030504020204" pitchFamily="34" charset="0"/>
+                <a:ea typeface="Open Sans" panose="020B0606030504020204" pitchFamily="34" charset="0"/>
+                <a:cs typeface="Open Sans" panose="020B0606030504020204" pitchFamily="34" charset="0"/>
+              </a:rPr>
+              <a:t>Each HTML element becomes a "node" in the tree, and these nodes can be accessed using programming languages like Python</a:t>
+            </a:r>
+            <a:r>
+              <a:rPr lang="en-US" sz="2000" dirty="0">
+                <a:latin typeface="Open Sans" panose="020B0606030504020204" pitchFamily="34" charset="0"/>
+                <a:ea typeface="Open Sans" panose="020B0606030504020204" pitchFamily="34" charset="0"/>
+                <a:cs typeface="Open Sans" panose="020B0606030504020204" pitchFamily="34" charset="0"/>
+              </a:rPr>
+              <a:t>.</a:t>
+            </a:r>
+            <a:br>
+              <a:rPr lang="en-US" sz="2000" dirty="0">
+                <a:latin typeface="Open Sans" panose="020B0606030504020204" pitchFamily="34" charset="0"/>
+                <a:ea typeface="Open Sans" panose="020B0606030504020204" pitchFamily="34" charset="0"/>
+                <a:cs typeface="Open Sans" panose="020B0606030504020204" pitchFamily="34" charset="0"/>
+              </a:rPr>
+            </a:br>
+            <a:endParaRPr lang="en-US" sz="2000" dirty="0">
+              <a:latin typeface="Open Sans" panose="020B0606030504020204" pitchFamily="34" charset="0"/>
+              <a:ea typeface="Open Sans" panose="020B0606030504020204" pitchFamily="34" charset="0"/>
+              <a:cs typeface="Open Sans" panose="020B0606030504020204" pitchFamily="34" charset="0"/>
+            </a:endParaRPr>
+          </a:p>
+          <a:p>
+            <a:r>
+              <a:rPr lang="en-US" sz="2000" dirty="0">
+                <a:latin typeface="Open Sans" panose="020B0606030504020204" pitchFamily="34" charset="0"/>
+                <a:ea typeface="Open Sans" panose="020B0606030504020204" pitchFamily="34" charset="0"/>
+                <a:cs typeface="Open Sans" panose="020B0606030504020204" pitchFamily="34" charset="0"/>
+              </a:rPr>
+              <a:t>Using Python, we will navigate such a DOM and extract data from a website today!</a:t>
+            </a:r>
+          </a:p>
+        </p:txBody>
+      </p:sp>
+      <p:pic>
+        <p:nvPicPr>
+          <p:cNvPr id="6" name="Content Placeholder 4">
+            <a:extLst>
+              <a:ext uri="{FF2B5EF4-FFF2-40B4-BE49-F238E27FC236}">
+                <a16:creationId xmlns:a16="http://schemas.microsoft.com/office/drawing/2014/main" id="{E80CBE38-AD1D-10B0-CBC8-D0121FB65BBA}"/>
+              </a:ext>
+            </a:extLst>
+          </p:cNvPr>
+          <p:cNvPicPr>
+            <a:picLocks noChangeAspect="1"/>
+          </p:cNvPicPr>
+          <p:nvPr/>
+        </p:nvPicPr>
+        <p:blipFill>
+          <a:blip r:embed="rId2"/>
+          <a:stretch>
+            <a:fillRect/>
+          </a:stretch>
+        </p:blipFill>
+        <p:spPr>
+          <a:xfrm>
+            <a:off x="7061202" y="365125"/>
+            <a:ext cx="4520719" cy="6298328"/>
+          </a:xfrm>
+          <a:prstGeom prst="rect">
+            <a:avLst/>
+          </a:prstGeom>
+        </p:spPr>
+      </p:pic>
+    </p:spTree>
+    <p:extLst>
+      <p:ext uri="{BB962C8B-B14F-4D97-AF65-F5344CB8AC3E}">
+        <p14:creationId xmlns:p14="http://schemas.microsoft.com/office/powerpoint/2010/main" val="2219543395"/>
+      </p:ext>
+    </p:extLst>
+  </p:cSld>
+  <p:clrMapOvr>
+    <a:masterClrMapping/>
+  </p:clrMapOvr>
+  <p:timing>
+    <p:tnLst>
+      <p:par>
+        <p:cTn id="1" dur="indefinite" restart="never" nodeType="tmRoot">
+          <p:childTnLst>
+            <p:seq concurrent="1" nextAc="seek">
+              <p:cTn id="2" dur="indefinite" nodeType="mainSeq">
+                <p:childTnLst>
+                  <p:par>
+                    <p:cTn id="3" fill="hold">
+                      <p:stCondLst>
+                        <p:cond delay="indefinite"/>
+                      </p:stCondLst>
+                      <p:childTnLst>
+                        <p:par>
+                          <p:cTn id="4" fill="hold">
+                            <p:stCondLst>
+                              <p:cond delay="0"/>
+                            </p:stCondLst>
+                            <p:childTnLst>
+                              <p:par>
+                                <p:cTn id="5" presetID="1" presetClass="entr" presetSubtype="0" fill="hold" nodeType="clickEffect">
+                                  <p:stCondLst>
+                                    <p:cond delay="0"/>
+                                  </p:stCondLst>
+                                  <p:childTnLst>
+                                    <p:set>
+                                      <p:cBhvr>
+                                        <p:cTn id="6" dur="1" fill="hold">
+                                          <p:stCondLst>
+                                            <p:cond delay="0"/>
+                                          </p:stCondLst>
+                                        </p:cTn>
+                                        <p:tgtEl>
+                                          <p:spTgt spid="4">
+                                            <p:txEl>
+                                              <p:pRg st="0" end="0"/>
+                                            </p:txEl>
+                                          </p:spTgt>
+                                        </p:tgtEl>
+                                        <p:attrNameLst>
+                                          <p:attrName>style.visibility</p:attrName>
+                                        </p:attrNameLst>
+                                      </p:cBhvr>
+                                      <p:to>
+                                        <p:strVal val="visible"/>
+                                      </p:to>
+                                    </p:set>
+                                  </p:childTnLst>
+                                </p:cTn>
+                              </p:par>
+                            </p:childTnLst>
+                          </p:cTn>
+                        </p:par>
+                      </p:childTnLst>
+                    </p:cTn>
+                  </p:par>
+                  <p:par>
+                    <p:cTn id="7" fill="hold">
+                      <p:stCondLst>
+                        <p:cond delay="indefinite"/>
+                      </p:stCondLst>
+                      <p:childTnLst>
+                        <p:par>
+                          <p:cTn id="8" fill="hold">
+                            <p:stCondLst>
+                              <p:cond delay="0"/>
+                            </p:stCondLst>
+                            <p:childTnLst>
+                              <p:par>
+                                <p:cTn id="9" presetID="1" presetClass="entr" presetSubtype="0" fill="hold" nodeType="clickEffect">
+                                  <p:stCondLst>
+                                    <p:cond delay="0"/>
+                                  </p:stCondLst>
+                                  <p:childTnLst>
+                                    <p:set>
+                                      <p:cBhvr>
+                                        <p:cTn id="10" dur="1" fill="hold">
+                                          <p:stCondLst>
+                                            <p:cond delay="0"/>
+                                          </p:stCondLst>
+                                        </p:cTn>
+                                        <p:tgtEl>
+                                          <p:spTgt spid="4">
+                                            <p:txEl>
+                                              <p:pRg st="1" end="1"/>
+                                            </p:txEl>
+                                          </p:spTgt>
+                                        </p:tgtEl>
+                                        <p:attrNameLst>
+                                          <p:attrName>style.visibility</p:attrName>
+                                        </p:attrNameLst>
+                                      </p:cBhvr>
+                                      <p:to>
+                                        <p:strVal val="visible"/>
+                                      </p:to>
+                                    </p:set>
+                                  </p:childTnLst>
+                                </p:cTn>
+                              </p:par>
+                            </p:childTnLst>
+                          </p:cTn>
+                        </p:par>
+                      </p:childTnLst>
+                    </p:cTn>
+                  </p:par>
+                  <p:par>
+                    <p:cTn id="11" fill="hold">
+                      <p:stCondLst>
+                        <p:cond delay="indefinite"/>
+                      </p:stCondLst>
+                      <p:childTnLst>
+                        <p:par>
+                          <p:cTn id="12" fill="hold">
+                            <p:stCondLst>
+                              <p:cond delay="0"/>
+                            </p:stCondLst>
+                            <p:childTnLst>
+                              <p:par>
+                                <p:cTn id="13" presetID="1" presetClass="entr" presetSubtype="0" fill="hold" nodeType="clickEffect">
+                                  <p:stCondLst>
+                                    <p:cond delay="0"/>
+                                  </p:stCondLst>
+                                  <p:childTnLst>
+                                    <p:set>
+                                      <p:cBhvr>
+                                        <p:cTn id="14" dur="1" fill="hold">
+                                          <p:stCondLst>
+                                            <p:cond delay="0"/>
+                                          </p:stCondLst>
+                                        </p:cTn>
+                                        <p:tgtEl>
+                                          <p:spTgt spid="4">
+                                            <p:txEl>
+                                              <p:pRg st="2" end="2"/>
+                                            </p:txEl>
+                                          </p:spTgt>
+                                        </p:tgtEl>
+                                        <p:attrNameLst>
+                                          <p:attrName>style.visibility</p:attrName>
+                                        </p:attrNameLst>
+                                      </p:cBhvr>
+                                      <p:to>
+                                        <p:strVal val="visible"/>
+                                      </p:to>
+                                    </p:set>
+                                  </p:childTnLst>
+                                </p:cTn>
+                              </p:par>
+                            </p:childTnLst>
+                          </p:cTn>
+                        </p:par>
+                      </p:childTnLst>
+                    </p:cTn>
+                  </p:par>
+                </p:childTnLst>
+              </p:cTn>
+              <p:prevCondLst>
+                <p:cond evt="onPrev" delay="0">
+                  <p:tgtEl>
+                    <p:sldTgt/>
+                  </p:tgtEl>
+                </p:cond>
+              </p:prevCondLst>
+              <p:nextCondLst>
+                <p:cond evt="onNext" delay="0">
+                  <p:tgtEl>
+                    <p:sldTgt/>
+                  </p:tgtEl>
+                </p:cond>
+              </p:nextCondLst>
+            </p:seq>
+          </p:childTnLst>
+        </p:cTn>
+      </p:par>
+    </p:tnLst>
+  </p:timing>
+</p:sld>
+</file>
+
+<file path=ppt/slides/slide13.xml><?xml version="1.0" encoding="utf-8"?>
+<p:sld xmlns:a="http://schemas.openxmlformats.org/drawingml/2006/main" xmlns:r="http://schemas.openxmlformats.org/officeDocument/2006/relationships" xmlns:p="http://schemas.openxmlformats.org/presentationml/2006/main">
+  <p:cSld>
+    <p:spTree>
+      <p:nvGrpSpPr>
+        <p:cNvPr id="1" name=""/>
+        <p:cNvGrpSpPr/>
+        <p:nvPr/>
+      </p:nvGrpSpPr>
+      <p:grpSpPr>
+        <a:xfrm>
+          <a:off x="0" y="0"/>
+          <a:ext cx="0" cy="0"/>
+          <a:chOff x="0" y="0"/>
+          <a:chExt cx="0" cy="0"/>
+        </a:xfrm>
+      </p:grpSpPr>
+      <p:sp>
+        <p:nvSpPr>
+          <p:cNvPr id="2" name="Title 1">
+            <a:extLst>
+              <a:ext uri="{FF2B5EF4-FFF2-40B4-BE49-F238E27FC236}">
+                <a16:creationId xmlns:a16="http://schemas.microsoft.com/office/drawing/2014/main" id="{EA81DF2E-BBFE-B627-613A-8034AAB7B1B4}"/>
+              </a:ext>
+            </a:extLst>
+          </p:cNvPr>
+          <p:cNvSpPr>
+            <a:spLocks noGrp="1"/>
+          </p:cNvSpPr>
+          <p:nvPr>
+            <p:ph type="title"/>
+          </p:nvPr>
+        </p:nvSpPr>
+        <p:spPr/>
+        <p:txBody>
+          <a:bodyPr/>
+          <a:lstStyle/>
+          <a:p>
+            <a:endParaRPr lang="en-US"/>
+          </a:p>
+        </p:txBody>
+      </p:sp>
+      <p:sp>
+        <p:nvSpPr>
+          <p:cNvPr id="3" name="Content Placeholder 2">
+            <a:extLst>
+              <a:ext uri="{FF2B5EF4-FFF2-40B4-BE49-F238E27FC236}">
+                <a16:creationId xmlns:a16="http://schemas.microsoft.com/office/drawing/2014/main" id="{A1FCEC14-86D1-FA04-E49B-8964735681DB}"/>
+              </a:ext>
+            </a:extLst>
+          </p:cNvPr>
+          <p:cNvSpPr>
+            <a:spLocks noGrp="1"/>
+          </p:cNvSpPr>
+          <p:nvPr>
+            <p:ph idx="1"/>
+          </p:nvPr>
+        </p:nvSpPr>
+        <p:spPr/>
+        <p:txBody>
+          <a:bodyPr/>
+          <a:lstStyle/>
+          <a:p>
+            <a:pPr marL="0" indent="0">
+              <a:buNone/>
+            </a:pPr>
+            <a:r>
+              <a:rPr lang="en-US" dirty="0">
+                <a:latin typeface="Open Sans" panose="020B0606030504020204" pitchFamily="34" charset="0"/>
+                <a:ea typeface="Open Sans" panose="020B0606030504020204" pitchFamily="34" charset="0"/>
+                <a:cs typeface="Open Sans" panose="020B0606030504020204" pitchFamily="34" charset="0"/>
+              </a:rPr>
+              <a:t>Let’s get started!</a:t>
+            </a:r>
+          </a:p>
+          <a:p>
+            <a:pPr marL="0" indent="0">
+              <a:buNone/>
+            </a:pPr>
+            <a:endParaRPr lang="en-US" dirty="0">
+              <a:latin typeface="Open Sans" panose="020B0606030504020204" pitchFamily="34" charset="0"/>
+              <a:ea typeface="Open Sans" panose="020B0606030504020204" pitchFamily="34" charset="0"/>
+              <a:cs typeface="Open Sans" panose="020B0606030504020204" pitchFamily="34" charset="0"/>
+            </a:endParaRPr>
+          </a:p>
+          <a:p>
+            <a:pPr marL="0" indent="0">
+              <a:buNone/>
+            </a:pPr>
+            <a:r>
+              <a:rPr lang="en-US" dirty="0">
+                <a:latin typeface="Open Sans" panose="020B0606030504020204" pitchFamily="34" charset="0"/>
+                <a:ea typeface="Open Sans" panose="020B0606030504020204" pitchFamily="34" charset="0"/>
+                <a:cs typeface="Open Sans" panose="020B0606030504020204" pitchFamily="34" charset="0"/>
+              </a:rPr>
+              <a:t>Google Collab Notebook:</a:t>
+            </a:r>
+            <a:br>
+              <a:rPr lang="en-US" dirty="0">
+                <a:solidFill>
+                  <a:srgbClr val="0563C1"/>
+                </a:solidFill>
+                <a:latin typeface="Open Sans" panose="020B0606030504020204" pitchFamily="34" charset="0"/>
+                <a:ea typeface="Open Sans" panose="020B0606030504020204" pitchFamily="34" charset="0"/>
+                <a:cs typeface="Open Sans" panose="020B0606030504020204" pitchFamily="34" charset="0"/>
+                <a:hlinkClick r:id="rId2">
+                  <a:extLst>
+                    <a:ext uri="{A12FA001-AC4F-418D-AE19-62706E023703}">
+                      <ahyp:hlinkClr xmlns:ahyp="http://schemas.microsoft.com/office/drawing/2018/hyperlinkcolor" val="tx"/>
+                    </a:ext>
+                  </a:extLst>
+                </a:hlinkClick>
+              </a:rPr>
+            </a:br>
+            <a:r>
+              <a:rPr lang="en-US" dirty="0">
+                <a:solidFill>
+                  <a:srgbClr val="0563C1"/>
+                </a:solidFill>
+                <a:latin typeface="Open Sans" panose="020B0606030504020204" pitchFamily="34" charset="0"/>
+                <a:ea typeface="Open Sans" panose="020B0606030504020204" pitchFamily="34" charset="0"/>
+                <a:cs typeface="Open Sans" panose="020B0606030504020204" pitchFamily="34" charset="0"/>
+                <a:hlinkClick r:id="rId2">
+                  <a:extLst>
+                    <a:ext uri="{A12FA001-AC4F-418D-AE19-62706E023703}">
+                      <ahyp:hlinkClr xmlns:ahyp="http://schemas.microsoft.com/office/drawing/2018/hyperlinkcolor" val="tx"/>
+                    </a:ext>
+                  </a:extLst>
+                </a:hlinkClick>
+              </a:rPr>
+              <a:t>https://tinyurl.com/TRIADS-web-scraping</a:t>
+            </a:r>
+            <a:endParaRPr lang="en-US" dirty="0">
+              <a:latin typeface="Open Sans" panose="020B0606030504020204" pitchFamily="34" charset="0"/>
+              <a:ea typeface="Open Sans" panose="020B0606030504020204" pitchFamily="34" charset="0"/>
+              <a:cs typeface="Open Sans" panose="020B0606030504020204" pitchFamily="34" charset="0"/>
+            </a:endParaRPr>
+          </a:p>
+          <a:p>
+            <a:endParaRPr lang="en-US" dirty="0"/>
+          </a:p>
+          <a:p>
+            <a:endParaRPr lang="en-US" dirty="0"/>
+          </a:p>
+        </p:txBody>
+      </p:sp>
+    </p:spTree>
+    <p:extLst>
+      <p:ext uri="{BB962C8B-B14F-4D97-AF65-F5344CB8AC3E}">
+        <p14:creationId xmlns:p14="http://schemas.microsoft.com/office/powerpoint/2010/main" val="2461927650"/>
+      </p:ext>
+    </p:extLst>
+  </p:cSld>
+  <p:clrMapOvr>
+    <a:masterClrMapping/>
+  </p:clrMapOvr>
+</p:sld>
+</file>
+
+<file path=ppt/slides/slide14.xml><?xml version="1.0" encoding="utf-8"?>
+<p:sld xmlns:a="http://schemas.openxmlformats.org/drawingml/2006/main" xmlns:r="http://schemas.openxmlformats.org/officeDocument/2006/relationships" xmlns:p="http://schemas.openxmlformats.org/presentationml/2006/main">
+  <p:cSld>
+    <p:spTree>
+      <p:nvGrpSpPr>
+        <p:cNvPr id="1" name=""/>
+        <p:cNvGrpSpPr/>
+        <p:nvPr/>
+      </p:nvGrpSpPr>
+      <p:grpSpPr>
+        <a:xfrm>
+          <a:off x="0" y="0"/>
+          <a:ext cx="0" cy="0"/>
+          <a:chOff x="0" y="0"/>
+          <a:chExt cx="0" cy="0"/>
+        </a:xfrm>
+      </p:grpSpPr>
+      <p:sp>
+        <p:nvSpPr>
+          <p:cNvPr id="2" name="Title 1">
+            <a:extLst>
+              <a:ext uri="{FF2B5EF4-FFF2-40B4-BE49-F238E27FC236}">
+                <a16:creationId xmlns:a16="http://schemas.microsoft.com/office/drawing/2014/main" id="{3E035946-CC83-B0BF-899F-88AB0495F825}"/>
+              </a:ext>
+            </a:extLst>
+          </p:cNvPr>
+          <p:cNvSpPr>
+            <a:spLocks noGrp="1"/>
+          </p:cNvSpPr>
+          <p:nvPr>
+            <p:ph type="title"/>
+          </p:nvPr>
+        </p:nvSpPr>
+        <p:spPr/>
+        <p:txBody>
+          <a:bodyPr/>
+          <a:lstStyle/>
+          <a:p>
+            <a:endParaRPr lang="en-US"/>
+          </a:p>
+        </p:txBody>
+      </p:sp>
+      <p:sp>
+        <p:nvSpPr>
+          <p:cNvPr id="3" name="Content Placeholder 2">
+            <a:extLst>
+              <a:ext uri="{FF2B5EF4-FFF2-40B4-BE49-F238E27FC236}">
+                <a16:creationId xmlns:a16="http://schemas.microsoft.com/office/drawing/2014/main" id="{695B4F70-9323-8557-3A20-7ECEEF4F9DCC}"/>
+              </a:ext>
+            </a:extLst>
+          </p:cNvPr>
+          <p:cNvSpPr>
+            <a:spLocks noGrp="1"/>
+          </p:cNvSpPr>
+          <p:nvPr>
+            <p:ph idx="1"/>
+          </p:nvPr>
+        </p:nvSpPr>
+        <p:spPr/>
+        <p:txBody>
+          <a:bodyPr/>
+          <a:lstStyle/>
+          <a:p>
+            <a:pPr marL="0" indent="0">
+              <a:buNone/>
+            </a:pPr>
+            <a:r>
+              <a:rPr lang="en-US" dirty="0">
+                <a:latin typeface="Open Sans" panose="020B0606030504020204" pitchFamily="34" charset="0"/>
+                <a:ea typeface="Open Sans" panose="020B0606030504020204" pitchFamily="34" charset="0"/>
+                <a:cs typeface="Open Sans" panose="020B0606030504020204" pitchFamily="34" charset="0"/>
+              </a:rPr>
+              <a:t>Please fill out the post-seminar survey:</a:t>
+            </a:r>
+          </a:p>
+          <a:p>
+            <a:pPr marL="0" indent="0">
+              <a:buNone/>
+            </a:pPr>
+            <a:endParaRPr lang="en-US" dirty="0">
+              <a:latin typeface="Open Sans" panose="020B0606030504020204" pitchFamily="34" charset="0"/>
+              <a:ea typeface="Open Sans" panose="020B0606030504020204" pitchFamily="34" charset="0"/>
+              <a:cs typeface="Open Sans" panose="020B0606030504020204" pitchFamily="34" charset="0"/>
+            </a:endParaRPr>
+          </a:p>
+          <a:p>
+            <a:endParaRPr lang="en-US" dirty="0"/>
+          </a:p>
+        </p:txBody>
+      </p:sp>
+      <p:pic>
+        <p:nvPicPr>
+          <p:cNvPr id="7" name="Picture 6" descr="A qr code on a white square&#10;&#10;Description automatically generated">
+            <a:extLst>
+              <a:ext uri="{FF2B5EF4-FFF2-40B4-BE49-F238E27FC236}">
+                <a16:creationId xmlns:a16="http://schemas.microsoft.com/office/drawing/2014/main" id="{22E98D63-5CC9-0E32-7E38-A6848D49A5F4}"/>
+              </a:ext>
+            </a:extLst>
+          </p:cNvPr>
+          <p:cNvPicPr>
+            <a:picLocks noChangeAspect="1"/>
+          </p:cNvPicPr>
+          <p:nvPr/>
+        </p:nvPicPr>
+        <p:blipFill>
+          <a:blip r:embed="rId2"/>
+          <a:stretch>
+            <a:fillRect/>
+          </a:stretch>
+        </p:blipFill>
+        <p:spPr>
+          <a:xfrm>
+            <a:off x="4211845" y="2578100"/>
+            <a:ext cx="3057110" cy="3073400"/>
+          </a:xfrm>
+          <a:prstGeom prst="rect">
+            <a:avLst/>
+          </a:prstGeom>
+        </p:spPr>
+      </p:pic>
+    </p:spTree>
+    <p:extLst>
+      <p:ext uri="{BB962C8B-B14F-4D97-AF65-F5344CB8AC3E}">
+        <p14:creationId xmlns:p14="http://schemas.microsoft.com/office/powerpoint/2010/main" val="645198759"/>
       </p:ext>
     </p:extLst>
   </p:cSld>
@@ -3438,7 +5778,7 @@
           <p:cNvPr id="2" name="Title 1">
             <a:extLst>
               <a:ext uri="{FF2B5EF4-FFF2-40B4-BE49-F238E27FC236}">
-                <a16:creationId xmlns:a16="http://schemas.microsoft.com/office/drawing/2014/main" id="{821D3228-C55D-A215-6487-198E328E3DBB}"/>
+                <a16:creationId xmlns:a16="http://schemas.microsoft.com/office/drawing/2014/main" id="{F0D99B43-D124-90BC-3FC6-43E9D1508D4C}"/>
               </a:ext>
             </a:extLst>
           </p:cNvPr>
@@ -3449,51 +5789,26 @@
             <p:ph type="title"/>
           </p:nvPr>
         </p:nvSpPr>
-        <p:spPr/>
+        <p:spPr>
+          <a:xfrm>
+            <a:off x="838200" y="365125"/>
+            <a:ext cx="9855200" cy="1325563"/>
+          </a:xfrm>
+        </p:spPr>
         <p:txBody>
           <a:bodyPr>
-            <a:normAutofit fontScale="90000"/>
+            <a:normAutofit/>
           </a:bodyPr>
           <a:lstStyle/>
           <a:p>
             <a:r>
-              <a:rPr lang="en-US" b="1" i="0" dirty="0">
-                <a:solidFill>
-                  <a:srgbClr val="875687"/>
-                </a:solidFill>
-                <a:effectLst/>
-                <a:latin typeface="Open Sans" panose="020F0502020204030204" pitchFamily="34" charset="0"/>
+              <a:rPr lang="en-US" sz="4000" dirty="0">
+                <a:latin typeface="Open Sans" panose="020B0606030504020204" pitchFamily="34" charset="0"/>
+                <a:ea typeface="Open Sans" panose="020B0606030504020204" pitchFamily="34" charset="0"/>
+                <a:cs typeface="Open Sans" panose="020B0606030504020204" pitchFamily="34" charset="0"/>
               </a:rPr>
-              <a:t>Scraping the web: what? why?</a:t>
-            </a:r>
-            <a:br>
-              <a:rPr lang="en-US" b="1" i="0" dirty="0">
-                <a:solidFill>
-                  <a:srgbClr val="875687"/>
-                </a:solidFill>
-                <a:effectLst/>
-                <a:latin typeface="Open Sans" panose="020F0502020204030204" pitchFamily="34" charset="0"/>
-              </a:rPr>
-            </a:br>
-            <a:br>
-              <a:rPr lang="en-US" sz="1800" b="0" i="0" dirty="0">
-                <a:solidFill>
-                  <a:srgbClr val="333333"/>
-                </a:solidFill>
-                <a:effectLst/>
-                <a:latin typeface="Open Sans" panose="020F0502020204030204" pitchFamily="34" charset="0"/>
-              </a:rPr>
-            </a:br>
-            <a:br>
-              <a:rPr lang="en-US" sz="1800" b="0" i="0" dirty="0">
-                <a:solidFill>
-                  <a:srgbClr val="333333"/>
-                </a:solidFill>
-                <a:effectLst/>
-                <a:latin typeface="Open Sans" panose="020F0502020204030204" pitchFamily="34" charset="0"/>
-              </a:rPr>
-            </a:br>
-            <a:endParaRPr lang="en-US" dirty="0"/>
+              <a:t>Welcome to the TRIADS Web scraping Workshop</a:t>
+            </a:r>
           </a:p>
         </p:txBody>
       </p:sp>
@@ -3502,7 +5817,7 @@
           <p:cNvPr id="3" name="Content Placeholder 2">
             <a:extLst>
               <a:ext uri="{FF2B5EF4-FFF2-40B4-BE49-F238E27FC236}">
-                <a16:creationId xmlns:a16="http://schemas.microsoft.com/office/drawing/2014/main" id="{46C8EB86-4270-75D5-CBE2-A6D0E98B49E0}"/>
+                <a16:creationId xmlns:a16="http://schemas.microsoft.com/office/drawing/2014/main" id="{C8F19618-7760-9FF7-6335-A7778DBE95AA}"/>
               </a:ext>
             </a:extLst>
           </p:cNvPr>
@@ -3518,148 +5833,67 @@
           <a:bodyPr/>
           <a:lstStyle/>
           <a:p>
-            <a:pPr algn="l">
-              <a:buFont typeface="Arial" panose="020B0604020202020204" pitchFamily="34" charset="0"/>
-              <a:buChar char="•"/>
+            <a:pPr marL="0" indent="0">
+              <a:buNone/>
             </a:pPr>
-            <a:r>
-              <a:rPr lang="en-US" sz="1800" b="0" i="0" dirty="0">
-                <a:solidFill>
-                  <a:srgbClr val="333333"/>
-                </a:solidFill>
-                <a:effectLst/>
+            <a:endParaRPr lang="en-US" dirty="0">
+              <a:latin typeface="Open Sans" panose="020B0606030504020204" pitchFamily="34" charset="0"/>
+              <a:ea typeface="Open Sans" panose="020B0606030504020204" pitchFamily="34" charset="0"/>
+              <a:cs typeface="Open Sans" panose="020B0606030504020204" pitchFamily="34" charset="0"/>
+            </a:endParaRPr>
+          </a:p>
+          <a:p>
+            <a:pPr marL="0" indent="0">
+              <a:buNone/>
+            </a:pPr>
+            <a:r>
+              <a:rPr lang="en-US" dirty="0">
                 <a:latin typeface="Open Sans" panose="020B0606030504020204" pitchFamily="34" charset="0"/>
+                <a:ea typeface="Open Sans" panose="020B0606030504020204" pitchFamily="34" charset="0"/>
+                <a:cs typeface="Open Sans" panose="020B0606030504020204" pitchFamily="34" charset="0"/>
               </a:rPr>
-              <a:t>Increasing amount of data is available on the web.</a:t>
-            </a:r>
-          </a:p>
-          <a:p>
-            <a:r>
-              <a:rPr lang="en-US" sz="1800" b="0" i="0" dirty="0">
-                <a:solidFill>
-                  <a:srgbClr val="333333"/>
-                </a:solidFill>
-                <a:effectLst/>
-                <a:latin typeface="Open Sans" panose="020B0606030504020204" pitchFamily="34" charset="0"/>
-              </a:rPr>
-              <a:t>These data are provided in an unstructured format: you can always </a:t>
-            </a:r>
-            <a:r>
-              <a:rPr lang="en-US" sz="1800" b="0" i="0" dirty="0" err="1">
-                <a:solidFill>
-                  <a:srgbClr val="333333"/>
-                </a:solidFill>
-                <a:effectLst/>
-                <a:latin typeface="Open Sans" panose="020B0606030504020204" pitchFamily="34" charset="0"/>
-              </a:rPr>
-              <a:t>copy&amp;paste</a:t>
-            </a:r>
-            <a:r>
-              <a:rPr lang="en-US" sz="1800" b="0" i="0" dirty="0">
-                <a:solidFill>
-                  <a:srgbClr val="333333"/>
-                </a:solidFill>
-                <a:effectLst/>
-                <a:latin typeface="Open Sans" panose="020B0606030504020204" pitchFamily="34" charset="0"/>
-              </a:rPr>
-              <a:t>, but it's time-consuming and prone to errors.</a:t>
-            </a:r>
-          </a:p>
-          <a:p>
-            <a:r>
-              <a:rPr lang="en-US" sz="1800" b="0" i="0" dirty="0">
-                <a:solidFill>
-                  <a:srgbClr val="333333"/>
-                </a:solidFill>
-                <a:effectLst/>
-                <a:latin typeface="Open Sans" panose="020B0606030504020204" pitchFamily="34" charset="0"/>
-              </a:rPr>
-              <a:t>Web scraping is the process of extracting this information automatically and transform it into a structured dataset.</a:t>
-            </a:r>
-          </a:p>
-          <a:p>
-            <a:r>
-              <a:rPr lang="en-US" sz="1200" b="0" i="0" dirty="0">
-                <a:solidFill>
-                  <a:srgbClr val="333333"/>
-                </a:solidFill>
-                <a:effectLst/>
-                <a:latin typeface="Open Sans" panose="020B0606030504020204" pitchFamily="34" charset="0"/>
-              </a:rPr>
-              <a:t>Two different scenarios:</a:t>
-            </a:r>
-            <a:endParaRPr lang="en-US" sz="1800" dirty="0">
-              <a:solidFill>
-                <a:srgbClr val="333333"/>
-              </a:solidFill>
-              <a:latin typeface="Open Sans" panose="020B0606030504020204" pitchFamily="34" charset="0"/>
-            </a:endParaRPr>
-          </a:p>
-          <a:p>
-            <a:pPr lvl="1"/>
-            <a:r>
-              <a:rPr lang="en-US" sz="1800" b="1" i="0" dirty="0">
-                <a:solidFill>
-                  <a:srgbClr val="1689AE"/>
-                </a:solidFill>
-                <a:effectLst/>
-                <a:latin typeface="Open Sans" panose="020B0606030504020204" pitchFamily="34" charset="0"/>
-              </a:rPr>
-              <a:t>Screen scraping</a:t>
-            </a:r>
-            <a:r>
-              <a:rPr lang="en-US" sz="1800" b="0" i="0" dirty="0">
-                <a:solidFill>
-                  <a:srgbClr val="333333"/>
-                </a:solidFill>
-                <a:effectLst/>
-                <a:latin typeface="Open Sans" panose="020B0606030504020204" pitchFamily="34" charset="0"/>
-              </a:rPr>
-              <a:t>: extract data from source code of website, with html parser (easy) or regular expression matching (less easy).</a:t>
-            </a:r>
-          </a:p>
-          <a:p>
-            <a:pPr lvl="1"/>
-            <a:r>
-              <a:rPr lang="en-US" sz="1800" b="1" i="0" dirty="0">
-                <a:solidFill>
-                  <a:srgbClr val="1689AE"/>
-                </a:solidFill>
-                <a:effectLst/>
-                <a:latin typeface="Open Sans" panose="020B0606030504020204" pitchFamily="34" charset="0"/>
-              </a:rPr>
-              <a:t>Web APIs (application programming interface)</a:t>
-            </a:r>
-            <a:r>
-              <a:rPr lang="en-US" sz="1800" b="0" i="0" dirty="0">
-                <a:solidFill>
-                  <a:srgbClr val="333333"/>
-                </a:solidFill>
-                <a:effectLst/>
-                <a:latin typeface="Open Sans" panose="020B0606030504020204" pitchFamily="34" charset="0"/>
-              </a:rPr>
-              <a:t>: website offers a set of structured http requests that return JSON or XML files.</a:t>
-            </a:r>
-          </a:p>
-          <a:p>
-            <a:pPr lvl="1"/>
-            <a:endParaRPr lang="en-US" sz="1400" b="0" i="0" dirty="0">
-              <a:solidFill>
-                <a:srgbClr val="333333"/>
-              </a:solidFill>
-              <a:effectLst/>
-              <a:latin typeface="Open Sans" panose="020B0606030504020204" pitchFamily="34" charset="0"/>
-            </a:endParaRPr>
+              <a:t>Please fill out the pre-seminar survey:</a:t>
+            </a:r>
           </a:p>
           <a:p>
             <a:endParaRPr lang="en-US" dirty="0"/>
           </a:p>
         </p:txBody>
       </p:sp>
+      <p:pic>
+        <p:nvPicPr>
+          <p:cNvPr id="6" name="Picture 5" descr="A qr code on a square&#10;&#10;Description automatically generated">
+            <a:extLst>
+              <a:ext uri="{FF2B5EF4-FFF2-40B4-BE49-F238E27FC236}">
+                <a16:creationId xmlns:a16="http://schemas.microsoft.com/office/drawing/2014/main" id="{6B5302FE-E502-1C71-DB3A-CB3E4EB6BC32}"/>
+              </a:ext>
+            </a:extLst>
+          </p:cNvPr>
+          <p:cNvPicPr>
+            <a:picLocks noChangeAspect="1"/>
+          </p:cNvPicPr>
+          <p:nvPr/>
+        </p:nvPicPr>
+        <p:blipFill>
+          <a:blip r:embed="rId2"/>
+          <a:stretch>
+            <a:fillRect/>
+          </a:stretch>
+        </p:blipFill>
+        <p:spPr>
+          <a:xfrm>
+            <a:off x="4178300" y="3130460"/>
+            <a:ext cx="2924692" cy="2940140"/>
+          </a:xfrm>
+          <a:prstGeom prst="rect">
+            <a:avLst/>
+          </a:prstGeom>
+        </p:spPr>
+      </p:pic>
     </p:spTree>
     <p:extLst>
       <p:ext uri="{BB962C8B-B14F-4D97-AF65-F5344CB8AC3E}">
-        <p14:creationId xmlns:p14="http://schemas.microsoft.com/office/powerpoint/2010/main" val="3581482902"/>
+        <p14:creationId xmlns:p14="http://schemas.microsoft.com/office/powerpoint/2010/main" val="533689236"/>
       </p:ext>
     </p:extLst>
   </p:cSld>
@@ -3691,7 +5925,7 @@
           <p:cNvPr id="2" name="Title 1">
             <a:extLst>
               <a:ext uri="{FF2B5EF4-FFF2-40B4-BE49-F238E27FC236}">
-                <a16:creationId xmlns:a16="http://schemas.microsoft.com/office/drawing/2014/main" id="{4471C617-1480-542F-99C9-6211D2A9039E}"/>
+                <a16:creationId xmlns:a16="http://schemas.microsoft.com/office/drawing/2014/main" id="{FD87CBFF-A778-55BA-4318-54858C428396}"/>
               </a:ext>
             </a:extLst>
           </p:cNvPr>
@@ -3700,64 +5934,6 @@
           </p:cNvSpPr>
           <p:nvPr>
             <p:ph type="title"/>
-          </p:nvPr>
-        </p:nvSpPr>
-        <p:spPr/>
-        <p:txBody>
-          <a:bodyPr>
-            <a:normAutofit fontScale="90000"/>
-          </a:bodyPr>
-          <a:lstStyle/>
-          <a:p>
-            <a:br>
-              <a:rPr lang="en-US" b="1" i="0" dirty="0">
-                <a:solidFill>
-                  <a:srgbClr val="875687"/>
-                </a:solidFill>
-                <a:effectLst/>
-                <a:latin typeface="Open Sans" panose="020B0606030504020204" pitchFamily="34" charset="0"/>
-              </a:rPr>
-            </a:br>
-            <a:r>
-              <a:rPr lang="en-US" b="1" i="0" dirty="0">
-                <a:solidFill>
-                  <a:srgbClr val="875687"/>
-                </a:solidFill>
-                <a:effectLst/>
-                <a:latin typeface="Open Sans" panose="020B0606030504020204" pitchFamily="34" charset="0"/>
-              </a:rPr>
-              <a:t>Hypertext Markup Language (HTML)</a:t>
-            </a:r>
-            <a:br>
-              <a:rPr lang="en-US" b="1" i="0" dirty="0">
-                <a:solidFill>
-                  <a:srgbClr val="875687"/>
-                </a:solidFill>
-                <a:effectLst/>
-                <a:latin typeface="Open Sans" panose="020B0606030504020204" pitchFamily="34" charset="0"/>
-              </a:rPr>
-            </a:br>
-            <a:br>
-              <a:rPr lang="en-US" dirty="0"/>
-            </a:br>
-            <a:endParaRPr lang="en-US" dirty="0"/>
-          </a:p>
-        </p:txBody>
-      </p:sp>
-      <p:sp>
-        <p:nvSpPr>
-          <p:cNvPr id="3" name="Content Placeholder 2">
-            <a:extLst>
-              <a:ext uri="{FF2B5EF4-FFF2-40B4-BE49-F238E27FC236}">
-                <a16:creationId xmlns:a16="http://schemas.microsoft.com/office/drawing/2014/main" id="{7877E326-B7C5-42E7-229B-428453745A9E}"/>
-              </a:ext>
-            </a:extLst>
-          </p:cNvPr>
-          <p:cNvSpPr>
-            <a:spLocks noGrp="1"/>
-          </p:cNvSpPr>
-          <p:nvPr>
-            <p:ph idx="1"/>
           </p:nvPr>
         </p:nvSpPr>
         <p:spPr/>
@@ -3766,53 +5942,92 @@
           <a:lstStyle/>
           <a:p>
             <a:r>
-              <a:rPr lang="en-US" b="0" i="0" dirty="0">
-                <a:solidFill>
-                  <a:srgbClr val="333333"/>
-                </a:solidFill>
-                <a:effectLst/>
+              <a:rPr lang="en-US" dirty="0">
                 <a:latin typeface="Open Sans" panose="020B0606030504020204" pitchFamily="34" charset="0"/>
+                <a:ea typeface="Open Sans" panose="020B0606030504020204" pitchFamily="34" charset="0"/>
+                <a:cs typeface="Open Sans" panose="020B0606030504020204" pitchFamily="34" charset="0"/>
               </a:rPr>
-              <a:t>Most of the data on the web is still largely available as HTML - while it is structured (hierarchical / tree based) it often is not available in a form useful for analysis (flat / tidy).</a:t>
-            </a:r>
-            <a:endParaRPr lang="en-US" dirty="0"/>
-          </a:p>
-        </p:txBody>
-      </p:sp>
-      <p:pic>
-        <p:nvPicPr>
-          <p:cNvPr id="5" name="Picture 4">
-            <a:extLst>
-              <a:ext uri="{FF2B5EF4-FFF2-40B4-BE49-F238E27FC236}">
-                <a16:creationId xmlns:a16="http://schemas.microsoft.com/office/drawing/2014/main" id="{CE0FECE6-F218-E62C-6B42-08E5004ADC4D}"/>
-              </a:ext>
-            </a:extLst>
-          </p:cNvPr>
-          <p:cNvPicPr>
-            <a:picLocks noChangeAspect="1"/>
-          </p:cNvPicPr>
-          <p:nvPr/>
-        </p:nvPicPr>
-        <p:blipFill>
-          <a:blip r:embed="rId2"/>
-          <a:stretch>
-            <a:fillRect/>
-          </a:stretch>
-        </p:blipFill>
-        <p:spPr>
-          <a:xfrm>
-            <a:off x="1612900" y="3429000"/>
-            <a:ext cx="7772400" cy="1947874"/>
-          </a:xfrm>
-          <a:prstGeom prst="rect">
-            <a:avLst/>
-          </a:prstGeom>
-        </p:spPr>
-      </p:pic>
+              <a:t>Today</a:t>
+            </a:r>
+          </a:p>
+        </p:txBody>
+      </p:sp>
+      <p:sp>
+        <p:nvSpPr>
+          <p:cNvPr id="3" name="Content Placeholder 2">
+            <a:extLst>
+              <a:ext uri="{FF2B5EF4-FFF2-40B4-BE49-F238E27FC236}">
+                <a16:creationId xmlns:a16="http://schemas.microsoft.com/office/drawing/2014/main" id="{AD346769-AF8E-31E4-05E3-EFDB4E339ACB}"/>
+              </a:ext>
+            </a:extLst>
+          </p:cNvPr>
+          <p:cNvSpPr>
+            <a:spLocks noGrp="1"/>
+          </p:cNvSpPr>
+          <p:nvPr>
+            <p:ph idx="1"/>
+          </p:nvPr>
+        </p:nvSpPr>
+        <p:spPr/>
+        <p:txBody>
+          <a:bodyPr/>
+          <a:lstStyle/>
+          <a:p>
+            <a:r>
+              <a:rPr lang="en-US" dirty="0">
+                <a:latin typeface="Open Sans" panose="020B0606030504020204" pitchFamily="34" charset="0"/>
+                <a:ea typeface="Open Sans" panose="020B0606030504020204" pitchFamily="34" charset="0"/>
+                <a:cs typeface="Open Sans" panose="020B0606030504020204" pitchFamily="34" charset="0"/>
+              </a:rPr>
+              <a:t>Why Web scraping ?</a:t>
+            </a:r>
+          </a:p>
+          <a:p>
+            <a:r>
+              <a:rPr lang="en-US" dirty="0">
+                <a:latin typeface="Open Sans" panose="020B0606030504020204" pitchFamily="34" charset="0"/>
+                <a:ea typeface="Open Sans" panose="020B0606030504020204" pitchFamily="34" charset="0"/>
+                <a:cs typeface="Open Sans" panose="020B0606030504020204" pitchFamily="34" charset="0"/>
+              </a:rPr>
+              <a:t>Webpage and HTML</a:t>
+            </a:r>
+          </a:p>
+          <a:p>
+            <a:r>
+              <a:rPr lang="en-US" dirty="0">
+                <a:latin typeface="Open Sans" panose="020B0606030504020204" pitchFamily="34" charset="0"/>
+                <a:ea typeface="Open Sans" panose="020B0606030504020204" pitchFamily="34" charset="0"/>
+                <a:cs typeface="Open Sans" panose="020B0606030504020204" pitchFamily="34" charset="0"/>
+              </a:rPr>
+              <a:t>Elements and Attributes in HTML</a:t>
+            </a:r>
+          </a:p>
+          <a:p>
+            <a:r>
+              <a:rPr lang="en-US" dirty="0">
+                <a:latin typeface="Open Sans" panose="020B0606030504020204" pitchFamily="34" charset="0"/>
+                <a:ea typeface="Open Sans" panose="020B0606030504020204" pitchFamily="34" charset="0"/>
+                <a:cs typeface="Open Sans" panose="020B0606030504020204" pitchFamily="34" charset="0"/>
+              </a:rPr>
+              <a:t>DOM</a:t>
+            </a:r>
+          </a:p>
+          <a:p>
+            <a:r>
+              <a:rPr lang="en-US" dirty="0">
+                <a:latin typeface="Open Sans" panose="020B0606030504020204" pitchFamily="34" charset="0"/>
+                <a:ea typeface="Open Sans" panose="020B0606030504020204" pitchFamily="34" charset="0"/>
+                <a:cs typeface="Open Sans" panose="020B0606030504020204" pitchFamily="34" charset="0"/>
+              </a:rPr>
+              <a:t>Code walkthrough and collect data</a:t>
+            </a:r>
+          </a:p>
+        </p:txBody>
+      </p:sp>
     </p:spTree>
     <p:extLst>
       <p:ext uri="{BB962C8B-B14F-4D97-AF65-F5344CB8AC3E}">
-        <p14:creationId xmlns:p14="http://schemas.microsoft.com/office/powerpoint/2010/main" val="716175083"/>
+        <p14:creationId xmlns:p14="http://schemas.microsoft.com/office/powerpoint/2010/main" val="2448233859"/>
       </p:ext>
     </p:extLst>
   </p:cSld>
@@ -3844,7 +6059,7 @@
           <p:cNvPr id="2" name="Title 1">
             <a:extLst>
               <a:ext uri="{FF2B5EF4-FFF2-40B4-BE49-F238E27FC236}">
-                <a16:creationId xmlns:a16="http://schemas.microsoft.com/office/drawing/2014/main" id="{29C01A5C-5EA3-4B22-8B72-62B9A16461DF}"/>
+                <a16:creationId xmlns:a16="http://schemas.microsoft.com/office/drawing/2014/main" id="{821D3228-C55D-A215-6487-198E328E3DBB}"/>
               </a:ext>
             </a:extLst>
           </p:cNvPr>
@@ -3855,75 +6070,178 @@
             <p:ph type="title"/>
           </p:nvPr>
         </p:nvSpPr>
-        <p:spPr/>
+        <p:spPr>
+          <a:xfrm>
+            <a:off x="838200" y="584596"/>
+            <a:ext cx="10515600" cy="1325563"/>
+          </a:xfrm>
+        </p:spPr>
+        <p:txBody>
+          <a:bodyPr>
+            <a:normAutofit fontScale="90000"/>
+          </a:bodyPr>
+          <a:lstStyle/>
+          <a:p>
+            <a:r>
+              <a:rPr lang="en-US" i="0" dirty="0">
+                <a:effectLst/>
+                <a:latin typeface="Open Sans" panose="020F0502020204030204" pitchFamily="34" charset="0"/>
+              </a:rPr>
+              <a:t>Scraping the web: what? why?</a:t>
+            </a:r>
+            <a:br>
+              <a:rPr lang="en-US" i="0" dirty="0">
+                <a:effectLst/>
+                <a:latin typeface="Open Sans" panose="020F0502020204030204" pitchFamily="34" charset="0"/>
+              </a:rPr>
+            </a:br>
+            <a:br>
+              <a:rPr lang="en-US" sz="1800" i="0" dirty="0">
+                <a:effectLst/>
+                <a:latin typeface="Open Sans" panose="020F0502020204030204" pitchFamily="34" charset="0"/>
+              </a:rPr>
+            </a:br>
+            <a:br>
+              <a:rPr lang="en-US" sz="1800" i="0" dirty="0">
+                <a:effectLst/>
+                <a:latin typeface="Open Sans" panose="020F0502020204030204" pitchFamily="34" charset="0"/>
+              </a:rPr>
+            </a:br>
+            <a:endParaRPr lang="en-US" dirty="0"/>
+          </a:p>
+        </p:txBody>
+      </p:sp>
+      <p:sp>
+        <p:nvSpPr>
+          <p:cNvPr id="3" name="Content Placeholder 2">
+            <a:extLst>
+              <a:ext uri="{FF2B5EF4-FFF2-40B4-BE49-F238E27FC236}">
+                <a16:creationId xmlns:a16="http://schemas.microsoft.com/office/drawing/2014/main" id="{46C8EB86-4270-75D5-CBE2-A6D0E98B49E0}"/>
+              </a:ext>
+            </a:extLst>
+          </p:cNvPr>
+          <p:cNvSpPr>
+            <a:spLocks noGrp="1"/>
+          </p:cNvSpPr>
+          <p:nvPr>
+            <p:ph idx="1"/>
+          </p:nvPr>
+        </p:nvSpPr>
+        <p:spPr>
+          <a:xfrm>
+            <a:off x="838200" y="1371600"/>
+            <a:ext cx="10515600" cy="4805363"/>
+          </a:xfrm>
+        </p:spPr>
         <p:txBody>
           <a:bodyPr/>
           <a:lstStyle/>
           <a:p>
-            <a:r>
-              <a:rPr lang="en-US" dirty="0"/>
-              <a:t>DOM</a:t>
-            </a:r>
-          </a:p>
-        </p:txBody>
-      </p:sp>
-      <p:sp>
-        <p:nvSpPr>
-          <p:cNvPr id="7" name="TextBox 6">
-            <a:extLst>
-              <a:ext uri="{FF2B5EF4-FFF2-40B4-BE49-F238E27FC236}">
-                <a16:creationId xmlns:a16="http://schemas.microsoft.com/office/drawing/2014/main" id="{38900435-41BE-511B-F68B-0DFA56931C22}"/>
-              </a:ext>
-            </a:extLst>
-          </p:cNvPr>
-          <p:cNvSpPr txBox="1"/>
-          <p:nvPr/>
-        </p:nvSpPr>
-        <p:spPr>
-          <a:xfrm>
-            <a:off x="264969" y="1874043"/>
-            <a:ext cx="3309504" cy="1477328"/>
-          </a:xfrm>
-          <a:prstGeom prst="rect">
-            <a:avLst/>
-          </a:prstGeom>
-          <a:noFill/>
-        </p:spPr>
-        <p:txBody>
-          <a:bodyPr wrap="square">
-            <a:spAutoFit/>
-          </a:bodyPr>
-          <a:lstStyle/>
-          <a:p>
-            <a:r>
-              <a:rPr lang="en-US" b="0" i="0" dirty="0">
+            <a:pPr algn="l">
+              <a:buFont typeface="Arial" panose="020B0604020202020204" pitchFamily="34" charset="0"/>
+              <a:buChar char="•"/>
+            </a:pPr>
+            <a:r>
+              <a:rPr lang="en-US" sz="2000" b="0" i="0" dirty="0">
                 <a:solidFill>
-                  <a:srgbClr val="0D0D0D"/>
+                  <a:srgbClr val="333333"/>
                 </a:solidFill>
                 <a:effectLst/>
-                <a:latin typeface="Söhne"/>
+                <a:latin typeface="Open Sans" panose="020B0606030504020204" pitchFamily="34" charset="0"/>
               </a:rPr>
-              <a:t>represents the structure of a document as a tree of objects, where each object corresponds to a part of the document, such as elements, attributes, and text.</a:t>
-            </a:r>
+              <a:t>Increasing amount of data is available on the web.</a:t>
+            </a:r>
+            <a:br>
+              <a:rPr lang="en-US" sz="2000" b="0" i="0" dirty="0">
+                <a:solidFill>
+                  <a:srgbClr val="333333"/>
+                </a:solidFill>
+                <a:effectLst/>
+                <a:latin typeface="Open Sans" panose="020B0606030504020204" pitchFamily="34" charset="0"/>
+              </a:rPr>
+            </a:br>
+            <a:endParaRPr lang="en-US" sz="2000" b="0" i="0" dirty="0">
+              <a:solidFill>
+                <a:srgbClr val="333333"/>
+              </a:solidFill>
+              <a:effectLst/>
+              <a:latin typeface="Open Sans" panose="020B0606030504020204" pitchFamily="34" charset="0"/>
+            </a:endParaRPr>
+          </a:p>
+          <a:p>
+            <a:r>
+              <a:rPr lang="en-US" sz="2000" b="0" i="0" dirty="0">
+                <a:solidFill>
+                  <a:srgbClr val="333333"/>
+                </a:solidFill>
+                <a:effectLst/>
+                <a:latin typeface="Open Sans" panose="020B0606030504020204" pitchFamily="34" charset="0"/>
+              </a:rPr>
+              <a:t>These data are provided in an unstructured format: you can always copy &amp; paste, but it's time-consuming and prone to errors.</a:t>
+            </a:r>
+            <a:br>
+              <a:rPr lang="en-US" sz="2000" b="0" i="0" dirty="0">
+                <a:solidFill>
+                  <a:srgbClr val="333333"/>
+                </a:solidFill>
+                <a:effectLst/>
+                <a:latin typeface="Open Sans" panose="020B0606030504020204" pitchFamily="34" charset="0"/>
+              </a:rPr>
+            </a:br>
+            <a:endParaRPr lang="en-US" sz="2000" b="0" i="0" dirty="0">
+              <a:solidFill>
+                <a:srgbClr val="333333"/>
+              </a:solidFill>
+              <a:effectLst/>
+              <a:latin typeface="Open Sans" panose="020B0606030504020204" pitchFamily="34" charset="0"/>
+            </a:endParaRPr>
+          </a:p>
+          <a:p>
+            <a:r>
+              <a:rPr lang="en-US" sz="2000" b="0" i="0" dirty="0">
+                <a:solidFill>
+                  <a:srgbClr val="333333"/>
+                </a:solidFill>
+                <a:effectLst/>
+                <a:latin typeface="Open Sans" panose="020B0606030504020204" pitchFamily="34" charset="0"/>
+              </a:rPr>
+              <a:t>Web scraping is the process of extracting this information automatically and transforming it into a structured dataset.</a:t>
+            </a:r>
+            <a:br>
+              <a:rPr lang="en-US" sz="2000" b="0" i="0" dirty="0">
+                <a:solidFill>
+                  <a:srgbClr val="333333"/>
+                </a:solidFill>
+                <a:effectLst/>
+                <a:latin typeface="Open Sans" panose="020B0606030504020204" pitchFamily="34" charset="0"/>
+              </a:rPr>
+            </a:br>
+            <a:endParaRPr lang="en-US" sz="2000" b="0" i="0" dirty="0">
+              <a:solidFill>
+                <a:srgbClr val="333333"/>
+              </a:solidFill>
+              <a:effectLst/>
+              <a:latin typeface="Open Sans" panose="020B0606030504020204" pitchFamily="34" charset="0"/>
+            </a:endParaRPr>
+          </a:p>
+          <a:p>
             <a:endParaRPr lang="en-US" dirty="0"/>
           </a:p>
         </p:txBody>
       </p:sp>
       <p:pic>
         <p:nvPicPr>
-          <p:cNvPr id="11" name="Content Placeholder 10">
-            <a:extLst>
-              <a:ext uri="{FF2B5EF4-FFF2-40B4-BE49-F238E27FC236}">
-                <a16:creationId xmlns:a16="http://schemas.microsoft.com/office/drawing/2014/main" id="{99580919-C0DA-12E2-F48F-0670B5A03E6D}"/>
+          <p:cNvPr id="10" name="Content Placeholder 3" descr="A web scraping tool and a globe&#10;&#10;Description automatically generated with medium confidence">
+            <a:extLst>
+              <a:ext uri="{FF2B5EF4-FFF2-40B4-BE49-F238E27FC236}">
+                <a16:creationId xmlns:a16="http://schemas.microsoft.com/office/drawing/2014/main" id="{CA35354A-A78E-82CB-11A0-A449A8176F07}"/>
               </a:ext>
             </a:extLst>
           </p:cNvPr>
           <p:cNvPicPr>
-            <a:picLocks noGrp="1" noChangeAspect="1"/>
+            <a:picLocks noChangeAspect="1"/>
           </p:cNvPicPr>
-          <p:nvPr>
-            <p:ph idx="1"/>
-          </p:nvPr>
+          <p:nvPr/>
         </p:nvPicPr>
         <p:blipFill>
           <a:blip r:embed="rId2"/>
@@ -3933,21 +6251,228 @@
         </p:blipFill>
         <p:spPr>
           <a:xfrm>
-            <a:off x="3574473" y="1874043"/>
-            <a:ext cx="7561155" cy="4298157"/>
+            <a:off x="952500" y="3774281"/>
+            <a:ext cx="9857767" cy="2261394"/>
           </a:xfrm>
+          <a:prstGeom prst="rect">
+            <a:avLst/>
+          </a:prstGeom>
         </p:spPr>
       </p:pic>
     </p:spTree>
     <p:extLst>
       <p:ext uri="{BB962C8B-B14F-4D97-AF65-F5344CB8AC3E}">
-        <p14:creationId xmlns:p14="http://schemas.microsoft.com/office/powerpoint/2010/main" val="800915657"/>
+        <p14:creationId xmlns:p14="http://schemas.microsoft.com/office/powerpoint/2010/main" val="3581482902"/>
       </p:ext>
     </p:extLst>
   </p:cSld>
   <p:clrMapOvr>
     <a:masterClrMapping/>
   </p:clrMapOvr>
+  <p:timing>
+    <p:tnLst>
+      <p:par>
+        <p:cTn id="1" dur="indefinite" restart="never" nodeType="tmRoot">
+          <p:childTnLst>
+            <p:seq concurrent="1" nextAc="seek">
+              <p:cTn id="2" dur="indefinite" nodeType="mainSeq">
+                <p:childTnLst>
+                  <p:par>
+                    <p:cTn id="3" fill="hold">
+                      <p:stCondLst>
+                        <p:cond delay="indefinite"/>
+                      </p:stCondLst>
+                      <p:childTnLst>
+                        <p:par>
+                          <p:cTn id="4" fill="hold">
+                            <p:stCondLst>
+                              <p:cond delay="0"/>
+                            </p:stCondLst>
+                            <p:childTnLst>
+                              <p:par>
+                                <p:cTn id="5" presetID="1" presetClass="entr" presetSubtype="0" fill="hold" nodeType="clickEffect">
+                                  <p:stCondLst>
+                                    <p:cond delay="0"/>
+                                  </p:stCondLst>
+                                  <p:childTnLst>
+                                    <p:set>
+                                      <p:cBhvr>
+                                        <p:cTn id="6" dur="1" fill="hold">
+                                          <p:stCondLst>
+                                            <p:cond delay="0"/>
+                                          </p:stCondLst>
+                                        </p:cTn>
+                                        <p:tgtEl>
+                                          <p:spTgt spid="3">
+                                            <p:txEl>
+                                              <p:pRg st="0" end="0"/>
+                                            </p:txEl>
+                                          </p:spTgt>
+                                        </p:tgtEl>
+                                        <p:attrNameLst>
+                                          <p:attrName>style.visibility</p:attrName>
+                                        </p:attrNameLst>
+                                      </p:cBhvr>
+                                      <p:to>
+                                        <p:strVal val="visible"/>
+                                      </p:to>
+                                    </p:set>
+                                  </p:childTnLst>
+                                </p:cTn>
+                              </p:par>
+                            </p:childTnLst>
+                          </p:cTn>
+                        </p:par>
+                      </p:childTnLst>
+                    </p:cTn>
+                  </p:par>
+                  <p:par>
+                    <p:cTn id="7" fill="hold">
+                      <p:stCondLst>
+                        <p:cond delay="indefinite"/>
+                      </p:stCondLst>
+                      <p:childTnLst>
+                        <p:par>
+                          <p:cTn id="8" fill="hold">
+                            <p:stCondLst>
+                              <p:cond delay="0"/>
+                            </p:stCondLst>
+                            <p:childTnLst>
+                              <p:par>
+                                <p:cTn id="9" presetID="1" presetClass="entr" presetSubtype="0" fill="hold" nodeType="clickEffect">
+                                  <p:stCondLst>
+                                    <p:cond delay="0"/>
+                                  </p:stCondLst>
+                                  <p:childTnLst>
+                                    <p:set>
+                                      <p:cBhvr>
+                                        <p:cTn id="10" dur="1" fill="hold">
+                                          <p:stCondLst>
+                                            <p:cond delay="0"/>
+                                          </p:stCondLst>
+                                        </p:cTn>
+                                        <p:tgtEl>
+                                          <p:spTgt spid="3">
+                                            <p:txEl>
+                                              <p:pRg st="1" end="1"/>
+                                            </p:txEl>
+                                          </p:spTgt>
+                                        </p:tgtEl>
+                                        <p:attrNameLst>
+                                          <p:attrName>style.visibility</p:attrName>
+                                        </p:attrNameLst>
+                                      </p:cBhvr>
+                                      <p:to>
+                                        <p:strVal val="visible"/>
+                                      </p:to>
+                                    </p:set>
+                                  </p:childTnLst>
+                                </p:cTn>
+                              </p:par>
+                            </p:childTnLst>
+                          </p:cTn>
+                        </p:par>
+                      </p:childTnLst>
+                    </p:cTn>
+                  </p:par>
+                  <p:par>
+                    <p:cTn id="11" fill="hold">
+                      <p:stCondLst>
+                        <p:cond delay="indefinite"/>
+                      </p:stCondLst>
+                      <p:childTnLst>
+                        <p:par>
+                          <p:cTn id="12" fill="hold">
+                            <p:stCondLst>
+                              <p:cond delay="0"/>
+                            </p:stCondLst>
+                            <p:childTnLst>
+                              <p:par>
+                                <p:cTn id="13" presetID="1" presetClass="entr" presetSubtype="0" fill="hold" nodeType="clickEffect">
+                                  <p:stCondLst>
+                                    <p:cond delay="0"/>
+                                  </p:stCondLst>
+                                  <p:childTnLst>
+                                    <p:set>
+                                      <p:cBhvr>
+                                        <p:cTn id="14" dur="1" fill="hold">
+                                          <p:stCondLst>
+                                            <p:cond delay="0"/>
+                                          </p:stCondLst>
+                                        </p:cTn>
+                                        <p:tgtEl>
+                                          <p:spTgt spid="3">
+                                            <p:txEl>
+                                              <p:pRg st="2" end="2"/>
+                                            </p:txEl>
+                                          </p:spTgt>
+                                        </p:tgtEl>
+                                        <p:attrNameLst>
+                                          <p:attrName>style.visibility</p:attrName>
+                                        </p:attrNameLst>
+                                      </p:cBhvr>
+                                      <p:to>
+                                        <p:strVal val="visible"/>
+                                      </p:to>
+                                    </p:set>
+                                  </p:childTnLst>
+                                </p:cTn>
+                              </p:par>
+                              <p:par>
+                                <p:cTn id="15" presetID="1" presetClass="entr" presetSubtype="0" fill="hold" nodeType="withEffect">
+                                  <p:stCondLst>
+                                    <p:cond delay="0"/>
+                                  </p:stCondLst>
+                                  <p:childTnLst>
+                                    <p:set>
+                                      <p:cBhvr>
+                                        <p:cTn id="16" dur="1" fill="hold">
+                                          <p:stCondLst>
+                                            <p:cond delay="0"/>
+                                          </p:stCondLst>
+                                        </p:cTn>
+                                        <p:tgtEl>
+                                          <p:spTgt spid="10"/>
+                                        </p:tgtEl>
+                                        <p:attrNameLst>
+                                          <p:attrName>style.visibility</p:attrName>
+                                        </p:attrNameLst>
+                                      </p:cBhvr>
+                                      <p:to>
+                                        <p:strVal val="visible"/>
+                                      </p:to>
+                                    </p:set>
+                                  </p:childTnLst>
+                                </p:cTn>
+                              </p:par>
+                            </p:childTnLst>
+                          </p:cTn>
+                        </p:par>
+                      </p:childTnLst>
+                    </p:cTn>
+                  </p:par>
+                </p:childTnLst>
+              </p:cTn>
+              <p:prevCondLst>
+                <p:cond evt="onPrev" delay="0">
+                  <p:tgtEl>
+                    <p:sldTgt/>
+                  </p:tgtEl>
+                </p:cond>
+              </p:prevCondLst>
+              <p:nextCondLst>
+                <p:cond evt="onNext" delay="0">
+                  <p:tgtEl>
+                    <p:sldTgt/>
+                  </p:tgtEl>
+                </p:cond>
+              </p:nextCondLst>
+            </p:seq>
+          </p:childTnLst>
+        </p:cTn>
+      </p:par>
+    </p:tnLst>
+  </p:timing>
 </p:sld>
 </file>
 
@@ -3973,7 +6498,7 @@
           <p:cNvPr id="2" name="Title 1">
             <a:extLst>
               <a:ext uri="{FF2B5EF4-FFF2-40B4-BE49-F238E27FC236}">
-                <a16:creationId xmlns:a16="http://schemas.microsoft.com/office/drawing/2014/main" id="{12B1B880-A718-7F62-BAF7-D7E2C18A16AC}"/>
+                <a16:creationId xmlns:a16="http://schemas.microsoft.com/office/drawing/2014/main" id="{CDF9371F-43C2-B575-D89A-FFCD4F178080}"/>
               </a:ext>
             </a:extLst>
           </p:cNvPr>
@@ -3995,209 +6520,373 @@
       </p:sp>
       <p:sp>
         <p:nvSpPr>
-          <p:cNvPr id="3" name="Content Placeholder 2">
-            <a:extLst>
-              <a:ext uri="{FF2B5EF4-FFF2-40B4-BE49-F238E27FC236}">
-                <a16:creationId xmlns:a16="http://schemas.microsoft.com/office/drawing/2014/main" id="{F0EB64A5-5E4C-7FFA-4416-142FEDE4E17A}"/>
-              </a:ext>
-            </a:extLst>
-          </p:cNvPr>
-          <p:cNvSpPr>
-            <a:spLocks noGrp="1"/>
-          </p:cNvSpPr>
-          <p:nvPr>
-            <p:ph idx="1"/>
-          </p:nvPr>
-        </p:nvSpPr>
-        <p:spPr/>
-        <p:txBody>
-          <a:bodyPr/>
-          <a:lstStyle/>
-          <a:p>
-            <a:r>
-              <a:rPr lang="en-US" b="0" i="0" dirty="0">
-                <a:solidFill>
-                  <a:srgbClr val="0D0D0D"/>
-                </a:solidFill>
-                <a:effectLst/>
-                <a:latin typeface="Söhne"/>
-              </a:rPr>
-              <a:t>An element is a fundamental building block in HTML that defines the structure of a document.</a:t>
-            </a:r>
-          </a:p>
-          <a:p>
-            <a:r>
-              <a:rPr lang="en-US" b="0" i="0" dirty="0">
-                <a:solidFill>
-                  <a:srgbClr val="0D0D0D"/>
-                </a:solidFill>
-                <a:effectLst/>
-                <a:latin typeface="Söhne"/>
-              </a:rPr>
-              <a:t>Elements are composed of a start tag, content, and an end tag. </a:t>
-            </a:r>
-            <a:endParaRPr lang="en-US" dirty="0">
-              <a:solidFill>
-                <a:srgbClr val="0D0D0D"/>
-              </a:solidFill>
-              <a:latin typeface="Söhne"/>
-            </a:endParaRPr>
-          </a:p>
-          <a:p>
-            <a:r>
-              <a:rPr lang="en-US" b="0" i="0" dirty="0">
-                <a:solidFill>
-                  <a:srgbClr val="0D0D0D"/>
-                </a:solidFill>
-                <a:effectLst/>
-                <a:latin typeface="Söhne"/>
-              </a:rPr>
-              <a:t>For example, </a:t>
-            </a:r>
-            <a:r>
-              <a:rPr lang="en-US" dirty="0"/>
-              <a:t>&lt;p&gt;</a:t>
-            </a:r>
-            <a:r>
-              <a:rPr lang="en-US" b="0" i="0" dirty="0">
-                <a:solidFill>
-                  <a:srgbClr val="0D0D0D"/>
-                </a:solidFill>
-                <a:effectLst/>
-                <a:latin typeface="Söhne"/>
-              </a:rPr>
-              <a:t> is the start tag, and </a:t>
-            </a:r>
-            <a:r>
-              <a:rPr lang="en-US" dirty="0"/>
-              <a:t>&lt;/p&gt;</a:t>
-            </a:r>
-            <a:r>
-              <a:rPr lang="en-US" b="0" i="0" dirty="0">
-                <a:solidFill>
-                  <a:srgbClr val="0D0D0D"/>
-                </a:solidFill>
-                <a:effectLst/>
-                <a:latin typeface="Söhne"/>
-              </a:rPr>
-              <a:t> is the end tag of a paragraph element.</a:t>
-            </a:r>
-          </a:p>
-          <a:p>
-            <a:r>
-              <a:rPr lang="en-US" b="0" i="0" dirty="0">
-                <a:solidFill>
-                  <a:srgbClr val="0D0D0D"/>
-                </a:solidFill>
-                <a:effectLst/>
-                <a:latin typeface="Söhne"/>
-              </a:rPr>
-              <a:t>Elements can contain other elements, forming a hierarchical structure in the Document Object Model (DOM).</a:t>
-            </a:r>
-            <a:endParaRPr lang="en-US" dirty="0"/>
-          </a:p>
-        </p:txBody>
-      </p:sp>
-      <p:pic>
-        <p:nvPicPr>
-          <p:cNvPr id="5" name="Picture 4">
-            <a:extLst>
-              <a:ext uri="{FF2B5EF4-FFF2-40B4-BE49-F238E27FC236}">
-                <a16:creationId xmlns:a16="http://schemas.microsoft.com/office/drawing/2014/main" id="{4547FC9A-9EED-776A-0E17-132A277E2EA7}"/>
-              </a:ext>
-            </a:extLst>
-          </p:cNvPr>
-          <p:cNvPicPr>
-            <a:picLocks noChangeAspect="1"/>
-          </p:cNvPicPr>
+          <p:cNvPr id="6" name="TextBox 5">
+            <a:extLst>
+              <a:ext uri="{FF2B5EF4-FFF2-40B4-BE49-F238E27FC236}">
+                <a16:creationId xmlns:a16="http://schemas.microsoft.com/office/drawing/2014/main" id="{5C41048D-FDBD-220F-1DB6-AE8EE0226CDD}"/>
+              </a:ext>
+            </a:extLst>
+          </p:cNvPr>
+          <p:cNvSpPr txBox="1"/>
           <p:nvPr/>
-        </p:nvPicPr>
-        <p:blipFill>
-          <a:blip r:embed="rId2"/>
-          <a:stretch>
-            <a:fillRect/>
-          </a:stretch>
-        </p:blipFill>
+        </p:nvSpPr>
         <p:spPr>
           <a:xfrm>
-            <a:off x="974224" y="5358390"/>
-            <a:ext cx="7772400" cy="573931"/>
+            <a:off x="546100" y="2070099"/>
+            <a:ext cx="10515600" cy="3477875"/>
           </a:xfrm>
           <a:prstGeom prst="rect">
             <a:avLst/>
           </a:prstGeom>
+          <a:noFill/>
         </p:spPr>
-      </p:pic>
-      <p:pic>
-        <p:nvPicPr>
-          <p:cNvPr id="7" name="Picture 6">
-            <a:extLst>
-              <a:ext uri="{FF2B5EF4-FFF2-40B4-BE49-F238E27FC236}">
-                <a16:creationId xmlns:a16="http://schemas.microsoft.com/office/drawing/2014/main" id="{911F299D-9D6A-CB6D-51A4-2773E8098E91}"/>
-              </a:ext>
-            </a:extLst>
-          </p:cNvPr>
-          <p:cNvPicPr>
-            <a:picLocks noChangeAspect="1"/>
-          </p:cNvPicPr>
-          <p:nvPr/>
-        </p:nvPicPr>
-        <p:blipFill>
-          <a:blip r:embed="rId3"/>
-          <a:stretch>
-            <a:fillRect/>
-          </a:stretch>
-        </p:blipFill>
-        <p:spPr>
-          <a:xfrm>
-            <a:off x="3816350" y="2091648"/>
-            <a:ext cx="4559300" cy="546100"/>
-          </a:xfrm>
-          <a:prstGeom prst="rect">
-            <a:avLst/>
-          </a:prstGeom>
-        </p:spPr>
-      </p:pic>
-      <p:pic>
-        <p:nvPicPr>
-          <p:cNvPr id="9" name="Picture 8">
-            <a:extLst>
-              <a:ext uri="{FF2B5EF4-FFF2-40B4-BE49-F238E27FC236}">
-                <a16:creationId xmlns:a16="http://schemas.microsoft.com/office/drawing/2014/main" id="{3402A214-CAC9-B498-0F4B-77D955425DCB}"/>
-              </a:ext>
-            </a:extLst>
-          </p:cNvPr>
-          <p:cNvPicPr>
-            <a:picLocks noChangeAspect="1"/>
-          </p:cNvPicPr>
-          <p:nvPr/>
-        </p:nvPicPr>
-        <p:blipFill>
-          <a:blip r:embed="rId4"/>
-          <a:stretch>
-            <a:fillRect/>
-          </a:stretch>
-        </p:blipFill>
-        <p:spPr>
-          <a:xfrm>
-            <a:off x="1225550" y="2959100"/>
-            <a:ext cx="7772400" cy="749879"/>
-          </a:xfrm>
-          <a:prstGeom prst="rect">
-            <a:avLst/>
-          </a:prstGeom>
-        </p:spPr>
-      </p:pic>
+        <p:txBody>
+          <a:bodyPr wrap="square">
+            <a:spAutoFit/>
+          </a:bodyPr>
+          <a:lstStyle/>
+          <a:p>
+            <a:r>
+              <a:rPr lang="en-US" sz="2000" b="0" i="0" dirty="0">
+                <a:solidFill>
+                  <a:srgbClr val="333333"/>
+                </a:solidFill>
+                <a:effectLst/>
+                <a:latin typeface="Open Sans" panose="020B0606030504020204" pitchFamily="34" charset="0"/>
+              </a:rPr>
+              <a:t>Two different scenarios:</a:t>
+            </a:r>
+          </a:p>
+          <a:p>
+            <a:endParaRPr lang="en-US" sz="2000" dirty="0">
+              <a:solidFill>
+                <a:srgbClr val="333333"/>
+              </a:solidFill>
+              <a:latin typeface="Open Sans" panose="020B0606030504020204" pitchFamily="34" charset="0"/>
+            </a:endParaRPr>
+          </a:p>
+          <a:p>
+            <a:pPr marL="342900" indent="-342900">
+              <a:buFont typeface="Arial" panose="020B0604020202020204" pitchFamily="34" charset="0"/>
+              <a:buChar char="•"/>
+            </a:pPr>
+            <a:r>
+              <a:rPr lang="en-US" sz="2000" b="1" dirty="0">
+                <a:solidFill>
+                  <a:srgbClr val="0070C0"/>
+                </a:solidFill>
+                <a:latin typeface="Open Sans" panose="020B0606030504020204" pitchFamily="34" charset="0"/>
+              </a:rPr>
+              <a:t>S</a:t>
+            </a:r>
+            <a:r>
+              <a:rPr lang="en-US" sz="2000" b="1" i="0" dirty="0">
+                <a:solidFill>
+                  <a:srgbClr val="0070C0"/>
+                </a:solidFill>
+                <a:effectLst/>
+                <a:latin typeface="Open Sans" panose="020B0606030504020204" pitchFamily="34" charset="0"/>
+              </a:rPr>
+              <a:t>craping</a:t>
+            </a:r>
+            <a:r>
+              <a:rPr lang="en-US" sz="2000" b="0" i="0" dirty="0">
+                <a:solidFill>
+                  <a:srgbClr val="333333"/>
+                </a:solidFill>
+                <a:effectLst/>
+                <a:latin typeface="Open Sans" panose="020B0606030504020204" pitchFamily="34" charset="0"/>
+              </a:rPr>
+              <a:t>: extract data from source code of website, with </a:t>
+            </a:r>
+            <a:r>
+              <a:rPr lang="en-US" sz="2000" i="0" dirty="0">
+                <a:solidFill>
+                  <a:srgbClr val="333333"/>
+                </a:solidFill>
+                <a:effectLst/>
+                <a:latin typeface="Open Sans" panose="020B0606030504020204" pitchFamily="34" charset="0"/>
+              </a:rPr>
+              <a:t>html parser </a:t>
+            </a:r>
+            <a:r>
+              <a:rPr lang="en-US" sz="2000" b="0" i="0" dirty="0">
+                <a:solidFill>
+                  <a:srgbClr val="333333"/>
+                </a:solidFill>
+                <a:effectLst/>
+                <a:latin typeface="Open Sans" panose="020B0606030504020204" pitchFamily="34" charset="0"/>
+              </a:rPr>
+              <a:t>(easy) or regular expression matching (less easy).</a:t>
+            </a:r>
+          </a:p>
+          <a:p>
+            <a:endParaRPr lang="en-US" sz="2000" dirty="0">
+              <a:solidFill>
+                <a:srgbClr val="333333"/>
+              </a:solidFill>
+              <a:latin typeface="Open Sans" panose="020B0606030504020204" pitchFamily="34" charset="0"/>
+            </a:endParaRPr>
+          </a:p>
+          <a:p>
+            <a:pPr marL="342900" indent="-342900">
+              <a:buFont typeface="Arial" panose="020B0604020202020204" pitchFamily="34" charset="0"/>
+              <a:buChar char="•"/>
+            </a:pPr>
+            <a:r>
+              <a:rPr lang="en-US" sz="2000" b="1" i="0" dirty="0">
+                <a:solidFill>
+                  <a:srgbClr val="0070C0"/>
+                </a:solidFill>
+                <a:effectLst/>
+                <a:latin typeface="Open Sans" panose="020B0606030504020204" pitchFamily="34" charset="0"/>
+              </a:rPr>
+              <a:t>Web APIs (application programming interface)</a:t>
+            </a:r>
+            <a:r>
+              <a:rPr lang="en-US" sz="2000" b="0" i="0" dirty="0">
+                <a:solidFill>
+                  <a:srgbClr val="333333"/>
+                </a:solidFill>
+                <a:effectLst/>
+                <a:latin typeface="Open Sans" panose="020B0606030504020204" pitchFamily="34" charset="0"/>
+              </a:rPr>
+              <a:t>: website offers a set of structured http requests that return JSON or XML files.</a:t>
+            </a:r>
+          </a:p>
+          <a:p>
+            <a:endParaRPr lang="en-US" sz="2000" dirty="0">
+              <a:solidFill>
+                <a:srgbClr val="333333"/>
+              </a:solidFill>
+              <a:latin typeface="Open Sans" panose="020B0606030504020204" pitchFamily="34" charset="0"/>
+            </a:endParaRPr>
+          </a:p>
+          <a:p>
+            <a:endParaRPr lang="en-US" sz="2000" dirty="0">
+              <a:solidFill>
+                <a:srgbClr val="333333"/>
+              </a:solidFill>
+              <a:latin typeface="Open Sans" panose="020B0606030504020204" pitchFamily="34" charset="0"/>
+            </a:endParaRPr>
+          </a:p>
+          <a:p>
+            <a:r>
+              <a:rPr lang="en-US" sz="2000" dirty="0">
+                <a:solidFill>
+                  <a:srgbClr val="333333"/>
+                </a:solidFill>
+                <a:latin typeface="Open Sans" panose="020B0606030504020204" pitchFamily="34" charset="0"/>
+              </a:rPr>
+              <a:t>We will learn about the first one today!</a:t>
+            </a:r>
+            <a:endParaRPr lang="en-US" sz="2000" b="0" i="0" dirty="0">
+              <a:solidFill>
+                <a:srgbClr val="333333"/>
+              </a:solidFill>
+              <a:effectLst/>
+              <a:latin typeface="Open Sans" panose="020B0606030504020204" pitchFamily="34" charset="0"/>
+            </a:endParaRPr>
+          </a:p>
+          <a:p>
+            <a:pPr lvl="1"/>
+            <a:endParaRPr lang="en-US" sz="2000" b="0" i="0" dirty="0">
+              <a:solidFill>
+                <a:srgbClr val="333333"/>
+              </a:solidFill>
+              <a:effectLst/>
+              <a:latin typeface="Open Sans" panose="020B0606030504020204" pitchFamily="34" charset="0"/>
+            </a:endParaRPr>
+          </a:p>
+        </p:txBody>
+      </p:sp>
     </p:spTree>
     <p:extLst>
       <p:ext uri="{BB962C8B-B14F-4D97-AF65-F5344CB8AC3E}">
-        <p14:creationId xmlns:p14="http://schemas.microsoft.com/office/powerpoint/2010/main" val="2524061870"/>
+        <p14:creationId xmlns:p14="http://schemas.microsoft.com/office/powerpoint/2010/main" val="3327547831"/>
       </p:ext>
     </p:extLst>
   </p:cSld>
   <p:clrMapOvr>
     <a:masterClrMapping/>
   </p:clrMapOvr>
+  <p:timing>
+    <p:tnLst>
+      <p:par>
+        <p:cTn id="1" dur="indefinite" restart="never" nodeType="tmRoot">
+          <p:childTnLst>
+            <p:seq concurrent="1" nextAc="seek">
+              <p:cTn id="2" dur="indefinite" nodeType="mainSeq">
+                <p:childTnLst>
+                  <p:par>
+                    <p:cTn id="3" fill="hold">
+                      <p:stCondLst>
+                        <p:cond delay="indefinite"/>
+                      </p:stCondLst>
+                      <p:childTnLst>
+                        <p:par>
+                          <p:cTn id="4" fill="hold">
+                            <p:stCondLst>
+                              <p:cond delay="0"/>
+                            </p:stCondLst>
+                            <p:childTnLst>
+                              <p:par>
+                                <p:cTn id="5" presetID="1" presetClass="entr" presetSubtype="0" fill="hold" nodeType="clickEffect">
+                                  <p:stCondLst>
+                                    <p:cond delay="0"/>
+                                  </p:stCondLst>
+                                  <p:childTnLst>
+                                    <p:set>
+                                      <p:cBhvr>
+                                        <p:cTn id="6" dur="1" fill="hold">
+                                          <p:stCondLst>
+                                            <p:cond delay="0"/>
+                                          </p:stCondLst>
+                                        </p:cTn>
+                                        <p:tgtEl>
+                                          <p:spTgt spid="6">
+                                            <p:txEl>
+                                              <p:pRg st="2" end="2"/>
+                                            </p:txEl>
+                                          </p:spTgt>
+                                        </p:tgtEl>
+                                        <p:attrNameLst>
+                                          <p:attrName>style.visibility</p:attrName>
+                                        </p:attrNameLst>
+                                      </p:cBhvr>
+                                      <p:to>
+                                        <p:strVal val="visible"/>
+                                      </p:to>
+                                    </p:set>
+                                  </p:childTnLst>
+                                </p:cTn>
+                              </p:par>
+                            </p:childTnLst>
+                          </p:cTn>
+                        </p:par>
+                      </p:childTnLst>
+                    </p:cTn>
+                  </p:par>
+                  <p:par>
+                    <p:cTn id="7" fill="hold">
+                      <p:stCondLst>
+                        <p:cond delay="indefinite"/>
+                      </p:stCondLst>
+                      <p:childTnLst>
+                        <p:par>
+                          <p:cTn id="8" fill="hold">
+                            <p:stCondLst>
+                              <p:cond delay="0"/>
+                            </p:stCondLst>
+                            <p:childTnLst>
+                              <p:par>
+                                <p:cTn id="9" presetID="1" presetClass="entr" presetSubtype="0" fill="hold" nodeType="clickEffect">
+                                  <p:stCondLst>
+                                    <p:cond delay="0"/>
+                                  </p:stCondLst>
+                                  <p:childTnLst>
+                                    <p:set>
+                                      <p:cBhvr>
+                                        <p:cTn id="10" dur="1" fill="hold">
+                                          <p:stCondLst>
+                                            <p:cond delay="0"/>
+                                          </p:stCondLst>
+                                        </p:cTn>
+                                        <p:tgtEl>
+                                          <p:spTgt spid="6">
+                                            <p:txEl>
+                                              <p:pRg st="4" end="4"/>
+                                            </p:txEl>
+                                          </p:spTgt>
+                                        </p:tgtEl>
+                                        <p:attrNameLst>
+                                          <p:attrName>style.visibility</p:attrName>
+                                        </p:attrNameLst>
+                                      </p:cBhvr>
+                                      <p:to>
+                                        <p:strVal val="visible"/>
+                                      </p:to>
+                                    </p:set>
+                                  </p:childTnLst>
+                                </p:cTn>
+                              </p:par>
+                            </p:childTnLst>
+                          </p:cTn>
+                        </p:par>
+                      </p:childTnLst>
+                    </p:cTn>
+                  </p:par>
+                  <p:par>
+                    <p:cTn id="11" fill="hold">
+                      <p:stCondLst>
+                        <p:cond delay="indefinite"/>
+                      </p:stCondLst>
+                      <p:childTnLst>
+                        <p:par>
+                          <p:cTn id="12" fill="hold">
+                            <p:stCondLst>
+                              <p:cond delay="0"/>
+                            </p:stCondLst>
+                            <p:childTnLst>
+                              <p:par>
+                                <p:cTn id="13" presetID="1" presetClass="entr" presetSubtype="0" fill="hold" nodeType="clickEffect">
+                                  <p:stCondLst>
+                                    <p:cond delay="0"/>
+                                  </p:stCondLst>
+                                  <p:childTnLst>
+                                    <p:set>
+                                      <p:cBhvr>
+                                        <p:cTn id="14" dur="1" fill="hold">
+                                          <p:stCondLst>
+                                            <p:cond delay="0"/>
+                                          </p:stCondLst>
+                                        </p:cTn>
+                                        <p:tgtEl>
+                                          <p:spTgt spid="6">
+                                            <p:txEl>
+                                              <p:pRg st="7" end="7"/>
+                                            </p:txEl>
+                                          </p:spTgt>
+                                        </p:tgtEl>
+                                        <p:attrNameLst>
+                                          <p:attrName>style.visibility</p:attrName>
+                                        </p:attrNameLst>
+                                      </p:cBhvr>
+                                      <p:to>
+                                        <p:strVal val="visible"/>
+                                      </p:to>
+                                    </p:set>
+                                  </p:childTnLst>
+                                </p:cTn>
+                              </p:par>
+                            </p:childTnLst>
+                          </p:cTn>
+                        </p:par>
+                      </p:childTnLst>
+                    </p:cTn>
+                  </p:par>
+                </p:childTnLst>
+              </p:cTn>
+              <p:prevCondLst>
+                <p:cond evt="onPrev" delay="0">
+                  <p:tgtEl>
+                    <p:sldTgt/>
+                  </p:tgtEl>
+                </p:cond>
+              </p:prevCondLst>
+              <p:nextCondLst>
+                <p:cond evt="onNext" delay="0">
+                  <p:tgtEl>
+                    <p:sldTgt/>
+                  </p:tgtEl>
+                </p:cond>
+              </p:nextCondLst>
+            </p:seq>
+          </p:childTnLst>
+        </p:cTn>
+      </p:par>
+    </p:tnLst>
+  </p:timing>
 </p:sld>
 </file>
 
@@ -4223,7 +6912,7 @@
           <p:cNvPr id="2" name="Title 1">
             <a:extLst>
               <a:ext uri="{FF2B5EF4-FFF2-40B4-BE49-F238E27FC236}">
-                <a16:creationId xmlns:a16="http://schemas.microsoft.com/office/drawing/2014/main" id="{FFD0D413-6D09-FA55-4E20-82E504A7B186}"/>
+                <a16:creationId xmlns:a16="http://schemas.microsoft.com/office/drawing/2014/main" id="{5760A114-3196-1871-8686-871A0BA3F5D2}"/>
               </a:ext>
             </a:extLst>
           </p:cNvPr>
@@ -4234,21 +6923,114 @@
             <p:ph type="title"/>
           </p:nvPr>
         </p:nvSpPr>
-        <p:spPr/>
+        <p:spPr>
+          <a:xfrm>
+            <a:off x="838200" y="72456"/>
+            <a:ext cx="10515600" cy="1325563"/>
+          </a:xfrm>
+        </p:spPr>
+        <p:txBody>
+          <a:bodyPr>
+            <a:normAutofit/>
+          </a:bodyPr>
+          <a:lstStyle/>
+          <a:p>
+            <a:br>
+              <a:rPr lang="en-US" sz="4000" i="0" dirty="0">
+                <a:effectLst/>
+                <a:latin typeface="Open Sans" panose="020B0606030504020204" pitchFamily="34" charset="0"/>
+                <a:ea typeface="Open Sans" panose="020B0606030504020204" pitchFamily="34" charset="0"/>
+                <a:cs typeface="Open Sans" panose="020B0606030504020204" pitchFamily="34" charset="0"/>
+              </a:rPr>
+            </a:br>
+            <a:r>
+              <a:rPr lang="en-US" sz="4000" i="0" dirty="0">
+                <a:effectLst/>
+                <a:latin typeface="Open Sans" panose="020B0606030504020204" pitchFamily="34" charset="0"/>
+                <a:ea typeface="Open Sans" panose="020B0606030504020204" pitchFamily="34" charset="0"/>
+                <a:cs typeface="Open Sans" panose="020B0606030504020204" pitchFamily="34" charset="0"/>
+              </a:rPr>
+              <a:t>Hypertext Markup Language (HTML)?</a:t>
+            </a:r>
+            <a:endParaRPr lang="en-US" sz="4000" dirty="0">
+              <a:latin typeface="Open Sans" panose="020B0606030504020204" pitchFamily="34" charset="0"/>
+              <a:ea typeface="Open Sans" panose="020B0606030504020204" pitchFamily="34" charset="0"/>
+              <a:cs typeface="Open Sans" panose="020B0606030504020204" pitchFamily="34" charset="0"/>
+            </a:endParaRPr>
+          </a:p>
+        </p:txBody>
+      </p:sp>
+      <p:sp>
+        <p:nvSpPr>
+          <p:cNvPr id="3" name="Content Placeholder 2">
+            <a:extLst>
+              <a:ext uri="{FF2B5EF4-FFF2-40B4-BE49-F238E27FC236}">
+                <a16:creationId xmlns:a16="http://schemas.microsoft.com/office/drawing/2014/main" id="{71E21D0F-B7E2-E63A-AC28-0A14AE5D406F}"/>
+              </a:ext>
+            </a:extLst>
+          </p:cNvPr>
+          <p:cNvSpPr>
+            <a:spLocks noGrp="1"/>
+          </p:cNvSpPr>
+          <p:nvPr>
+            <p:ph idx="1"/>
+          </p:nvPr>
+        </p:nvSpPr>
+        <p:spPr>
+          <a:xfrm>
+            <a:off x="838200" y="1447081"/>
+            <a:ext cx="10604500" cy="4257675"/>
+          </a:xfrm>
+        </p:spPr>
         <p:txBody>
           <a:bodyPr/>
           <a:lstStyle/>
           <a:p>
+            <a:r>
+              <a:rPr lang="en-US" sz="2000" dirty="0">
+                <a:latin typeface="Open Sans" panose="020B0606030504020204" pitchFamily="34" charset="0"/>
+                <a:ea typeface="Open Sans" panose="020B0606030504020204" pitchFamily="34" charset="0"/>
+                <a:cs typeface="Open Sans" panose="020B0606030504020204" pitchFamily="34" charset="0"/>
+              </a:rPr>
+              <a:t>It is a markup language used to create the content and basic structure of a web page. </a:t>
+            </a:r>
+            <a:br>
+              <a:rPr lang="en-US" sz="2000" dirty="0">
+                <a:latin typeface="Open Sans" panose="020B0606030504020204" pitchFamily="34" charset="0"/>
+                <a:ea typeface="Open Sans" panose="020B0606030504020204" pitchFamily="34" charset="0"/>
+                <a:cs typeface="Open Sans" panose="020B0606030504020204" pitchFamily="34" charset="0"/>
+              </a:rPr>
+            </a:br>
+            <a:endParaRPr lang="en-US" sz="2000" dirty="0">
+              <a:latin typeface="Open Sans" panose="020B0606030504020204" pitchFamily="34" charset="0"/>
+              <a:ea typeface="Open Sans" panose="020B0606030504020204" pitchFamily="34" charset="0"/>
+              <a:cs typeface="Open Sans" panose="020B0606030504020204" pitchFamily="34" charset="0"/>
+            </a:endParaRPr>
+          </a:p>
+          <a:p>
+            <a:r>
+              <a:rPr lang="en-US" sz="2000" dirty="0">
+                <a:latin typeface="Open Sans" panose="020B0606030504020204" pitchFamily="34" charset="0"/>
+                <a:ea typeface="Open Sans" panose="020B0606030504020204" pitchFamily="34" charset="0"/>
+                <a:cs typeface="Open Sans" panose="020B0606030504020204" pitchFamily="34" charset="0"/>
+              </a:rPr>
+              <a:t>It consists of elements (like headings, paragraphs, images, links, etc.) and attributes (additional information about elements). </a:t>
+            </a:r>
+          </a:p>
+          <a:p>
+            <a:pPr marL="0" indent="0">
+              <a:buNone/>
+            </a:pPr>
             <a:endParaRPr lang="en-US" dirty="0"/>
           </a:p>
         </p:txBody>
       </p:sp>
       <p:pic>
         <p:nvPicPr>
-          <p:cNvPr id="10" name="Picture 9">
-            <a:extLst>
-              <a:ext uri="{FF2B5EF4-FFF2-40B4-BE49-F238E27FC236}">
-                <a16:creationId xmlns:a16="http://schemas.microsoft.com/office/drawing/2014/main" id="{3CAD3311-DB83-D86D-F681-325A3A9D17A1}"/>
+          <p:cNvPr id="19" name="Picture 18" descr="A blue and black business card&#10;&#10;Description automatically generated">
+            <a:extLst>
+              <a:ext uri="{FF2B5EF4-FFF2-40B4-BE49-F238E27FC236}">
+                <a16:creationId xmlns:a16="http://schemas.microsoft.com/office/drawing/2014/main" id="{B6E8C089-B317-7730-D576-ED742C4C82AB}"/>
               </a:ext>
             </a:extLst>
           </p:cNvPr>
@@ -4258,65 +7040,96 @@
           <p:nvPr/>
         </p:nvPicPr>
         <p:blipFill>
-          <a:blip r:embed="rId2"/>
+          <a:blip r:embed="rId3"/>
           <a:stretch>
             <a:fillRect/>
           </a:stretch>
         </p:blipFill>
         <p:spPr>
           <a:xfrm>
-            <a:off x="2108200" y="3219450"/>
-            <a:ext cx="7772400" cy="408422"/>
+            <a:off x="7272576" y="3050549"/>
+            <a:ext cx="4089400" cy="3259155"/>
           </a:xfrm>
           <a:prstGeom prst="rect">
             <a:avLst/>
           </a:prstGeom>
         </p:spPr>
       </p:pic>
-      <p:sp>
-        <p:nvSpPr>
-          <p:cNvPr id="12" name="Content Placeholder 11">
-            <a:extLst>
-              <a:ext uri="{FF2B5EF4-FFF2-40B4-BE49-F238E27FC236}">
-                <a16:creationId xmlns:a16="http://schemas.microsoft.com/office/drawing/2014/main" id="{5371924B-48DD-F546-1219-7D27D7FD4E23}"/>
-              </a:ext>
-            </a:extLst>
-          </p:cNvPr>
-          <p:cNvSpPr>
-            <a:spLocks noGrp="1"/>
-          </p:cNvSpPr>
-          <p:nvPr>
-            <p:ph idx="1"/>
-          </p:nvPr>
-        </p:nvSpPr>
-        <p:spPr/>
-        <p:txBody>
-          <a:bodyPr/>
+      <p:pic>
+        <p:nvPicPr>
+          <p:cNvPr id="21" name="Picture 20" descr="A screenshot of a computer program&#10;&#10;Description automatically generated">
+            <a:extLst>
+              <a:ext uri="{FF2B5EF4-FFF2-40B4-BE49-F238E27FC236}">
+                <a16:creationId xmlns:a16="http://schemas.microsoft.com/office/drawing/2014/main" id="{FC5B7E91-26A9-D0DF-A57E-EC82D638923B}"/>
+              </a:ext>
+            </a:extLst>
+          </p:cNvPr>
+          <p:cNvPicPr>
+            <a:picLocks noChangeAspect="1"/>
+          </p:cNvPicPr>
+          <p:nvPr/>
+        </p:nvPicPr>
+        <p:blipFill>
+          <a:blip r:embed="rId4"/>
+          <a:stretch>
+            <a:fillRect/>
+          </a:stretch>
+        </p:blipFill>
+        <p:spPr>
+          <a:xfrm>
+            <a:off x="1138476" y="2998816"/>
+            <a:ext cx="4089400" cy="3362623"/>
+          </a:xfrm>
+          <a:prstGeom prst="rect">
+            <a:avLst/>
+          </a:prstGeom>
+        </p:spPr>
+      </p:pic>
+      <p:sp>
+        <p:nvSpPr>
+          <p:cNvPr id="22" name="Right Arrow 21">
+            <a:extLst>
+              <a:ext uri="{FF2B5EF4-FFF2-40B4-BE49-F238E27FC236}">
+                <a16:creationId xmlns:a16="http://schemas.microsoft.com/office/drawing/2014/main" id="{0F8EFE9F-57DF-628A-E40B-CCDD413DD8AD}"/>
+              </a:ext>
+            </a:extLst>
+          </p:cNvPr>
+          <p:cNvSpPr/>
+          <p:nvPr/>
+        </p:nvSpPr>
+        <p:spPr>
+          <a:xfrm>
+            <a:off x="5227876" y="4394200"/>
+            <a:ext cx="1261824" cy="285927"/>
+          </a:xfrm>
+          <a:prstGeom prst="rightArrow">
+            <a:avLst/>
+          </a:prstGeom>
+          <a:solidFill>
+            <a:srgbClr val="0070C0"/>
+          </a:solidFill>
+        </p:spPr>
+        <p:style>
+          <a:lnRef idx="2">
+            <a:schemeClr val="accent1">
+              <a:shade val="15000"/>
+            </a:schemeClr>
+          </a:lnRef>
+          <a:fillRef idx="1">
+            <a:schemeClr val="accent1"/>
+          </a:fillRef>
+          <a:effectRef idx="0">
+            <a:schemeClr val="accent1"/>
+          </a:effectRef>
+          <a:fontRef idx="minor">
+            <a:schemeClr val="lt1"/>
+          </a:fontRef>
+        </p:style>
+        <p:txBody>
+          <a:bodyPr rtlCol="0" anchor="ctr"/>
           <a:lstStyle/>
           <a:p>
-            <a:pPr algn="l"/>
-            <a:r>
-              <a:rPr lang="en-US" b="0" i="0" dirty="0">
-                <a:effectLst/>
-                <a:latin typeface="Söhne"/>
-              </a:rPr>
-              <a:t>This example demonstrates the integration of elements, attributes, and text within an HTML document. Each plays a distinct role in defining the structure, behavior, and content of the web page.</a:t>
-            </a:r>
-          </a:p>
-          <a:p>
-            <a:pPr algn="l"/>
-            <a:br>
-              <a:rPr lang="en-US" b="0" i="0" dirty="0">
-                <a:effectLst/>
-                <a:latin typeface="Söhne"/>
-              </a:rPr>
-            </a:br>
-            <a:endParaRPr lang="en-US" b="0" i="0" dirty="0">
-              <a:effectLst/>
-              <a:latin typeface="Söhne"/>
-            </a:endParaRPr>
-          </a:p>
-          <a:p>
+            <a:pPr algn="ctr"/>
             <a:endParaRPr lang="en-US" dirty="0"/>
           </a:p>
         </p:txBody>
@@ -4324,13 +7137,163 @@
     </p:spTree>
     <p:extLst>
       <p:ext uri="{BB962C8B-B14F-4D97-AF65-F5344CB8AC3E}">
-        <p14:creationId xmlns:p14="http://schemas.microsoft.com/office/powerpoint/2010/main" val="1889729936"/>
+        <p14:creationId xmlns:p14="http://schemas.microsoft.com/office/powerpoint/2010/main" val="226071683"/>
       </p:ext>
     </p:extLst>
   </p:cSld>
   <p:clrMapOvr>
     <a:masterClrMapping/>
   </p:clrMapOvr>
+  <p:timing>
+    <p:tnLst>
+      <p:par>
+        <p:cTn id="1" dur="indefinite" restart="never" nodeType="tmRoot">
+          <p:childTnLst>
+            <p:seq concurrent="1" nextAc="seek">
+              <p:cTn id="2" dur="indefinite" nodeType="mainSeq">
+                <p:childTnLst>
+                  <p:par>
+                    <p:cTn id="3" fill="hold">
+                      <p:stCondLst>
+                        <p:cond delay="indefinite"/>
+                      </p:stCondLst>
+                      <p:childTnLst>
+                        <p:par>
+                          <p:cTn id="4" fill="hold">
+                            <p:stCondLst>
+                              <p:cond delay="0"/>
+                            </p:stCondLst>
+                            <p:childTnLst>
+                              <p:par>
+                                <p:cTn id="5" presetID="1" presetClass="entr" presetSubtype="0" fill="hold" nodeType="clickEffect">
+                                  <p:stCondLst>
+                                    <p:cond delay="0"/>
+                                  </p:stCondLst>
+                                  <p:childTnLst>
+                                    <p:set>
+                                      <p:cBhvr>
+                                        <p:cTn id="6" dur="1" fill="hold">
+                                          <p:stCondLst>
+                                            <p:cond delay="0"/>
+                                          </p:stCondLst>
+                                        </p:cTn>
+                                        <p:tgtEl>
+                                          <p:spTgt spid="21"/>
+                                        </p:tgtEl>
+                                        <p:attrNameLst>
+                                          <p:attrName>style.visibility</p:attrName>
+                                        </p:attrNameLst>
+                                      </p:cBhvr>
+                                      <p:to>
+                                        <p:strVal val="visible"/>
+                                      </p:to>
+                                    </p:set>
+                                  </p:childTnLst>
+                                </p:cTn>
+                              </p:par>
+                            </p:childTnLst>
+                          </p:cTn>
+                        </p:par>
+                      </p:childTnLst>
+                    </p:cTn>
+                  </p:par>
+                  <p:par>
+                    <p:cTn id="7" fill="hold">
+                      <p:stCondLst>
+                        <p:cond delay="indefinite"/>
+                      </p:stCondLst>
+                      <p:childTnLst>
+                        <p:par>
+                          <p:cTn id="8" fill="hold">
+                            <p:stCondLst>
+                              <p:cond delay="0"/>
+                            </p:stCondLst>
+                            <p:childTnLst>
+                              <p:par>
+                                <p:cTn id="9" presetID="1" presetClass="entr" presetSubtype="0" fill="hold" nodeType="clickEffect">
+                                  <p:stCondLst>
+                                    <p:cond delay="0"/>
+                                  </p:stCondLst>
+                                  <p:childTnLst>
+                                    <p:set>
+                                      <p:cBhvr>
+                                        <p:cTn id="10" dur="1" fill="hold">
+                                          <p:stCondLst>
+                                            <p:cond delay="0"/>
+                                          </p:stCondLst>
+                                        </p:cTn>
+                                        <p:tgtEl>
+                                          <p:spTgt spid="19"/>
+                                        </p:tgtEl>
+                                        <p:attrNameLst>
+                                          <p:attrName>style.visibility</p:attrName>
+                                        </p:attrNameLst>
+                                      </p:cBhvr>
+                                      <p:to>
+                                        <p:strVal val="visible"/>
+                                      </p:to>
+                                    </p:set>
+                                  </p:childTnLst>
+                                </p:cTn>
+                              </p:par>
+                              <p:par>
+                                <p:cTn id="11" presetID="1" presetClass="entr" presetSubtype="0" fill="hold" grpId="0" nodeType="withEffect">
+                                  <p:stCondLst>
+                                    <p:cond delay="0"/>
+                                  </p:stCondLst>
+                                  <p:childTnLst>
+                                    <p:set>
+                                      <p:cBhvr>
+                                        <p:cTn id="12" dur="1" fill="hold">
+                                          <p:stCondLst>
+                                            <p:cond delay="0"/>
+                                          </p:stCondLst>
+                                        </p:cTn>
+                                        <p:tgtEl>
+                                          <p:spTgt spid="22"/>
+                                        </p:tgtEl>
+                                        <p:attrNameLst>
+                                          <p:attrName>style.visibility</p:attrName>
+                                        </p:attrNameLst>
+                                      </p:cBhvr>
+                                      <p:to>
+                                        <p:strVal val="visible"/>
+                                      </p:to>
+                                    </p:set>
+                                  </p:childTnLst>
+                                </p:cTn>
+                              </p:par>
+                            </p:childTnLst>
+                          </p:cTn>
+                        </p:par>
+                      </p:childTnLst>
+                    </p:cTn>
+                  </p:par>
+                </p:childTnLst>
+              </p:cTn>
+              <p:prevCondLst>
+                <p:cond evt="onPrev" delay="0">
+                  <p:tgtEl>
+                    <p:sldTgt/>
+                  </p:tgtEl>
+                </p:cond>
+              </p:prevCondLst>
+              <p:nextCondLst>
+                <p:cond evt="onNext" delay="0">
+                  <p:tgtEl>
+                    <p:sldTgt/>
+                  </p:tgtEl>
+                </p:cond>
+              </p:nextCondLst>
+            </p:seq>
+          </p:childTnLst>
+        </p:cTn>
+      </p:par>
+    </p:tnLst>
+    <p:bldLst>
+      <p:bldP spid="22" grpId="0" animBg="1"/>
+    </p:bldLst>
+  </p:timing>
 </p:sld>
 </file>
 
@@ -4353,64 +7316,1245 @@
       </p:grpSpPr>
       <p:sp>
         <p:nvSpPr>
-          <p:cNvPr id="2" name="Title 1">
-            <a:extLst>
-              <a:ext uri="{FF2B5EF4-FFF2-40B4-BE49-F238E27FC236}">
-                <a16:creationId xmlns:a16="http://schemas.microsoft.com/office/drawing/2014/main" id="{EA81DF2E-BBFE-B627-613A-8034AAB7B1B4}"/>
-              </a:ext>
-            </a:extLst>
-          </p:cNvPr>
-          <p:cNvSpPr>
-            <a:spLocks noGrp="1"/>
-          </p:cNvSpPr>
-          <p:nvPr>
-            <p:ph type="title"/>
-          </p:nvPr>
-        </p:nvSpPr>
-        <p:spPr/>
-        <p:txBody>
-          <a:bodyPr/>
+          <p:cNvPr id="3" name="Content Placeholder 2">
+            <a:extLst>
+              <a:ext uri="{FF2B5EF4-FFF2-40B4-BE49-F238E27FC236}">
+                <a16:creationId xmlns:a16="http://schemas.microsoft.com/office/drawing/2014/main" id="{7877E326-B7C5-42E7-229B-428453745A9E}"/>
+              </a:ext>
+            </a:extLst>
+          </p:cNvPr>
+          <p:cNvSpPr>
+            <a:spLocks noGrp="1"/>
+          </p:cNvSpPr>
+          <p:nvPr>
+            <p:ph idx="1"/>
+          </p:nvPr>
+        </p:nvSpPr>
+        <p:spPr>
+          <a:xfrm>
+            <a:off x="604124" y="277283"/>
+            <a:ext cx="10515600" cy="4351338"/>
+          </a:xfrm>
+        </p:spPr>
+        <p:txBody>
+          <a:bodyPr>
+            <a:normAutofit fontScale="85000" lnSpcReduction="20000"/>
+          </a:bodyPr>
           <a:lstStyle/>
           <a:p>
-            <a:endParaRPr lang="en-US"/>
-          </a:p>
-        </p:txBody>
-      </p:sp>
-      <p:sp>
-        <p:nvSpPr>
-          <p:cNvPr id="3" name="Content Placeholder 2">
-            <a:extLst>
-              <a:ext uri="{FF2B5EF4-FFF2-40B4-BE49-F238E27FC236}">
-                <a16:creationId xmlns:a16="http://schemas.microsoft.com/office/drawing/2014/main" id="{A1FCEC14-86D1-FA04-E49B-8964735681DB}"/>
-              </a:ext>
-            </a:extLst>
-          </p:cNvPr>
-          <p:cNvSpPr>
-            <a:spLocks noGrp="1"/>
-          </p:cNvSpPr>
-          <p:nvPr>
-            <p:ph idx="1"/>
-          </p:nvPr>
-        </p:nvSpPr>
-        <p:spPr/>
-        <p:txBody>
-          <a:bodyPr/>
-          <a:lstStyle/>
-          <a:p>
-            <a:endParaRPr lang="en-US"/>
-          </a:p>
-        </p:txBody>
-      </p:sp>
+            <a:pPr marL="0" indent="0">
+              <a:buNone/>
+            </a:pPr>
+            <a:br>
+              <a:rPr lang="en-US" sz="3200" b="0" i="0" dirty="0">
+                <a:effectLst/>
+                <a:latin typeface="Open Sans" panose="020B0606030504020204" pitchFamily="34" charset="0"/>
+              </a:rPr>
+            </a:br>
+            <a:r>
+              <a:rPr lang="en-US" sz="3200" b="0" i="0" dirty="0">
+                <a:effectLst/>
+                <a:latin typeface="Open Sans" panose="020B0606030504020204" pitchFamily="34" charset="0"/>
+              </a:rPr>
+              <a:t>HTML</a:t>
+            </a:r>
+            <a:br>
+              <a:rPr lang="en-US" sz="3200" b="0" i="0" dirty="0">
+                <a:effectLst/>
+                <a:latin typeface="Open Sans" panose="020B0606030504020204" pitchFamily="34" charset="0"/>
+              </a:rPr>
+            </a:br>
+            <a:endParaRPr lang="en-US" sz="2400" b="0" i="0" dirty="0">
+              <a:effectLst/>
+              <a:latin typeface="Open Sans" panose="020B0606030504020204" pitchFamily="34" charset="0"/>
+            </a:endParaRPr>
+          </a:p>
+          <a:p>
+            <a:r>
+              <a:rPr lang="en-US" sz="2000" b="0" i="0" dirty="0">
+                <a:effectLst/>
+                <a:latin typeface="Open Sans" panose="020B0606030504020204" pitchFamily="34" charset="0"/>
+              </a:rPr>
+              <a:t>Is structured (hierarchical / tree based) </a:t>
+            </a:r>
+          </a:p>
+          <a:p>
+            <a:endParaRPr lang="en-US" dirty="0">
+              <a:latin typeface="Open Sans" panose="020B0606030504020204" pitchFamily="34" charset="0"/>
+            </a:endParaRPr>
+          </a:p>
+          <a:p>
+            <a:endParaRPr lang="en-US" b="0" i="0" dirty="0">
+              <a:effectLst/>
+              <a:latin typeface="Open Sans" panose="020B0606030504020204" pitchFamily="34" charset="0"/>
+            </a:endParaRPr>
+          </a:p>
+          <a:p>
+            <a:endParaRPr lang="en-US" dirty="0">
+              <a:latin typeface="Open Sans" panose="020B0606030504020204" pitchFamily="34" charset="0"/>
+            </a:endParaRPr>
+          </a:p>
+          <a:p>
+            <a:pPr marL="0" indent="0">
+              <a:buNone/>
+            </a:pPr>
+            <a:endParaRPr lang="en-US" b="0" i="0" dirty="0">
+              <a:solidFill>
+                <a:srgbClr val="333333"/>
+              </a:solidFill>
+              <a:effectLst/>
+              <a:latin typeface="Open Sans" panose="020B0606030504020204" pitchFamily="34" charset="0"/>
+            </a:endParaRPr>
+          </a:p>
+          <a:p>
+            <a:endParaRPr lang="en-US" sz="2000" dirty="0">
+              <a:solidFill>
+                <a:srgbClr val="333333"/>
+              </a:solidFill>
+              <a:latin typeface="Open Sans" panose="020B0606030504020204" pitchFamily="34" charset="0"/>
+            </a:endParaRPr>
+          </a:p>
+          <a:p>
+            <a:pPr marL="0" indent="0">
+              <a:buNone/>
+            </a:pPr>
+            <a:br>
+              <a:rPr lang="en-US" sz="2000" b="0" i="0" dirty="0">
+                <a:solidFill>
+                  <a:srgbClr val="333333"/>
+                </a:solidFill>
+                <a:effectLst/>
+                <a:latin typeface="Open Sans" panose="020B0606030504020204" pitchFamily="34" charset="0"/>
+              </a:rPr>
+            </a:br>
+            <a:br>
+              <a:rPr lang="en-US" sz="2000" b="0" i="0" dirty="0">
+                <a:solidFill>
+                  <a:srgbClr val="333333"/>
+                </a:solidFill>
+                <a:effectLst/>
+                <a:latin typeface="Open Sans" panose="020B0606030504020204" pitchFamily="34" charset="0"/>
+              </a:rPr>
+            </a:br>
+            <a:endParaRPr lang="en-US" sz="2000" b="0" i="0" dirty="0">
+              <a:solidFill>
+                <a:srgbClr val="333333"/>
+              </a:solidFill>
+              <a:effectLst/>
+              <a:latin typeface="Open Sans" panose="020B0606030504020204" pitchFamily="34" charset="0"/>
+            </a:endParaRPr>
+          </a:p>
+          <a:p>
+            <a:r>
+              <a:rPr lang="en-US" sz="2000" b="0" i="0" dirty="0">
+                <a:solidFill>
+                  <a:srgbClr val="333333"/>
+                </a:solidFill>
+                <a:effectLst/>
+                <a:latin typeface="Open Sans" panose="020B0606030504020204" pitchFamily="34" charset="0"/>
+              </a:rPr>
+              <a:t>But not in a form useful for analysis (flat / tidy).</a:t>
+            </a:r>
+            <a:endParaRPr lang="en-US" sz="2000" dirty="0"/>
+          </a:p>
+          <a:p>
+            <a:endParaRPr lang="en-US" b="0" i="0" dirty="0">
+              <a:effectLst/>
+              <a:latin typeface="Open Sans" panose="020B0606030504020204" pitchFamily="34" charset="0"/>
+            </a:endParaRPr>
+          </a:p>
+        </p:txBody>
+      </p:sp>
+      <p:pic>
+        <p:nvPicPr>
+          <p:cNvPr id="5" name="Picture 4">
+            <a:extLst>
+              <a:ext uri="{FF2B5EF4-FFF2-40B4-BE49-F238E27FC236}">
+                <a16:creationId xmlns:a16="http://schemas.microsoft.com/office/drawing/2014/main" id="{CE0FECE6-F218-E62C-6B42-08E5004ADC4D}"/>
+              </a:ext>
+            </a:extLst>
+          </p:cNvPr>
+          <p:cNvPicPr>
+            <a:picLocks noChangeAspect="1"/>
+          </p:cNvPicPr>
+          <p:nvPr/>
+        </p:nvPicPr>
+        <p:blipFill>
+          <a:blip r:embed="rId2"/>
+          <a:stretch>
+            <a:fillRect/>
+          </a:stretch>
+        </p:blipFill>
+        <p:spPr>
+          <a:xfrm>
+            <a:off x="604124" y="1418166"/>
+            <a:ext cx="9851596" cy="2335742"/>
+          </a:xfrm>
+          <a:prstGeom prst="rect">
+            <a:avLst/>
+          </a:prstGeom>
+        </p:spPr>
+      </p:pic>
+      <p:graphicFrame>
+        <p:nvGraphicFramePr>
+          <p:cNvPr id="4" name="Table 3">
+            <a:extLst>
+              <a:ext uri="{FF2B5EF4-FFF2-40B4-BE49-F238E27FC236}">
+                <a16:creationId xmlns:a16="http://schemas.microsoft.com/office/drawing/2014/main" id="{29E95A9E-ECED-7E2C-BD10-045B575FBC37}"/>
+              </a:ext>
+            </a:extLst>
+          </p:cNvPr>
+          <p:cNvGraphicFramePr>
+            <a:graphicFrameLocks noGrp="1"/>
+          </p:cNvGraphicFramePr>
+          <p:nvPr>
+            <p:extLst>
+              <p:ext uri="{D42A27DB-BD31-4B8C-83A1-F6EECF244321}">
+                <p14:modId xmlns:p14="http://schemas.microsoft.com/office/powerpoint/2010/main" val="3821267278"/>
+              </p:ext>
+            </p:extLst>
+          </p:nvPr>
+        </p:nvGraphicFramePr>
+        <p:xfrm>
+          <a:off x="604124" y="4407394"/>
+          <a:ext cx="3886200" cy="1657419"/>
+        </p:xfrm>
+        <a:graphic>
+          <a:graphicData uri="http://schemas.openxmlformats.org/drawingml/2006/table">
+            <a:tbl>
+              <a:tblPr firstRow="1" bandRow="1">
+                <a:tableStyleId>{5C22544A-7EE6-4342-B048-85BDC9FD1C3A}</a:tableStyleId>
+              </a:tblPr>
+              <a:tblGrid>
+                <a:gridCol w="1295400">
+                  <a:extLst>
+                    <a:ext uri="{9D8B030D-6E8A-4147-A177-3AD203B41FA5}">
+                      <a16:colId xmlns:a16="http://schemas.microsoft.com/office/drawing/2014/main" val="2904790570"/>
+                    </a:ext>
+                  </a:extLst>
+                </a:gridCol>
+                <a:gridCol w="1316272">
+                  <a:extLst>
+                    <a:ext uri="{9D8B030D-6E8A-4147-A177-3AD203B41FA5}">
+                      <a16:colId xmlns:a16="http://schemas.microsoft.com/office/drawing/2014/main" val="2446986528"/>
+                    </a:ext>
+                  </a:extLst>
+                </a:gridCol>
+                <a:gridCol w="1274528">
+                  <a:extLst>
+                    <a:ext uri="{9D8B030D-6E8A-4147-A177-3AD203B41FA5}">
+                      <a16:colId xmlns:a16="http://schemas.microsoft.com/office/drawing/2014/main" val="4189835458"/>
+                    </a:ext>
+                  </a:extLst>
+                </a:gridCol>
+              </a:tblGrid>
+              <a:tr h="0">
+                <a:tc>
+                  <a:txBody>
+                    <a:bodyPr/>
+                    <a:lstStyle/>
+                    <a:p>
+                      <a:endParaRPr lang="en-US" dirty="0"/>
+                    </a:p>
+                  </a:txBody>
+                  <a:tcPr/>
+                </a:tc>
+                <a:tc>
+                  <a:txBody>
+                    <a:bodyPr/>
+                    <a:lstStyle/>
+                    <a:p>
+                      <a:r>
+                        <a:rPr lang="en-US" b="0" dirty="0">
+                          <a:solidFill>
+                            <a:schemeClr val="tx1"/>
+                          </a:solidFill>
+                        </a:rPr>
+                        <a:t>Attribute 1</a:t>
+                      </a:r>
+                    </a:p>
+                  </a:txBody>
+                  <a:tcPr/>
+                </a:tc>
+                <a:tc>
+                  <a:txBody>
+                    <a:bodyPr/>
+                    <a:lstStyle/>
+                    <a:p>
+                      <a:pPr marL="0" marR="0" lvl="0" indent="0" algn="l" defTabSz="914400" rtl="0" eaLnBrk="1" fontAlgn="auto" latinLnBrk="0" hangingPunct="1">
+                        <a:lnSpc>
+                          <a:spcPct val="100000"/>
+                        </a:lnSpc>
+                        <a:spcBef>
+                          <a:spcPts val="0"/>
+                        </a:spcBef>
+                        <a:spcAft>
+                          <a:spcPts val="0"/>
+                        </a:spcAft>
+                        <a:buClrTx/>
+                        <a:buSzTx/>
+                        <a:buFontTx/>
+                        <a:buNone/>
+                        <a:tabLst/>
+                        <a:defRPr/>
+                      </a:pPr>
+                      <a:r>
+                        <a:rPr lang="en-US" b="0" dirty="0">
+                          <a:solidFill>
+                            <a:schemeClr val="tx1"/>
+                          </a:solidFill>
+                        </a:rPr>
+                        <a:t>Attribute 2</a:t>
+                      </a:r>
+                    </a:p>
+                    <a:p>
+                      <a:endParaRPr lang="en-US" b="0" dirty="0">
+                        <a:solidFill>
+                          <a:schemeClr val="tx1"/>
+                        </a:solidFill>
+                      </a:endParaRPr>
+                    </a:p>
+                  </a:txBody>
+                  <a:tcPr/>
+                </a:tc>
+                <a:extLst>
+                  <a:ext uri="{0D108BD9-81ED-4DB2-BD59-A6C34878D82A}">
+                    <a16:rowId xmlns:a16="http://schemas.microsoft.com/office/drawing/2014/main" val="48244515"/>
+                  </a:ext>
+                </a:extLst>
+              </a:tr>
+              <a:tr h="626217">
+                <a:tc>
+                  <a:txBody>
+                    <a:bodyPr/>
+                    <a:lstStyle/>
+                    <a:p>
+                      <a:r>
+                        <a:rPr lang="en-US" dirty="0"/>
+                        <a:t>Record 1 </a:t>
+                      </a:r>
+                    </a:p>
+                  </a:txBody>
+                  <a:tcPr/>
+                </a:tc>
+                <a:tc>
+                  <a:txBody>
+                    <a:bodyPr/>
+                    <a:lstStyle/>
+                    <a:p>
+                      <a:endParaRPr lang="en-US" dirty="0"/>
+                    </a:p>
+                  </a:txBody>
+                  <a:tcPr/>
+                </a:tc>
+                <a:tc>
+                  <a:txBody>
+                    <a:bodyPr/>
+                    <a:lstStyle/>
+                    <a:p>
+                      <a:endParaRPr lang="en-US"/>
+                    </a:p>
+                  </a:txBody>
+                  <a:tcPr/>
+                </a:tc>
+                <a:extLst>
+                  <a:ext uri="{0D108BD9-81ED-4DB2-BD59-A6C34878D82A}">
+                    <a16:rowId xmlns:a16="http://schemas.microsoft.com/office/drawing/2014/main" val="1328929351"/>
+                  </a:ext>
+                </a:extLst>
+              </a:tr>
+              <a:tr h="391122">
+                <a:tc>
+                  <a:txBody>
+                    <a:bodyPr/>
+                    <a:lstStyle/>
+                    <a:p>
+                      <a:r>
+                        <a:rPr lang="en-US" dirty="0"/>
+                        <a:t>Record 2</a:t>
+                      </a:r>
+                    </a:p>
+                  </a:txBody>
+                  <a:tcPr/>
+                </a:tc>
+                <a:tc>
+                  <a:txBody>
+                    <a:bodyPr/>
+                    <a:lstStyle/>
+                    <a:p>
+                      <a:endParaRPr lang="en-US"/>
+                    </a:p>
+                  </a:txBody>
+                  <a:tcPr/>
+                </a:tc>
+                <a:tc>
+                  <a:txBody>
+                    <a:bodyPr/>
+                    <a:lstStyle/>
+                    <a:p>
+                      <a:endParaRPr lang="en-US" dirty="0"/>
+                    </a:p>
+                  </a:txBody>
+                  <a:tcPr/>
+                </a:tc>
+                <a:extLst>
+                  <a:ext uri="{0D108BD9-81ED-4DB2-BD59-A6C34878D82A}">
+                    <a16:rowId xmlns:a16="http://schemas.microsoft.com/office/drawing/2014/main" val="4867991"/>
+                  </a:ext>
+                </a:extLst>
+              </a:tr>
+            </a:tbl>
+          </a:graphicData>
+        </a:graphic>
+      </p:graphicFrame>
     </p:spTree>
     <p:extLst>
       <p:ext uri="{BB962C8B-B14F-4D97-AF65-F5344CB8AC3E}">
-        <p14:creationId xmlns:p14="http://schemas.microsoft.com/office/powerpoint/2010/main" val="2461927650"/>
+        <p14:creationId xmlns:p14="http://schemas.microsoft.com/office/powerpoint/2010/main" val="716175083"/>
       </p:ext>
     </p:extLst>
   </p:cSld>
   <p:clrMapOvr>
     <a:masterClrMapping/>
   </p:clrMapOvr>
+  <p:timing>
+    <p:tnLst>
+      <p:par>
+        <p:cTn id="1" dur="indefinite" restart="never" nodeType="tmRoot">
+          <p:childTnLst>
+            <p:seq concurrent="1" nextAc="seek">
+              <p:cTn id="2" dur="indefinite" nodeType="mainSeq">
+                <p:childTnLst>
+                  <p:par>
+                    <p:cTn id="3" fill="hold">
+                      <p:stCondLst>
+                        <p:cond delay="indefinite"/>
+                      </p:stCondLst>
+                      <p:childTnLst>
+                        <p:par>
+                          <p:cTn id="4" fill="hold">
+                            <p:stCondLst>
+                              <p:cond delay="0"/>
+                            </p:stCondLst>
+                            <p:childTnLst>
+                              <p:par>
+                                <p:cTn id="5" presetID="1" presetClass="entr" presetSubtype="0" fill="hold" nodeType="clickEffect">
+                                  <p:stCondLst>
+                                    <p:cond delay="0"/>
+                                  </p:stCondLst>
+                                  <p:childTnLst>
+                                    <p:set>
+                                      <p:cBhvr>
+                                        <p:cTn id="6" dur="1" fill="hold">
+                                          <p:stCondLst>
+                                            <p:cond delay="0"/>
+                                          </p:stCondLst>
+                                        </p:cTn>
+                                        <p:tgtEl>
+                                          <p:spTgt spid="3">
+                                            <p:txEl>
+                                              <p:pRg st="1" end="1"/>
+                                            </p:txEl>
+                                          </p:spTgt>
+                                        </p:tgtEl>
+                                        <p:attrNameLst>
+                                          <p:attrName>style.visibility</p:attrName>
+                                        </p:attrNameLst>
+                                      </p:cBhvr>
+                                      <p:to>
+                                        <p:strVal val="visible"/>
+                                      </p:to>
+                                    </p:set>
+                                  </p:childTnLst>
+                                </p:cTn>
+                              </p:par>
+                              <p:par>
+                                <p:cTn id="7" presetID="1" presetClass="entr" presetSubtype="0" fill="hold" nodeType="withEffect">
+                                  <p:stCondLst>
+                                    <p:cond delay="0"/>
+                                  </p:stCondLst>
+                                  <p:childTnLst>
+                                    <p:set>
+                                      <p:cBhvr>
+                                        <p:cTn id="8" dur="1" fill="hold">
+                                          <p:stCondLst>
+                                            <p:cond delay="0"/>
+                                          </p:stCondLst>
+                                        </p:cTn>
+                                        <p:tgtEl>
+                                          <p:spTgt spid="5"/>
+                                        </p:tgtEl>
+                                        <p:attrNameLst>
+                                          <p:attrName>style.visibility</p:attrName>
+                                        </p:attrNameLst>
+                                      </p:cBhvr>
+                                      <p:to>
+                                        <p:strVal val="visible"/>
+                                      </p:to>
+                                    </p:set>
+                                  </p:childTnLst>
+                                </p:cTn>
+                              </p:par>
+                            </p:childTnLst>
+                          </p:cTn>
+                        </p:par>
+                      </p:childTnLst>
+                    </p:cTn>
+                  </p:par>
+                  <p:par>
+                    <p:cTn id="9" fill="hold">
+                      <p:stCondLst>
+                        <p:cond delay="indefinite"/>
+                      </p:stCondLst>
+                      <p:childTnLst>
+                        <p:par>
+                          <p:cTn id="10" fill="hold">
+                            <p:stCondLst>
+                              <p:cond delay="0"/>
+                            </p:stCondLst>
+                            <p:childTnLst>
+                              <p:par>
+                                <p:cTn id="11" presetID="1" presetClass="entr" presetSubtype="0" fill="hold" nodeType="clickEffect">
+                                  <p:stCondLst>
+                                    <p:cond delay="0"/>
+                                  </p:stCondLst>
+                                  <p:childTnLst>
+                                    <p:set>
+                                      <p:cBhvr>
+                                        <p:cTn id="12" dur="1" fill="hold">
+                                          <p:stCondLst>
+                                            <p:cond delay="0"/>
+                                          </p:stCondLst>
+                                        </p:cTn>
+                                        <p:tgtEl>
+                                          <p:spTgt spid="3">
+                                            <p:txEl>
+                                              <p:pRg st="8" end="8"/>
+                                            </p:txEl>
+                                          </p:spTgt>
+                                        </p:tgtEl>
+                                        <p:attrNameLst>
+                                          <p:attrName>style.visibility</p:attrName>
+                                        </p:attrNameLst>
+                                      </p:cBhvr>
+                                      <p:to>
+                                        <p:strVal val="visible"/>
+                                      </p:to>
+                                    </p:set>
+                                  </p:childTnLst>
+                                </p:cTn>
+                              </p:par>
+                              <p:par>
+                                <p:cTn id="13" presetID="1" presetClass="entr" presetSubtype="0" fill="hold" nodeType="withEffect">
+                                  <p:stCondLst>
+                                    <p:cond delay="0"/>
+                                  </p:stCondLst>
+                                  <p:childTnLst>
+                                    <p:set>
+                                      <p:cBhvr>
+                                        <p:cTn id="14" dur="1" fill="hold">
+                                          <p:stCondLst>
+                                            <p:cond delay="0"/>
+                                          </p:stCondLst>
+                                        </p:cTn>
+                                        <p:tgtEl>
+                                          <p:spTgt spid="4"/>
+                                        </p:tgtEl>
+                                        <p:attrNameLst>
+                                          <p:attrName>style.visibility</p:attrName>
+                                        </p:attrNameLst>
+                                      </p:cBhvr>
+                                      <p:to>
+                                        <p:strVal val="visible"/>
+                                      </p:to>
+                                    </p:set>
+                                  </p:childTnLst>
+                                </p:cTn>
+                              </p:par>
+                            </p:childTnLst>
+                          </p:cTn>
+                        </p:par>
+                      </p:childTnLst>
+                    </p:cTn>
+                  </p:par>
+                </p:childTnLst>
+              </p:cTn>
+              <p:prevCondLst>
+                <p:cond evt="onPrev" delay="0">
+                  <p:tgtEl>
+                    <p:sldTgt/>
+                  </p:tgtEl>
+                </p:cond>
+              </p:prevCondLst>
+              <p:nextCondLst>
+                <p:cond evt="onNext" delay="0">
+                  <p:tgtEl>
+                    <p:sldTgt/>
+                  </p:tgtEl>
+                </p:cond>
+              </p:nextCondLst>
+            </p:seq>
+          </p:childTnLst>
+        </p:cTn>
+      </p:par>
+    </p:tnLst>
+  </p:timing>
+</p:sld>
+</file>
+
+<file path=ppt/slides/slide8.xml><?xml version="1.0" encoding="utf-8"?>
+<p:sld xmlns:a="http://schemas.openxmlformats.org/drawingml/2006/main" xmlns:r="http://schemas.openxmlformats.org/officeDocument/2006/relationships" xmlns:p="http://schemas.openxmlformats.org/presentationml/2006/main">
+  <p:cSld>
+    <p:spTree>
+      <p:nvGrpSpPr>
+        <p:cNvPr id="1" name=""/>
+        <p:cNvGrpSpPr/>
+        <p:nvPr/>
+      </p:nvGrpSpPr>
+      <p:grpSpPr>
+        <a:xfrm>
+          <a:off x="0" y="0"/>
+          <a:ext cx="0" cy="0"/>
+          <a:chOff x="0" y="0"/>
+          <a:chExt cx="0" cy="0"/>
+        </a:xfrm>
+      </p:grpSpPr>
+      <p:sp>
+        <p:nvSpPr>
+          <p:cNvPr id="2" name="Title 1">
+            <a:extLst>
+              <a:ext uri="{FF2B5EF4-FFF2-40B4-BE49-F238E27FC236}">
+                <a16:creationId xmlns:a16="http://schemas.microsoft.com/office/drawing/2014/main" id="{29C01A5C-5EA3-4B22-8B72-62B9A16461DF}"/>
+              </a:ext>
+            </a:extLst>
+          </p:cNvPr>
+          <p:cNvSpPr>
+            <a:spLocks noGrp="1"/>
+          </p:cNvSpPr>
+          <p:nvPr>
+            <p:ph type="title"/>
+          </p:nvPr>
+        </p:nvSpPr>
+        <p:spPr/>
+        <p:txBody>
+          <a:bodyPr>
+            <a:normAutofit/>
+          </a:bodyPr>
+          <a:lstStyle/>
+          <a:p>
+            <a:r>
+              <a:rPr lang="en-US" sz="4000" b="0" i="0" dirty="0">
+                <a:effectLst/>
+                <a:latin typeface="Open Sans" panose="020B0606030504020204" pitchFamily="34" charset="0"/>
+                <a:ea typeface="Open Sans" panose="020B0606030504020204" pitchFamily="34" charset="0"/>
+                <a:cs typeface="Open Sans" panose="020B0606030504020204" pitchFamily="34" charset="0"/>
+              </a:rPr>
+              <a:t>Components of HTML</a:t>
+            </a:r>
+            <a:endParaRPr lang="en-US" sz="4000" dirty="0">
+              <a:latin typeface="Open Sans" panose="020B0606030504020204" pitchFamily="34" charset="0"/>
+              <a:ea typeface="Open Sans" panose="020B0606030504020204" pitchFamily="34" charset="0"/>
+              <a:cs typeface="Open Sans" panose="020B0606030504020204" pitchFamily="34" charset="0"/>
+            </a:endParaRPr>
+          </a:p>
+        </p:txBody>
+      </p:sp>
+      <p:pic>
+        <p:nvPicPr>
+          <p:cNvPr id="10" name="Content Placeholder 9" descr="A computer screen with white text&#10;&#10;Description automatically generated">
+            <a:extLst>
+              <a:ext uri="{FF2B5EF4-FFF2-40B4-BE49-F238E27FC236}">
+                <a16:creationId xmlns:a16="http://schemas.microsoft.com/office/drawing/2014/main" id="{0FA9D62A-CA2F-8900-0C5C-469816682707}"/>
+              </a:ext>
+            </a:extLst>
+          </p:cNvPr>
+          <p:cNvPicPr>
+            <a:picLocks noGrp="1" noChangeAspect="1"/>
+          </p:cNvPicPr>
+          <p:nvPr>
+            <p:ph idx="1"/>
+          </p:nvPr>
+        </p:nvPicPr>
+        <p:blipFill>
+          <a:blip r:embed="rId2"/>
+          <a:stretch>
+            <a:fillRect/>
+          </a:stretch>
+        </p:blipFill>
+        <p:spPr>
+          <a:xfrm>
+            <a:off x="1051289" y="1904999"/>
+            <a:ext cx="8844822" cy="3967163"/>
+          </a:xfrm>
+          <a:prstGeom prst="rect">
+            <a:avLst/>
+          </a:prstGeom>
+        </p:spPr>
+      </p:pic>
+    </p:spTree>
+    <p:extLst>
+      <p:ext uri="{BB962C8B-B14F-4D97-AF65-F5344CB8AC3E}">
+        <p14:creationId xmlns:p14="http://schemas.microsoft.com/office/powerpoint/2010/main" val="800915657"/>
+      </p:ext>
+    </p:extLst>
+  </p:cSld>
+  <p:clrMapOvr>
+    <a:masterClrMapping/>
+  </p:clrMapOvr>
+</p:sld>
+</file>
+
+<file path=ppt/slides/slide9.xml><?xml version="1.0" encoding="utf-8"?>
+<p:sld xmlns:a="http://schemas.openxmlformats.org/drawingml/2006/main" xmlns:r="http://schemas.openxmlformats.org/officeDocument/2006/relationships" xmlns:p="http://schemas.openxmlformats.org/presentationml/2006/main">
+  <p:cSld>
+    <p:spTree>
+      <p:nvGrpSpPr>
+        <p:cNvPr id="1" name=""/>
+        <p:cNvGrpSpPr/>
+        <p:nvPr/>
+      </p:nvGrpSpPr>
+      <p:grpSpPr>
+        <a:xfrm>
+          <a:off x="0" y="0"/>
+          <a:ext cx="0" cy="0"/>
+          <a:chOff x="0" y="0"/>
+          <a:chExt cx="0" cy="0"/>
+        </a:xfrm>
+      </p:grpSpPr>
+      <p:sp>
+        <p:nvSpPr>
+          <p:cNvPr id="2" name="Title 1">
+            <a:extLst>
+              <a:ext uri="{FF2B5EF4-FFF2-40B4-BE49-F238E27FC236}">
+                <a16:creationId xmlns:a16="http://schemas.microsoft.com/office/drawing/2014/main" id="{3B22D5A9-9474-AEF8-96DD-1B76C8E4D623}"/>
+              </a:ext>
+            </a:extLst>
+          </p:cNvPr>
+          <p:cNvSpPr>
+            <a:spLocks noGrp="1"/>
+          </p:cNvSpPr>
+          <p:nvPr>
+            <p:ph type="title"/>
+          </p:nvPr>
+        </p:nvSpPr>
+        <p:spPr/>
+        <p:txBody>
+          <a:bodyPr>
+            <a:normAutofit/>
+          </a:bodyPr>
+          <a:lstStyle/>
+          <a:p>
+            <a:r>
+              <a:rPr lang="en-US" sz="4000" dirty="0">
+                <a:latin typeface="Open Sans" panose="020B0606030504020204" pitchFamily="34" charset="0"/>
+                <a:ea typeface="Open Sans" panose="020B0606030504020204" pitchFamily="34" charset="0"/>
+                <a:cs typeface="Open Sans" panose="020B0606030504020204" pitchFamily="34" charset="0"/>
+              </a:rPr>
+              <a:t>HTML Elements:</a:t>
+            </a:r>
+          </a:p>
+        </p:txBody>
+      </p:sp>
+      <p:sp>
+        <p:nvSpPr>
+          <p:cNvPr id="3" name="Content Placeholder 2">
+            <a:extLst>
+              <a:ext uri="{FF2B5EF4-FFF2-40B4-BE49-F238E27FC236}">
+                <a16:creationId xmlns:a16="http://schemas.microsoft.com/office/drawing/2014/main" id="{5F6F1FD9-738E-BF55-FA0B-FC1F413FF84D}"/>
+              </a:ext>
+            </a:extLst>
+          </p:cNvPr>
+          <p:cNvSpPr>
+            <a:spLocks noGrp="1"/>
+          </p:cNvSpPr>
+          <p:nvPr>
+            <p:ph idx="1"/>
+          </p:nvPr>
+        </p:nvSpPr>
+        <p:spPr>
+          <a:xfrm>
+            <a:off x="464131" y="1551650"/>
+            <a:ext cx="9957951" cy="4941225"/>
+          </a:xfrm>
+        </p:spPr>
+        <p:txBody>
+          <a:bodyPr>
+            <a:normAutofit/>
+          </a:bodyPr>
+          <a:lstStyle/>
+          <a:p>
+            <a:r>
+              <a:rPr lang="en-US" sz="2000" dirty="0">
+                <a:solidFill>
+                  <a:srgbClr val="0D0D0D"/>
+                </a:solidFill>
+                <a:latin typeface="Open Sans" panose="020B0606030504020204" pitchFamily="34" charset="0"/>
+                <a:ea typeface="Open Sans" panose="020B0606030504020204" pitchFamily="34" charset="0"/>
+                <a:cs typeface="Open Sans" panose="020B0606030504020204" pitchFamily="34" charset="0"/>
+              </a:rPr>
+              <a:t>F</a:t>
+            </a:r>
+            <a:r>
+              <a:rPr lang="en-US" sz="2000" b="0" i="0" dirty="0">
+                <a:solidFill>
+                  <a:srgbClr val="0D0D0D"/>
+                </a:solidFill>
+                <a:effectLst/>
+                <a:latin typeface="Open Sans" panose="020B0606030504020204" pitchFamily="34" charset="0"/>
+                <a:ea typeface="Open Sans" panose="020B0606030504020204" pitchFamily="34" charset="0"/>
+                <a:cs typeface="Open Sans" panose="020B0606030504020204" pitchFamily="34" charset="0"/>
+              </a:rPr>
+              <a:t>undamental building block in HTML that defines the structure of a document.</a:t>
+            </a:r>
+            <a:br>
+              <a:rPr lang="en-US" sz="2000" b="0" i="0" dirty="0">
+                <a:solidFill>
+                  <a:srgbClr val="0D0D0D"/>
+                </a:solidFill>
+                <a:effectLst/>
+                <a:latin typeface="Open Sans" panose="020B0606030504020204" pitchFamily="34" charset="0"/>
+                <a:ea typeface="Open Sans" panose="020B0606030504020204" pitchFamily="34" charset="0"/>
+                <a:cs typeface="Open Sans" panose="020B0606030504020204" pitchFamily="34" charset="0"/>
+              </a:rPr>
+            </a:br>
+            <a:br>
+              <a:rPr lang="en-US" sz="2000" b="0" i="0" dirty="0">
+                <a:solidFill>
+                  <a:srgbClr val="0D0D0D"/>
+                </a:solidFill>
+                <a:effectLst/>
+                <a:latin typeface="Open Sans" panose="020B0606030504020204" pitchFamily="34" charset="0"/>
+                <a:ea typeface="Open Sans" panose="020B0606030504020204" pitchFamily="34" charset="0"/>
+                <a:cs typeface="Open Sans" panose="020B0606030504020204" pitchFamily="34" charset="0"/>
+              </a:rPr>
+            </a:br>
+            <a:endParaRPr lang="en-US" sz="2000" b="0" i="0" dirty="0">
+              <a:solidFill>
+                <a:srgbClr val="0D0D0D"/>
+              </a:solidFill>
+              <a:effectLst/>
+              <a:latin typeface="Open Sans" panose="020B0606030504020204" pitchFamily="34" charset="0"/>
+              <a:ea typeface="Open Sans" panose="020B0606030504020204" pitchFamily="34" charset="0"/>
+              <a:cs typeface="Open Sans" panose="020B0606030504020204" pitchFamily="34" charset="0"/>
+            </a:endParaRPr>
+          </a:p>
+          <a:p>
+            <a:r>
+              <a:rPr lang="en-US" sz="2000" dirty="0">
+                <a:solidFill>
+                  <a:srgbClr val="0D0D0D"/>
+                </a:solidFill>
+                <a:latin typeface="Open Sans" panose="020B0606030504020204" pitchFamily="34" charset="0"/>
+                <a:ea typeface="Open Sans" panose="020B0606030504020204" pitchFamily="34" charset="0"/>
+                <a:cs typeface="Open Sans" panose="020B0606030504020204" pitchFamily="34" charset="0"/>
+              </a:rPr>
+              <a:t>C</a:t>
+            </a:r>
+            <a:r>
+              <a:rPr lang="en-US" sz="2000" b="0" i="0" dirty="0">
+                <a:solidFill>
+                  <a:srgbClr val="0D0D0D"/>
+                </a:solidFill>
+                <a:effectLst/>
+                <a:latin typeface="Open Sans" panose="020B0606030504020204" pitchFamily="34" charset="0"/>
+                <a:ea typeface="Open Sans" panose="020B0606030504020204" pitchFamily="34" charset="0"/>
+                <a:cs typeface="Open Sans" panose="020B0606030504020204" pitchFamily="34" charset="0"/>
+              </a:rPr>
+              <a:t>omposed of a start tag, content, and an end tag. </a:t>
+            </a:r>
+            <a:br>
+              <a:rPr lang="en-US" sz="2000" b="0" i="0" dirty="0">
+                <a:solidFill>
+                  <a:srgbClr val="0D0D0D"/>
+                </a:solidFill>
+                <a:effectLst/>
+                <a:latin typeface="Open Sans" panose="020B0606030504020204" pitchFamily="34" charset="0"/>
+                <a:ea typeface="Open Sans" panose="020B0606030504020204" pitchFamily="34" charset="0"/>
+                <a:cs typeface="Open Sans" panose="020B0606030504020204" pitchFamily="34" charset="0"/>
+              </a:rPr>
+            </a:br>
+            <a:br>
+              <a:rPr lang="en-US" sz="2000" b="0" i="0" dirty="0">
+                <a:solidFill>
+                  <a:srgbClr val="0D0D0D"/>
+                </a:solidFill>
+                <a:effectLst/>
+                <a:latin typeface="Open Sans" panose="020B0606030504020204" pitchFamily="34" charset="0"/>
+                <a:ea typeface="Open Sans" panose="020B0606030504020204" pitchFamily="34" charset="0"/>
+                <a:cs typeface="Open Sans" panose="020B0606030504020204" pitchFamily="34" charset="0"/>
+              </a:rPr>
+            </a:br>
+            <a:br>
+              <a:rPr lang="en-US" sz="2000" b="0" i="0" dirty="0">
+                <a:solidFill>
+                  <a:srgbClr val="0D0D0D"/>
+                </a:solidFill>
+                <a:effectLst/>
+                <a:latin typeface="Open Sans" panose="020B0606030504020204" pitchFamily="34" charset="0"/>
+                <a:ea typeface="Open Sans" panose="020B0606030504020204" pitchFamily="34" charset="0"/>
+                <a:cs typeface="Open Sans" panose="020B0606030504020204" pitchFamily="34" charset="0"/>
+              </a:rPr>
+            </a:br>
+            <a:endParaRPr lang="en-US" sz="2000" b="0" i="0" dirty="0">
+              <a:solidFill>
+                <a:srgbClr val="0D0D0D"/>
+              </a:solidFill>
+              <a:effectLst/>
+              <a:latin typeface="Open Sans" panose="020B0606030504020204" pitchFamily="34" charset="0"/>
+              <a:ea typeface="Open Sans" panose="020B0606030504020204" pitchFamily="34" charset="0"/>
+              <a:cs typeface="Open Sans" panose="020B0606030504020204" pitchFamily="34" charset="0"/>
+            </a:endParaRPr>
+          </a:p>
+          <a:p>
+            <a:pPr marL="0" indent="0">
+              <a:buNone/>
+            </a:pPr>
+            <a:endParaRPr lang="en-US" sz="2000" b="0" i="0" dirty="0">
+              <a:solidFill>
+                <a:srgbClr val="0D0D0D"/>
+              </a:solidFill>
+              <a:effectLst/>
+              <a:latin typeface="Open Sans" panose="020B0606030504020204" pitchFamily="34" charset="0"/>
+              <a:ea typeface="Open Sans" panose="020B0606030504020204" pitchFamily="34" charset="0"/>
+              <a:cs typeface="Open Sans" panose="020B0606030504020204" pitchFamily="34" charset="0"/>
+            </a:endParaRPr>
+          </a:p>
+          <a:p>
+            <a:r>
+              <a:rPr lang="en-US" sz="2000" b="0" i="0" dirty="0">
+                <a:solidFill>
+                  <a:srgbClr val="0D0D0D"/>
+                </a:solidFill>
+                <a:effectLst/>
+                <a:latin typeface="Open Sans" panose="020B0606030504020204" pitchFamily="34" charset="0"/>
+                <a:ea typeface="Open Sans" panose="020B0606030504020204" pitchFamily="34" charset="0"/>
+                <a:cs typeface="Open Sans" panose="020B0606030504020204" pitchFamily="34" charset="0"/>
+              </a:rPr>
+              <a:t>Elements can contain other elements, forming a hierarchical structure (in the Document Object Model DOM).</a:t>
+            </a:r>
+            <a:endParaRPr lang="en-US" sz="2000" dirty="0">
+              <a:latin typeface="Open Sans" panose="020B0606030504020204" pitchFamily="34" charset="0"/>
+              <a:ea typeface="Open Sans" panose="020B0606030504020204" pitchFamily="34" charset="0"/>
+              <a:cs typeface="Open Sans" panose="020B0606030504020204" pitchFamily="34" charset="0"/>
+            </a:endParaRPr>
+          </a:p>
+          <a:p>
+            <a:endParaRPr lang="en-US" sz="2000" b="0" i="0" dirty="0">
+              <a:solidFill>
+                <a:srgbClr val="0D0D0D"/>
+              </a:solidFill>
+              <a:effectLst/>
+              <a:latin typeface="Open Sans" panose="020B0606030504020204" pitchFamily="34" charset="0"/>
+              <a:ea typeface="Open Sans" panose="020B0606030504020204" pitchFamily="34" charset="0"/>
+              <a:cs typeface="Open Sans" panose="020B0606030504020204" pitchFamily="34" charset="0"/>
+            </a:endParaRPr>
+          </a:p>
+          <a:p>
+            <a:endParaRPr lang="en-US" dirty="0"/>
+          </a:p>
+        </p:txBody>
+      </p:sp>
+      <p:pic>
+        <p:nvPicPr>
+          <p:cNvPr id="10" name="Picture 9">
+            <a:extLst>
+              <a:ext uri="{FF2B5EF4-FFF2-40B4-BE49-F238E27FC236}">
+                <a16:creationId xmlns:a16="http://schemas.microsoft.com/office/drawing/2014/main" id="{DC38BDF3-0310-696D-3F9F-397C745A24A5}"/>
+              </a:ext>
+            </a:extLst>
+          </p:cNvPr>
+          <p:cNvPicPr>
+            <a:picLocks noChangeAspect="1"/>
+          </p:cNvPicPr>
+          <p:nvPr/>
+        </p:nvPicPr>
+        <p:blipFill>
+          <a:blip r:embed="rId3"/>
+          <a:stretch>
+            <a:fillRect/>
+          </a:stretch>
+        </p:blipFill>
+        <p:spPr>
+          <a:xfrm>
+            <a:off x="838200" y="4967156"/>
+            <a:ext cx="9429789" cy="814390"/>
+          </a:xfrm>
+          <a:prstGeom prst="rect">
+            <a:avLst/>
+          </a:prstGeom>
+        </p:spPr>
+      </p:pic>
+      <p:pic>
+        <p:nvPicPr>
+          <p:cNvPr id="12" name="Picture 11">
+            <a:extLst>
+              <a:ext uri="{FF2B5EF4-FFF2-40B4-BE49-F238E27FC236}">
+                <a16:creationId xmlns:a16="http://schemas.microsoft.com/office/drawing/2014/main" id="{481B72F6-C901-92D9-23A1-3E13F0B09DE3}"/>
+              </a:ext>
+            </a:extLst>
+          </p:cNvPr>
+          <p:cNvPicPr>
+            <a:picLocks noChangeAspect="1"/>
+          </p:cNvPicPr>
+          <p:nvPr/>
+        </p:nvPicPr>
+        <p:blipFill>
+          <a:blip r:embed="rId4"/>
+          <a:stretch>
+            <a:fillRect/>
+          </a:stretch>
+        </p:blipFill>
+        <p:spPr>
+          <a:xfrm>
+            <a:off x="838200" y="3017772"/>
+            <a:ext cx="6426200" cy="622300"/>
+          </a:xfrm>
+          <a:prstGeom prst="rect">
+            <a:avLst/>
+          </a:prstGeom>
+        </p:spPr>
+      </p:pic>
+    </p:spTree>
+    <p:extLst>
+      <p:ext uri="{BB962C8B-B14F-4D97-AF65-F5344CB8AC3E}">
+        <p14:creationId xmlns:p14="http://schemas.microsoft.com/office/powerpoint/2010/main" val="2142696986"/>
+      </p:ext>
+    </p:extLst>
+  </p:cSld>
+  <p:clrMapOvr>
+    <a:masterClrMapping/>
+  </p:clrMapOvr>
+  <p:timing>
+    <p:tnLst>
+      <p:par>
+        <p:cTn id="1" dur="indefinite" restart="never" nodeType="tmRoot">
+          <p:childTnLst>
+            <p:seq concurrent="1" nextAc="seek">
+              <p:cTn id="2" dur="indefinite" nodeType="mainSeq">
+                <p:childTnLst>
+                  <p:par>
+                    <p:cTn id="3" fill="hold">
+                      <p:stCondLst>
+                        <p:cond delay="indefinite"/>
+                      </p:stCondLst>
+                      <p:childTnLst>
+                        <p:par>
+                          <p:cTn id="4" fill="hold">
+                            <p:stCondLst>
+                              <p:cond delay="0"/>
+                            </p:stCondLst>
+                            <p:childTnLst>
+                              <p:par>
+                                <p:cTn id="5" presetID="1" presetClass="entr" presetSubtype="0" fill="hold" nodeType="clickEffect">
+                                  <p:stCondLst>
+                                    <p:cond delay="0"/>
+                                  </p:stCondLst>
+                                  <p:childTnLst>
+                                    <p:set>
+                                      <p:cBhvr>
+                                        <p:cTn id="6" dur="1" fill="hold">
+                                          <p:stCondLst>
+                                            <p:cond delay="0"/>
+                                          </p:stCondLst>
+                                        </p:cTn>
+                                        <p:tgtEl>
+                                          <p:spTgt spid="3">
+                                            <p:txEl>
+                                              <p:pRg st="0" end="0"/>
+                                            </p:txEl>
+                                          </p:spTgt>
+                                        </p:tgtEl>
+                                        <p:attrNameLst>
+                                          <p:attrName>style.visibility</p:attrName>
+                                        </p:attrNameLst>
+                                      </p:cBhvr>
+                                      <p:to>
+                                        <p:strVal val="visible"/>
+                                      </p:to>
+                                    </p:set>
+                                  </p:childTnLst>
+                                </p:cTn>
+                              </p:par>
+                            </p:childTnLst>
+                          </p:cTn>
+                        </p:par>
+                      </p:childTnLst>
+                    </p:cTn>
+                  </p:par>
+                  <p:par>
+                    <p:cTn id="7" fill="hold">
+                      <p:stCondLst>
+                        <p:cond delay="indefinite"/>
+                      </p:stCondLst>
+                      <p:childTnLst>
+                        <p:par>
+                          <p:cTn id="8" fill="hold">
+                            <p:stCondLst>
+                              <p:cond delay="0"/>
+                            </p:stCondLst>
+                            <p:childTnLst>
+                              <p:par>
+                                <p:cTn id="9" presetID="1" presetClass="entr" presetSubtype="0" fill="hold" nodeType="clickEffect">
+                                  <p:stCondLst>
+                                    <p:cond delay="0"/>
+                                  </p:stCondLst>
+                                  <p:childTnLst>
+                                    <p:set>
+                                      <p:cBhvr>
+                                        <p:cTn id="10" dur="1" fill="hold">
+                                          <p:stCondLst>
+                                            <p:cond delay="0"/>
+                                          </p:stCondLst>
+                                        </p:cTn>
+                                        <p:tgtEl>
+                                          <p:spTgt spid="3">
+                                            <p:txEl>
+                                              <p:pRg st="1" end="1"/>
+                                            </p:txEl>
+                                          </p:spTgt>
+                                        </p:tgtEl>
+                                        <p:attrNameLst>
+                                          <p:attrName>style.visibility</p:attrName>
+                                        </p:attrNameLst>
+                                      </p:cBhvr>
+                                      <p:to>
+                                        <p:strVal val="visible"/>
+                                      </p:to>
+                                    </p:set>
+                                  </p:childTnLst>
+                                </p:cTn>
+                              </p:par>
+                              <p:par>
+                                <p:cTn id="11" presetID="1" presetClass="entr" presetSubtype="0" fill="hold" nodeType="withEffect">
+                                  <p:stCondLst>
+                                    <p:cond delay="0"/>
+                                  </p:stCondLst>
+                                  <p:childTnLst>
+                                    <p:set>
+                                      <p:cBhvr>
+                                        <p:cTn id="12" dur="1" fill="hold">
+                                          <p:stCondLst>
+                                            <p:cond delay="0"/>
+                                          </p:stCondLst>
+                                        </p:cTn>
+                                        <p:tgtEl>
+                                          <p:spTgt spid="12"/>
+                                        </p:tgtEl>
+                                        <p:attrNameLst>
+                                          <p:attrName>style.visibility</p:attrName>
+                                        </p:attrNameLst>
+                                      </p:cBhvr>
+                                      <p:to>
+                                        <p:strVal val="visible"/>
+                                      </p:to>
+                                    </p:set>
+                                  </p:childTnLst>
+                                </p:cTn>
+                              </p:par>
+                            </p:childTnLst>
+                          </p:cTn>
+                        </p:par>
+                      </p:childTnLst>
+                    </p:cTn>
+                  </p:par>
+                  <p:par>
+                    <p:cTn id="13" fill="hold">
+                      <p:stCondLst>
+                        <p:cond delay="indefinite"/>
+                      </p:stCondLst>
+                      <p:childTnLst>
+                        <p:par>
+                          <p:cTn id="14" fill="hold">
+                            <p:stCondLst>
+                              <p:cond delay="0"/>
+                            </p:stCondLst>
+                            <p:childTnLst>
+                              <p:par>
+                                <p:cTn id="15" presetID="1" presetClass="entr" presetSubtype="0" fill="hold" nodeType="clickEffect">
+                                  <p:stCondLst>
+                                    <p:cond delay="0"/>
+                                  </p:stCondLst>
+                                  <p:childTnLst>
+                                    <p:set>
+                                      <p:cBhvr>
+                                        <p:cTn id="16" dur="1" fill="hold">
+                                          <p:stCondLst>
+                                            <p:cond delay="0"/>
+                                          </p:stCondLst>
+                                        </p:cTn>
+                                        <p:tgtEl>
+                                          <p:spTgt spid="3">
+                                            <p:txEl>
+                                              <p:pRg st="3" end="3"/>
+                                            </p:txEl>
+                                          </p:spTgt>
+                                        </p:tgtEl>
+                                        <p:attrNameLst>
+                                          <p:attrName>style.visibility</p:attrName>
+                                        </p:attrNameLst>
+                                      </p:cBhvr>
+                                      <p:to>
+                                        <p:strVal val="visible"/>
+                                      </p:to>
+                                    </p:set>
+                                  </p:childTnLst>
+                                </p:cTn>
+                              </p:par>
+                              <p:par>
+                                <p:cTn id="17" presetID="1" presetClass="entr" presetSubtype="0" fill="hold" nodeType="withEffect">
+                                  <p:stCondLst>
+                                    <p:cond delay="0"/>
+                                  </p:stCondLst>
+                                  <p:childTnLst>
+                                    <p:set>
+                                      <p:cBhvr>
+                                        <p:cTn id="18" dur="1" fill="hold">
+                                          <p:stCondLst>
+                                            <p:cond delay="0"/>
+                                          </p:stCondLst>
+                                        </p:cTn>
+                                        <p:tgtEl>
+                                          <p:spTgt spid="10"/>
+                                        </p:tgtEl>
+                                        <p:attrNameLst>
+                                          <p:attrName>style.visibility</p:attrName>
+                                        </p:attrNameLst>
+                                      </p:cBhvr>
+                                      <p:to>
+                                        <p:strVal val="visible"/>
+                                      </p:to>
+                                    </p:set>
+                                  </p:childTnLst>
+                                </p:cTn>
+                              </p:par>
+                            </p:childTnLst>
+                          </p:cTn>
+                        </p:par>
+                      </p:childTnLst>
+                    </p:cTn>
+                  </p:par>
+                </p:childTnLst>
+              </p:cTn>
+              <p:prevCondLst>
+                <p:cond evt="onPrev" delay="0">
+                  <p:tgtEl>
+                    <p:sldTgt/>
+                  </p:tgtEl>
+                </p:cond>
+              </p:prevCondLst>
+              <p:nextCondLst>
+                <p:cond evt="onNext" delay="0">
+                  <p:tgtEl>
+                    <p:sldTgt/>
+                  </p:tgtEl>
+                </p:cond>
+              </p:nextCondLst>
+            </p:seq>
+          </p:childTnLst>
+        </p:cTn>
+      </p:par>
+    </p:tnLst>
+  </p:timing>
 </p:sld>
 </file>
 
@@ -4455,14 +8599,14 @@
         <a:srgbClr val="954F72"/>
       </a:folHlink>
     </a:clrScheme>
-    <a:fontScheme name="Office">
+    <a:fontScheme name="Times New Roman-Arial">
       <a:majorFont>
-        <a:latin typeface="Calibri Light" panose="020F0302020204030204"/>
+        <a:latin typeface="Times New Roman" panose="02020603050405020304"/>
         <a:ea typeface=""/>
         <a:cs typeface=""/>
-        <a:font script="Jpan" typeface="游ゴシック Light"/>
-        <a:font script="Hang" typeface="맑은 고딕"/>
-        <a:font script="Hans" typeface="等线 Light"/>
+        <a:font script="Jpan" typeface="ＭＳ Ｐ明朝"/>
+        <a:font script="Hang" typeface="바탕"/>
+        <a:font script="Hans" typeface="宋体"/>
         <a:font script="Hant" typeface="新細明體"/>
         <a:font script="Arab" typeface="Times New Roman"/>
         <a:font script="Hebr" typeface="Times New Roman"/>
@@ -4490,32 +8634,15 @@
         <a:font script="Viet" typeface="Times New Roman"/>
         <a:font script="Uigh" typeface="Microsoft Uighur"/>
         <a:font script="Geor" typeface="Sylfaen"/>
-        <a:font script="Armn" typeface="Arial"/>
-        <a:font script="Bugi" typeface="Leelawadee UI"/>
-        <a:font script="Bopo" typeface="Microsoft JhengHei"/>
-        <a:font script="Java" typeface="Javanese Text"/>
-        <a:font script="Lisu" typeface="Segoe UI"/>
-        <a:font script="Mymr" typeface="Myanmar Text"/>
-        <a:font script="Nkoo" typeface="Ebrima"/>
-        <a:font script="Olck" typeface="Nirmala UI"/>
-        <a:font script="Osma" typeface="Ebrima"/>
-        <a:font script="Phag" typeface="Phagspa"/>
-        <a:font script="Syrn" typeface="Estrangelo Edessa"/>
-        <a:font script="Syrj" typeface="Estrangelo Edessa"/>
-        <a:font script="Syre" typeface="Estrangelo Edessa"/>
-        <a:font script="Sora" typeface="Nirmala UI"/>
-        <a:font script="Tale" typeface="Microsoft Tai Le"/>
-        <a:font script="Talu" typeface="Microsoft New Tai Lue"/>
-        <a:font script="Tfng" typeface="Ebrima"/>
       </a:majorFont>
       <a:minorFont>
-        <a:latin typeface="Calibri" panose="020F0502020204030204"/>
+        <a:latin typeface="Arial" panose="020B0604020202020204"/>
         <a:ea typeface=""/>
         <a:cs typeface=""/>
-        <a:font script="Jpan" typeface="游ゴシック"/>
-        <a:font script="Hang" typeface="맑은 고딕"/>
-        <a:font script="Hans" typeface="等线"/>
-        <a:font script="Hant" typeface="新細明體"/>
+        <a:font script="Jpan" typeface="ＭＳ Ｐゴシック"/>
+        <a:font script="Hang" typeface="돋움"/>
+        <a:font script="Hans" typeface="黑体"/>
+        <a:font script="Hant" typeface="微軟正黑體"/>
         <a:font script="Arab" typeface="Arial"/>
         <a:font script="Hebr" typeface="Arial"/>
         <a:font script="Thai" typeface="Cordia New"/>
@@ -4542,23 +8669,6 @@
         <a:font script="Viet" typeface="Arial"/>
         <a:font script="Uigh" typeface="Microsoft Uighur"/>
         <a:font script="Geor" typeface="Sylfaen"/>
-        <a:font script="Armn" typeface="Arial"/>
-        <a:font script="Bugi" typeface="Leelawadee UI"/>
-        <a:font script="Bopo" typeface="Microsoft JhengHei"/>
-        <a:font script="Java" typeface="Javanese Text"/>
-        <a:font script="Lisu" typeface="Segoe UI"/>
-        <a:font script="Mymr" typeface="Myanmar Text"/>
-        <a:font script="Nkoo" typeface="Ebrima"/>
-        <a:font script="Olck" typeface="Nirmala UI"/>
-        <a:font script="Osma" typeface="Ebrima"/>
-        <a:font script="Phag" typeface="Phagspa"/>
-        <a:font script="Syrn" typeface="Estrangelo Edessa"/>
-        <a:font script="Syrj" typeface="Estrangelo Edessa"/>
-        <a:font script="Syre" typeface="Estrangelo Edessa"/>
-        <a:font script="Sora" typeface="Nirmala UI"/>
-        <a:font script="Tale" typeface="Microsoft Tai Le"/>
-        <a:font script="Talu" typeface="Microsoft New Tai Lue"/>
-        <a:font script="Tfng" typeface="Ebrima"/>
       </a:minorFont>
     </a:fontScheme>
     <a:fmtScheme name="Office">
@@ -4707,4 +8817,319 @@
     </a:ext>
   </a:extLst>
 </a:theme>
+</file>
+
+<file path=ppt/theme/theme2.xml><?xml version="1.0" encoding="utf-8"?>
+<a:theme xmlns:a="http://schemas.openxmlformats.org/drawingml/2006/main" name="Office Theme">
+  <a:themeElements>
+    <a:clrScheme name="Office">
+      <a:dk1>
+        <a:sysClr val="windowText" lastClr="000000"/>
+      </a:dk1>
+      <a:lt1>
+        <a:sysClr val="window" lastClr="FFFFFF"/>
+      </a:lt1>
+      <a:dk2>
+        <a:srgbClr val="0E2841"/>
+      </a:dk2>
+      <a:lt2>
+        <a:srgbClr val="E8E8E8"/>
+      </a:lt2>
+      <a:accent1>
+        <a:srgbClr val="156082"/>
+      </a:accent1>
+      <a:accent2>
+        <a:srgbClr val="E97132"/>
+      </a:accent2>
+      <a:accent3>
+        <a:srgbClr val="196B24"/>
+      </a:accent3>
+      <a:accent4>
+        <a:srgbClr val="0F9ED5"/>
+      </a:accent4>
+      <a:accent5>
+        <a:srgbClr val="A02B93"/>
+      </a:accent5>
+      <a:accent6>
+        <a:srgbClr val="4EA72E"/>
+      </a:accent6>
+      <a:hlink>
+        <a:srgbClr val="467886"/>
+      </a:hlink>
+      <a:folHlink>
+        <a:srgbClr val="96607D"/>
+      </a:folHlink>
+    </a:clrScheme>
+    <a:fontScheme name="Office">
+      <a:majorFont>
+        <a:latin typeface="Aptos Display" panose="02110004020202020204"/>
+        <a:ea typeface=""/>
+        <a:cs typeface=""/>
+        <a:font script="Jpan" typeface="游ゴシック Light"/>
+        <a:font script="Hang" typeface="맑은 고딕"/>
+        <a:font script="Hans" typeface="等线 Light"/>
+        <a:font script="Hant" typeface="新細明體"/>
+        <a:font script="Arab" typeface="Times New Roman"/>
+        <a:font script="Hebr" typeface="Times New Roman"/>
+        <a:font script="Thai" typeface="Angsana New"/>
+        <a:font script="Ethi" typeface="Nyala"/>
+        <a:font script="Beng" typeface="Vrinda"/>
+        <a:font script="Gujr" typeface="Shruti"/>
+        <a:font script="Khmr" typeface="MoolBoran"/>
+        <a:font script="Knda" typeface="Tunga"/>
+        <a:font script="Guru" typeface="Raavi"/>
+        <a:font script="Cans" typeface="Euphemia"/>
+        <a:font script="Cher" typeface="Plantagenet Cherokee"/>
+        <a:font script="Yiii" typeface="Microsoft Yi Baiti"/>
+        <a:font script="Tibt" typeface="Microsoft Himalaya"/>
+        <a:font script="Thaa" typeface="MV Boli"/>
+        <a:font script="Deva" typeface="Mangal"/>
+        <a:font script="Telu" typeface="Gautami"/>
+        <a:font script="Taml" typeface="Latha"/>
+        <a:font script="Syrc" typeface="Estrangelo Edessa"/>
+        <a:font script="Orya" typeface="Kalinga"/>
+        <a:font script="Mlym" typeface="Kartika"/>
+        <a:font script="Laoo" typeface="DokChampa"/>
+        <a:font script="Sinh" typeface="Iskoola Pota"/>
+        <a:font script="Mong" typeface="Mongolian Baiti"/>
+        <a:font script="Viet" typeface="Times New Roman"/>
+        <a:font script="Uigh" typeface="Microsoft Uighur"/>
+        <a:font script="Geor" typeface="Sylfaen"/>
+        <a:font script="Armn" typeface="Arial"/>
+        <a:font script="Bugi" typeface="Leelawadee UI"/>
+        <a:font script="Bopo" typeface="Microsoft JhengHei"/>
+        <a:font script="Java" typeface="Javanese Text"/>
+        <a:font script="Lisu" typeface="Segoe UI"/>
+        <a:font script="Mymr" typeface="Myanmar Text"/>
+        <a:font script="Nkoo" typeface="Ebrima"/>
+        <a:font script="Olck" typeface="Nirmala UI"/>
+        <a:font script="Osma" typeface="Ebrima"/>
+        <a:font script="Phag" typeface="Phagspa"/>
+        <a:font script="Syrn" typeface="Estrangelo Edessa"/>
+        <a:font script="Syrj" typeface="Estrangelo Edessa"/>
+        <a:font script="Syre" typeface="Estrangelo Edessa"/>
+        <a:font script="Sora" typeface="Nirmala UI"/>
+        <a:font script="Tale" typeface="Microsoft Tai Le"/>
+        <a:font script="Talu" typeface="Microsoft New Tai Lue"/>
+        <a:font script="Tfng" typeface="Ebrima"/>
+      </a:majorFont>
+      <a:minorFont>
+        <a:latin typeface="Aptos" panose="02110004020202020204"/>
+        <a:ea typeface=""/>
+        <a:cs typeface=""/>
+        <a:font script="Jpan" typeface="游ゴシック"/>
+        <a:font script="Hang" typeface="맑은 고딕"/>
+        <a:font script="Hans" typeface="等线"/>
+        <a:font script="Hant" typeface="新細明體"/>
+        <a:font script="Arab" typeface="Arial"/>
+        <a:font script="Hebr" typeface="Arial"/>
+        <a:font script="Thai" typeface="Cordia New"/>
+        <a:font script="Ethi" typeface="Nyala"/>
+        <a:font script="Beng" typeface="Vrinda"/>
+        <a:font script="Gujr" typeface="Shruti"/>
+        <a:font script="Khmr" typeface="DaunPenh"/>
+        <a:font script="Knda" typeface="Tunga"/>
+        <a:font script="Guru" typeface="Raavi"/>
+        <a:font script="Cans" typeface="Euphemia"/>
+        <a:font script="Cher" typeface="Plantagenet Cherokee"/>
+        <a:font script="Yiii" typeface="Microsoft Yi Baiti"/>
+        <a:font script="Tibt" typeface="Microsoft Himalaya"/>
+        <a:font script="Thaa" typeface="MV Boli"/>
+        <a:font script="Deva" typeface="Mangal"/>
+        <a:font script="Telu" typeface="Gautami"/>
+        <a:font script="Taml" typeface="Latha"/>
+        <a:font script="Syrc" typeface="Estrangelo Edessa"/>
+        <a:font script="Orya" typeface="Kalinga"/>
+        <a:font script="Mlym" typeface="Kartika"/>
+        <a:font script="Laoo" typeface="DokChampa"/>
+        <a:font script="Sinh" typeface="Iskoola Pota"/>
+        <a:font script="Mong" typeface="Mongolian Baiti"/>
+        <a:font script="Viet" typeface="Arial"/>
+        <a:font script="Uigh" typeface="Microsoft Uighur"/>
+        <a:font script="Geor" typeface="Sylfaen"/>
+        <a:font script="Armn" typeface="Arial"/>
+        <a:font script="Bugi" typeface="Leelawadee UI"/>
+        <a:font script="Bopo" typeface="Microsoft JhengHei"/>
+        <a:font script="Java" typeface="Javanese Text"/>
+        <a:font script="Lisu" typeface="Segoe UI"/>
+        <a:font script="Mymr" typeface="Myanmar Text"/>
+        <a:font script="Nkoo" typeface="Ebrima"/>
+        <a:font script="Olck" typeface="Nirmala UI"/>
+        <a:font script="Osma" typeface="Ebrima"/>
+        <a:font script="Phag" typeface="Phagspa"/>
+        <a:font script="Syrn" typeface="Estrangelo Edessa"/>
+        <a:font script="Syrj" typeface="Estrangelo Edessa"/>
+        <a:font script="Syre" typeface="Estrangelo Edessa"/>
+        <a:font script="Sora" typeface="Nirmala UI"/>
+        <a:font script="Tale" typeface="Microsoft Tai Le"/>
+        <a:font script="Talu" typeface="Microsoft New Tai Lue"/>
+        <a:font script="Tfng" typeface="Ebrima"/>
+      </a:minorFont>
+    </a:fontScheme>
+    <a:fmtScheme name="Office">
+      <a:fillStyleLst>
+        <a:solidFill>
+          <a:schemeClr val="phClr"/>
+        </a:solidFill>
+        <a:gradFill rotWithShape="1">
+          <a:gsLst>
+            <a:gs pos="0">
+              <a:schemeClr val="phClr">
+                <a:lumMod val="110000"/>
+                <a:satMod val="105000"/>
+                <a:tint val="67000"/>
+              </a:schemeClr>
+            </a:gs>
+            <a:gs pos="50000">
+              <a:schemeClr val="phClr">
+                <a:lumMod val="105000"/>
+                <a:satMod val="103000"/>
+                <a:tint val="73000"/>
+              </a:schemeClr>
+            </a:gs>
+            <a:gs pos="100000">
+              <a:schemeClr val="phClr">
+                <a:lumMod val="105000"/>
+                <a:satMod val="109000"/>
+                <a:tint val="81000"/>
+              </a:schemeClr>
+            </a:gs>
+          </a:gsLst>
+          <a:lin ang="5400000" scaled="0"/>
+        </a:gradFill>
+        <a:gradFill rotWithShape="1">
+          <a:gsLst>
+            <a:gs pos="0">
+              <a:schemeClr val="phClr">
+                <a:satMod val="103000"/>
+                <a:lumMod val="102000"/>
+                <a:tint val="94000"/>
+              </a:schemeClr>
+            </a:gs>
+            <a:gs pos="50000">
+              <a:schemeClr val="phClr">
+                <a:satMod val="110000"/>
+                <a:lumMod val="100000"/>
+                <a:shade val="100000"/>
+              </a:schemeClr>
+            </a:gs>
+            <a:gs pos="100000">
+              <a:schemeClr val="phClr">
+                <a:lumMod val="99000"/>
+                <a:satMod val="120000"/>
+                <a:shade val="78000"/>
+              </a:schemeClr>
+            </a:gs>
+          </a:gsLst>
+          <a:lin ang="5400000" scaled="0"/>
+        </a:gradFill>
+      </a:fillStyleLst>
+      <a:lnStyleLst>
+        <a:ln w="12700" cap="flat" cmpd="sng" algn="ctr">
+          <a:solidFill>
+            <a:schemeClr val="phClr"/>
+          </a:solidFill>
+          <a:prstDash val="solid"/>
+          <a:miter lim="800000"/>
+        </a:ln>
+        <a:ln w="19050" cap="flat" cmpd="sng" algn="ctr">
+          <a:solidFill>
+            <a:schemeClr val="phClr"/>
+          </a:solidFill>
+          <a:prstDash val="solid"/>
+          <a:miter lim="800000"/>
+        </a:ln>
+        <a:ln w="25400" cap="flat" cmpd="sng" algn="ctr">
+          <a:solidFill>
+            <a:schemeClr val="phClr"/>
+          </a:solidFill>
+          <a:prstDash val="solid"/>
+          <a:miter lim="800000"/>
+        </a:ln>
+      </a:lnStyleLst>
+      <a:effectStyleLst>
+        <a:effectStyle>
+          <a:effectLst/>
+        </a:effectStyle>
+        <a:effectStyle>
+          <a:effectLst/>
+        </a:effectStyle>
+        <a:effectStyle>
+          <a:effectLst>
+            <a:outerShdw blurRad="57150" dist="19050" dir="5400000" algn="ctr" rotWithShape="0">
+              <a:srgbClr val="000000">
+                <a:alpha val="63000"/>
+              </a:srgbClr>
+            </a:outerShdw>
+          </a:effectLst>
+        </a:effectStyle>
+      </a:effectStyleLst>
+      <a:bgFillStyleLst>
+        <a:solidFill>
+          <a:schemeClr val="phClr"/>
+        </a:solidFill>
+        <a:solidFill>
+          <a:schemeClr val="phClr">
+            <a:tint val="95000"/>
+            <a:satMod val="170000"/>
+          </a:schemeClr>
+        </a:solidFill>
+        <a:gradFill rotWithShape="1">
+          <a:gsLst>
+            <a:gs pos="0">
+              <a:schemeClr val="phClr">
+                <a:tint val="93000"/>
+                <a:satMod val="150000"/>
+                <a:shade val="98000"/>
+                <a:lumMod val="102000"/>
+              </a:schemeClr>
+            </a:gs>
+            <a:gs pos="50000">
+              <a:schemeClr val="phClr">
+                <a:tint val="98000"/>
+                <a:satMod val="130000"/>
+                <a:shade val="90000"/>
+                <a:lumMod val="103000"/>
+              </a:schemeClr>
+            </a:gs>
+            <a:gs pos="100000">
+              <a:schemeClr val="phClr">
+                <a:shade val="63000"/>
+                <a:satMod val="120000"/>
+              </a:schemeClr>
+            </a:gs>
+          </a:gsLst>
+          <a:lin ang="5400000" scaled="0"/>
+        </a:gradFill>
+      </a:bgFillStyleLst>
+    </a:fmtScheme>
+  </a:themeElements>
+  <a:objectDefaults>
+    <a:lnDef>
+      <a:spPr/>
+      <a:bodyPr/>
+      <a:lstStyle/>
+      <a:style>
+        <a:lnRef idx="2">
+          <a:schemeClr val="accent1"/>
+        </a:lnRef>
+        <a:fillRef idx="0">
+          <a:schemeClr val="accent1"/>
+        </a:fillRef>
+        <a:effectRef idx="1">
+          <a:schemeClr val="accent1"/>
+        </a:effectRef>
+        <a:fontRef idx="minor">
+          <a:schemeClr val="tx1"/>
+        </a:fontRef>
+      </a:style>
+    </a:lnDef>
+  </a:objectDefaults>
+  <a:extraClrSchemeLst/>
+  <a:extLst>
+    <a:ext uri="{05A4C25C-085E-4340-85A3-A5531E510DB2}">
+      <thm15:themeFamily xmlns:thm15="http://schemas.microsoft.com/office/thememl/2012/main" name="Office Theme" id="{2E142A2C-CD16-42D6-873A-C26D2A0506FA}" vid="{1BDDFF52-6CD6-40A5-AB3C-68EB2F1E4D0A}"/>
+    </a:ext>
+  </a:extLst>
+</a:theme>
 </file>